--- a/1022/class유승화.pptx
+++ b/1022/class유승화.pptx
@@ -9,7 +9,10 @@
     <p:sldId id="258" r:id="rId3"/>
     <p:sldId id="259" r:id="rId4"/>
     <p:sldId id="260" r:id="rId5"/>
-    <p:sldId id="261" r:id="rId6"/>
+    <p:sldId id="262" r:id="rId6"/>
+    <p:sldId id="263" r:id="rId7"/>
+    <p:sldId id="264" r:id="rId8"/>
+    <p:sldId id="261" r:id="rId9"/>
   </p:sldIdLst>
   <p:sldSz cx="9144000" cy="6858000" type="screen4x3"/>
   <p:notesSz cx="6858000" cy="9144000"/>
@@ -292,6 +295,7 @@
           <a:p>
             <a:fld id="{77C5DE9C-5974-4C7F-9BF0-9A19F4153F94}" type="datetimeFigureOut">
               <a:rPr lang="ko-KR" altLang="en-US" smtClean="0"/>
+              <a:pPr/>
               <a:t>2020-10-22</a:t>
             </a:fld>
             <a:endParaRPr lang="ko-KR" altLang="en-US"/>
@@ -334,6 +338,7 @@
           <a:p>
             <a:fld id="{588BAA9B-1C08-4353-BE5E-7254FC89E8BB}" type="slidenum">
               <a:rPr lang="ko-KR" altLang="en-US" smtClean="0"/>
+              <a:pPr/>
               <a:t>‹#›</a:t>
             </a:fld>
             <a:endParaRPr lang="ko-KR" altLang="en-US"/>
@@ -457,6 +462,7 @@
           <a:p>
             <a:fld id="{77C5DE9C-5974-4C7F-9BF0-9A19F4153F94}" type="datetimeFigureOut">
               <a:rPr lang="ko-KR" altLang="en-US" smtClean="0"/>
+              <a:pPr/>
               <a:t>2020-10-22</a:t>
             </a:fld>
             <a:endParaRPr lang="ko-KR" altLang="en-US"/>
@@ -499,6 +505,7 @@
           <a:p>
             <a:fld id="{588BAA9B-1C08-4353-BE5E-7254FC89E8BB}" type="slidenum">
               <a:rPr lang="ko-KR" altLang="en-US" smtClean="0"/>
+              <a:pPr/>
               <a:t>‹#›</a:t>
             </a:fld>
             <a:endParaRPr lang="ko-KR" altLang="en-US"/>
@@ -632,6 +639,7 @@
           <a:p>
             <a:fld id="{77C5DE9C-5974-4C7F-9BF0-9A19F4153F94}" type="datetimeFigureOut">
               <a:rPr lang="ko-KR" altLang="en-US" smtClean="0"/>
+              <a:pPr/>
               <a:t>2020-10-22</a:t>
             </a:fld>
             <a:endParaRPr lang="ko-KR" altLang="en-US"/>
@@ -674,6 +682,7 @@
           <a:p>
             <a:fld id="{588BAA9B-1C08-4353-BE5E-7254FC89E8BB}" type="slidenum">
               <a:rPr lang="ko-KR" altLang="en-US" smtClean="0"/>
+              <a:pPr/>
               <a:t>‹#›</a:t>
             </a:fld>
             <a:endParaRPr lang="ko-KR" altLang="en-US"/>
@@ -797,6 +806,7 @@
           <a:p>
             <a:fld id="{77C5DE9C-5974-4C7F-9BF0-9A19F4153F94}" type="datetimeFigureOut">
               <a:rPr lang="ko-KR" altLang="en-US" smtClean="0"/>
+              <a:pPr/>
               <a:t>2020-10-22</a:t>
             </a:fld>
             <a:endParaRPr lang="ko-KR" altLang="en-US"/>
@@ -839,6 +849,7 @@
           <a:p>
             <a:fld id="{588BAA9B-1C08-4353-BE5E-7254FC89E8BB}" type="slidenum">
               <a:rPr lang="ko-KR" altLang="en-US" smtClean="0"/>
+              <a:pPr/>
               <a:t>‹#›</a:t>
             </a:fld>
             <a:endParaRPr lang="ko-KR" altLang="en-US"/>
@@ -1038,6 +1049,7 @@
           <a:p>
             <a:fld id="{77C5DE9C-5974-4C7F-9BF0-9A19F4153F94}" type="datetimeFigureOut">
               <a:rPr lang="ko-KR" altLang="en-US" smtClean="0"/>
+              <a:pPr/>
               <a:t>2020-10-22</a:t>
             </a:fld>
             <a:endParaRPr lang="ko-KR" altLang="en-US"/>
@@ -1080,6 +1092,7 @@
           <a:p>
             <a:fld id="{588BAA9B-1C08-4353-BE5E-7254FC89E8BB}" type="slidenum">
               <a:rPr lang="ko-KR" altLang="en-US" smtClean="0"/>
+              <a:pPr/>
               <a:t>‹#›</a:t>
             </a:fld>
             <a:endParaRPr lang="ko-KR" altLang="en-US"/>
@@ -1321,6 +1334,7 @@
           <a:p>
             <a:fld id="{77C5DE9C-5974-4C7F-9BF0-9A19F4153F94}" type="datetimeFigureOut">
               <a:rPr lang="ko-KR" altLang="en-US" smtClean="0"/>
+              <a:pPr/>
               <a:t>2020-10-22</a:t>
             </a:fld>
             <a:endParaRPr lang="ko-KR" altLang="en-US"/>
@@ -1363,6 +1377,7 @@
           <a:p>
             <a:fld id="{588BAA9B-1C08-4353-BE5E-7254FC89E8BB}" type="slidenum">
               <a:rPr lang="ko-KR" altLang="en-US" smtClean="0"/>
+              <a:pPr/>
               <a:t>‹#›</a:t>
             </a:fld>
             <a:endParaRPr lang="ko-KR" altLang="en-US"/>
@@ -1738,6 +1753,7 @@
           <a:p>
             <a:fld id="{77C5DE9C-5974-4C7F-9BF0-9A19F4153F94}" type="datetimeFigureOut">
               <a:rPr lang="ko-KR" altLang="en-US" smtClean="0"/>
+              <a:pPr/>
               <a:t>2020-10-22</a:t>
             </a:fld>
             <a:endParaRPr lang="ko-KR" altLang="en-US"/>
@@ -1780,6 +1796,7 @@
           <a:p>
             <a:fld id="{588BAA9B-1C08-4353-BE5E-7254FC89E8BB}" type="slidenum">
               <a:rPr lang="ko-KR" altLang="en-US" smtClean="0"/>
+              <a:pPr/>
               <a:t>‹#›</a:t>
             </a:fld>
             <a:endParaRPr lang="ko-KR" altLang="en-US"/>
@@ -1851,6 +1868,7 @@
           <a:p>
             <a:fld id="{77C5DE9C-5974-4C7F-9BF0-9A19F4153F94}" type="datetimeFigureOut">
               <a:rPr lang="ko-KR" altLang="en-US" smtClean="0"/>
+              <a:pPr/>
               <a:t>2020-10-22</a:t>
             </a:fld>
             <a:endParaRPr lang="ko-KR" altLang="en-US"/>
@@ -1893,6 +1911,7 @@
           <a:p>
             <a:fld id="{588BAA9B-1C08-4353-BE5E-7254FC89E8BB}" type="slidenum">
               <a:rPr lang="ko-KR" altLang="en-US" smtClean="0"/>
+              <a:pPr/>
               <a:t>‹#›</a:t>
             </a:fld>
             <a:endParaRPr lang="ko-KR" altLang="en-US"/>
@@ -1941,6 +1960,7 @@
           <a:p>
             <a:fld id="{77C5DE9C-5974-4C7F-9BF0-9A19F4153F94}" type="datetimeFigureOut">
               <a:rPr lang="ko-KR" altLang="en-US" smtClean="0"/>
+              <a:pPr/>
               <a:t>2020-10-22</a:t>
             </a:fld>
             <a:endParaRPr lang="ko-KR" altLang="en-US"/>
@@ -1983,6 +2003,7 @@
           <a:p>
             <a:fld id="{588BAA9B-1C08-4353-BE5E-7254FC89E8BB}" type="slidenum">
               <a:rPr lang="ko-KR" altLang="en-US" smtClean="0"/>
+              <a:pPr/>
               <a:t>‹#›</a:t>
             </a:fld>
             <a:endParaRPr lang="ko-KR" altLang="en-US"/>
@@ -2213,6 +2234,7 @@
           <a:p>
             <a:fld id="{77C5DE9C-5974-4C7F-9BF0-9A19F4153F94}" type="datetimeFigureOut">
               <a:rPr lang="ko-KR" altLang="en-US" smtClean="0"/>
+              <a:pPr/>
               <a:t>2020-10-22</a:t>
             </a:fld>
             <a:endParaRPr lang="ko-KR" altLang="en-US"/>
@@ -2255,6 +2277,7 @@
           <a:p>
             <a:fld id="{588BAA9B-1C08-4353-BE5E-7254FC89E8BB}" type="slidenum">
               <a:rPr lang="ko-KR" altLang="en-US" smtClean="0"/>
+              <a:pPr/>
               <a:t>‹#›</a:t>
             </a:fld>
             <a:endParaRPr lang="ko-KR" altLang="en-US"/>
@@ -2461,6 +2484,7 @@
           <a:p>
             <a:fld id="{77C5DE9C-5974-4C7F-9BF0-9A19F4153F94}" type="datetimeFigureOut">
               <a:rPr lang="ko-KR" altLang="en-US" smtClean="0"/>
+              <a:pPr/>
               <a:t>2020-10-22</a:t>
             </a:fld>
             <a:endParaRPr lang="ko-KR" altLang="en-US"/>
@@ -2503,6 +2527,7 @@
           <a:p>
             <a:fld id="{588BAA9B-1C08-4353-BE5E-7254FC89E8BB}" type="slidenum">
               <a:rPr lang="ko-KR" altLang="en-US" smtClean="0"/>
+              <a:pPr/>
               <a:t>‹#›</a:t>
             </a:fld>
             <a:endParaRPr lang="ko-KR" altLang="en-US"/>
@@ -2669,6 +2694,7 @@
           <a:p>
             <a:fld id="{77C5DE9C-5974-4C7F-9BF0-9A19F4153F94}" type="datetimeFigureOut">
               <a:rPr lang="ko-KR" altLang="en-US" smtClean="0"/>
+              <a:pPr/>
               <a:t>2020-10-22</a:t>
             </a:fld>
             <a:endParaRPr lang="ko-KR" altLang="en-US"/>
@@ -2747,6 +2773,7 @@
           <a:p>
             <a:fld id="{588BAA9B-1C08-4353-BE5E-7254FC89E8BB}" type="slidenum">
               <a:rPr lang="ko-KR" altLang="en-US" smtClean="0"/>
+              <a:pPr/>
               <a:t>‹#›</a:t>
             </a:fld>
             <a:endParaRPr lang="ko-KR" altLang="en-US"/>
@@ -3044,7 +3071,7 @@
           <p:cNvPr id="2" name="직선 연결선 1">
             <a:extLst>
               <a:ext uri="{FF2B5EF4-FFF2-40B4-BE49-F238E27FC236}">
-                <a16:creationId xmlns:a16="http://schemas.microsoft.com/office/drawing/2014/main" xmlns="" id="{735B9572-2CF3-4846-9D23-183DADB47ED9}"/>
+                <a16:creationId xmlns="" xmlns:a16="http://schemas.microsoft.com/office/drawing/2014/main" id="{735B9572-2CF3-4846-9D23-183DADB47ED9}"/>
               </a:ext>
             </a:extLst>
           </p:cNvPr>
@@ -3085,7 +3112,7 @@
           <p:cNvPr id="4" name="TextBox 9">
             <a:extLst>
               <a:ext uri="{FF2B5EF4-FFF2-40B4-BE49-F238E27FC236}">
-                <a16:creationId xmlns:a16="http://schemas.microsoft.com/office/drawing/2014/main" xmlns="" id="{50C0A1B9-E762-4DD7-A0FC-C184C2F261EC}"/>
+                <a16:creationId xmlns="" xmlns:a16="http://schemas.microsoft.com/office/drawing/2014/main" id="{50C0A1B9-E762-4DD7-A0FC-C184C2F261EC}"/>
               </a:ext>
             </a:extLst>
           </p:cNvPr>
@@ -3215,7 +3242,7 @@
           <p:cNvPr id="5" name="직사각형 4">
             <a:extLst>
               <a:ext uri="{FF2B5EF4-FFF2-40B4-BE49-F238E27FC236}">
-                <a16:creationId xmlns:a16="http://schemas.microsoft.com/office/drawing/2014/main" xmlns="" id="{9CE92168-4388-4DCB-A48C-947C673B8F7C}"/>
+                <a16:creationId xmlns="" xmlns:a16="http://schemas.microsoft.com/office/drawing/2014/main" id="{9CE92168-4388-4DCB-A48C-947C673B8F7C}"/>
               </a:ext>
             </a:extLst>
           </p:cNvPr>
@@ -3399,7 +3426,7 @@
           <p:cNvPr id="6" name="직사각형 5">
             <a:extLst>
               <a:ext uri="{FF2B5EF4-FFF2-40B4-BE49-F238E27FC236}">
-                <a16:creationId xmlns:a16="http://schemas.microsoft.com/office/drawing/2014/main" xmlns="" id="{07E257B6-A187-421D-9535-E49C44B023F8}"/>
+                <a16:creationId xmlns="" xmlns:a16="http://schemas.microsoft.com/office/drawing/2014/main" id="{07E257B6-A187-421D-9535-E49C44B023F8}"/>
               </a:ext>
             </a:extLst>
           </p:cNvPr>
@@ -3563,15 +3590,7 @@
                   <a:schemeClr val="tx1"/>
                 </a:solidFill>
               </a:rPr>
-              <a:t>입력한 </a:t>
-            </a:r>
-            <a:r>
-              <a:rPr lang="ko-KR" altLang="en-US" sz="1600" dirty="0" smtClean="0">
-                <a:solidFill>
-                  <a:schemeClr val="tx1"/>
-                </a:solidFill>
-              </a:rPr>
-              <a:t>내용</a:t>
+              <a:t>입력한 내용</a:t>
             </a:r>
             <a:r>
               <a:rPr lang="en-US" altLang="ko-KR" sz="1600" dirty="0" smtClean="0">
@@ -3594,7 +3613,7 @@
           <p:cNvPr id="8" name="직사각형 7">
             <a:extLst>
               <a:ext uri="{FF2B5EF4-FFF2-40B4-BE49-F238E27FC236}">
-                <a16:creationId xmlns:a16="http://schemas.microsoft.com/office/drawing/2014/main" xmlns="" id="{B09F0ABF-AEC9-4E08-876A-27A669316F89}"/>
+                <a16:creationId xmlns="" xmlns:a16="http://schemas.microsoft.com/office/drawing/2014/main" id="{B09F0ABF-AEC9-4E08-876A-27A669316F89}"/>
               </a:ext>
             </a:extLst>
           </p:cNvPr>
@@ -3770,7 +3789,7 @@
           <p:cNvPr id="9" name="직사각형 8">
             <a:extLst>
               <a:ext uri="{FF2B5EF4-FFF2-40B4-BE49-F238E27FC236}">
-                <a16:creationId xmlns:a16="http://schemas.microsoft.com/office/drawing/2014/main" xmlns="" id="{143E4312-522C-4CFC-ABF1-59CE4A8C72D0}"/>
+                <a16:creationId xmlns="" xmlns:a16="http://schemas.microsoft.com/office/drawing/2014/main" id="{143E4312-522C-4CFC-ABF1-59CE4A8C72D0}"/>
               </a:ext>
             </a:extLst>
           </p:cNvPr>
@@ -3946,7 +3965,7 @@
           <p:cNvPr id="11" name="TextBox 16">
             <a:extLst>
               <a:ext uri="{FF2B5EF4-FFF2-40B4-BE49-F238E27FC236}">
-                <a16:creationId xmlns:a16="http://schemas.microsoft.com/office/drawing/2014/main" xmlns="" id="{738AAEDF-1FB4-4B24-A36A-8AC789F7B2FC}"/>
+                <a16:creationId xmlns="" xmlns:a16="http://schemas.microsoft.com/office/drawing/2014/main" id="{738AAEDF-1FB4-4B24-A36A-8AC789F7B2FC}"/>
               </a:ext>
             </a:extLst>
           </p:cNvPr>
@@ -4080,7 +4099,7 @@
           <p:cNvPr id="12" name="TextBox 17">
             <a:extLst>
               <a:ext uri="{FF2B5EF4-FFF2-40B4-BE49-F238E27FC236}">
-                <a16:creationId xmlns:a16="http://schemas.microsoft.com/office/drawing/2014/main" xmlns="" id="{01C38823-CA0D-4F5D-8710-47697331F828}"/>
+                <a16:creationId xmlns="" xmlns:a16="http://schemas.microsoft.com/office/drawing/2014/main" id="{01C38823-CA0D-4F5D-8710-47697331F828}"/>
               </a:ext>
             </a:extLst>
           </p:cNvPr>
@@ -4214,7 +4233,7 @@
           <p:cNvPr id="14" name="직선 화살표 연결선 13">
             <a:extLst>
               <a:ext uri="{FF2B5EF4-FFF2-40B4-BE49-F238E27FC236}">
-                <a16:creationId xmlns:a16="http://schemas.microsoft.com/office/drawing/2014/main" xmlns="" id="{4EEEC46E-B748-477B-BB9F-C2EB9AA93E73}"/>
+                <a16:creationId xmlns="" xmlns:a16="http://schemas.microsoft.com/office/drawing/2014/main" id="{4EEEC46E-B748-477B-BB9F-C2EB9AA93E73}"/>
               </a:ext>
             </a:extLst>
           </p:cNvPr>
@@ -4259,7 +4278,7 @@
           <p:cNvPr id="18" name="직사각형 17">
             <a:extLst>
               <a:ext uri="{FF2B5EF4-FFF2-40B4-BE49-F238E27FC236}">
-                <a16:creationId xmlns:a16="http://schemas.microsoft.com/office/drawing/2014/main" xmlns="" id="{28B03C6C-2AC4-44FE-97B8-B548EF63D26D}"/>
+                <a16:creationId xmlns="" xmlns:a16="http://schemas.microsoft.com/office/drawing/2014/main" id="{28B03C6C-2AC4-44FE-97B8-B548EF63D26D}"/>
               </a:ext>
             </a:extLst>
           </p:cNvPr>
@@ -4399,13 +4418,18 @@
           <a:p>
             <a:pPr algn="ctr"/>
             <a:r>
-              <a:rPr lang="en-US" altLang="ko-KR" sz="1600" dirty="0" smtClean="0">
+              <a:rPr lang="en-US" altLang="ko-KR" sz="1600" dirty="0" err="1" smtClean="0">
                 <a:solidFill>
                   <a:schemeClr val="tx1"/>
                 </a:solidFill>
               </a:rPr>
-              <a:t>car</a:t>
-            </a:r>
+              <a:t>carA</a:t>
+            </a:r>
+            <a:endParaRPr lang="en-US" altLang="ko-KR" sz="1600" dirty="0" smtClean="0">
+              <a:solidFill>
+                <a:schemeClr val="tx1"/>
+              </a:solidFill>
+            </a:endParaRPr>
           </a:p>
           <a:p>
             <a:pPr algn="ctr"/>
@@ -4438,7 +4462,7 @@
           <p:cNvPr id="16" name="TextBox 9">
             <a:extLst>
               <a:ext uri="{FF2B5EF4-FFF2-40B4-BE49-F238E27FC236}">
-                <a16:creationId xmlns:a16="http://schemas.microsoft.com/office/drawing/2014/main" xmlns="" id="{50C0A1B9-E762-4DD7-A0FC-C184C2F261EC}"/>
+                <a16:creationId xmlns="" xmlns:a16="http://schemas.microsoft.com/office/drawing/2014/main" id="{50C0A1B9-E762-4DD7-A0FC-C184C2F261EC}"/>
               </a:ext>
             </a:extLst>
           </p:cNvPr>
@@ -4568,7 +4592,7 @@
           <p:cNvPr id="19" name="직사각형 18">
             <a:extLst>
               <a:ext uri="{FF2B5EF4-FFF2-40B4-BE49-F238E27FC236}">
-                <a16:creationId xmlns:a16="http://schemas.microsoft.com/office/drawing/2014/main" xmlns="" id="{28B03C6C-2AC4-44FE-97B8-B548EF63D26D}"/>
+                <a16:creationId xmlns="" xmlns:a16="http://schemas.microsoft.com/office/drawing/2014/main" id="{28B03C6C-2AC4-44FE-97B8-B548EF63D26D}"/>
               </a:ext>
             </a:extLst>
           </p:cNvPr>
@@ -4744,7 +4768,7 @@
           <p:cNvPr id="20" name="TextBox 9">
             <a:extLst>
               <a:ext uri="{FF2B5EF4-FFF2-40B4-BE49-F238E27FC236}">
-                <a16:creationId xmlns:a16="http://schemas.microsoft.com/office/drawing/2014/main" xmlns="" id="{50C0A1B9-E762-4DD7-A0FC-C184C2F261EC}"/>
+                <a16:creationId xmlns="" xmlns:a16="http://schemas.microsoft.com/office/drawing/2014/main" id="{50C0A1B9-E762-4DD7-A0FC-C184C2F261EC}"/>
               </a:ext>
             </a:extLst>
           </p:cNvPr>
@@ -4874,7 +4898,7 @@
           <p:cNvPr id="21" name="직사각형 20">
             <a:extLst>
               <a:ext uri="{FF2B5EF4-FFF2-40B4-BE49-F238E27FC236}">
-                <a16:creationId xmlns:a16="http://schemas.microsoft.com/office/drawing/2014/main" xmlns="" id="{9CE92168-4388-4DCB-A48C-947C673B8F7C}"/>
+                <a16:creationId xmlns="" xmlns:a16="http://schemas.microsoft.com/office/drawing/2014/main" id="{9CE92168-4388-4DCB-A48C-947C673B8F7C}"/>
               </a:ext>
             </a:extLst>
           </p:cNvPr>
@@ -5035,15 +5059,7 @@
                   <a:schemeClr val="tx1"/>
                 </a:solidFill>
               </a:rPr>
-              <a:t>입력한 </a:t>
-            </a:r>
-            <a:r>
-              <a:rPr lang="ko-KR" altLang="en-US" sz="1600" dirty="0" smtClean="0">
-                <a:solidFill>
-                  <a:schemeClr val="tx1"/>
-                </a:solidFill>
-              </a:rPr>
-              <a:t>내용</a:t>
+              <a:t>입력한 내용</a:t>
             </a:r>
             <a:r>
               <a:rPr lang="en-US" altLang="ko-KR" sz="1600" dirty="0" smtClean="0">
@@ -5066,7 +5082,7 @@
           <p:cNvPr id="23" name="직사각형 22">
             <a:extLst>
               <a:ext uri="{FF2B5EF4-FFF2-40B4-BE49-F238E27FC236}">
-                <a16:creationId xmlns:a16="http://schemas.microsoft.com/office/drawing/2014/main" xmlns="" id="{B09F0ABF-AEC9-4E08-876A-27A669316F89}"/>
+                <a16:creationId xmlns="" xmlns:a16="http://schemas.microsoft.com/office/drawing/2014/main" id="{B09F0ABF-AEC9-4E08-876A-27A669316F89}"/>
               </a:ext>
             </a:extLst>
           </p:cNvPr>
@@ -5227,15 +5243,7 @@
                   <a:schemeClr val="tx1"/>
                 </a:solidFill>
               </a:rPr>
-              <a:t>입력한 </a:t>
-            </a:r>
-            <a:r>
-              <a:rPr lang="ko-KR" altLang="en-US" sz="1600" dirty="0" smtClean="0">
-                <a:solidFill>
-                  <a:schemeClr val="tx1"/>
-                </a:solidFill>
-              </a:rPr>
-              <a:t>내용</a:t>
+              <a:t>입력한 내용</a:t>
             </a:r>
             <a:r>
               <a:rPr lang="en-US" altLang="ko-KR" sz="1600" dirty="0" smtClean="0">
@@ -5258,7 +5266,7 @@
           <p:cNvPr id="24" name="직사각형 23">
             <a:extLst>
               <a:ext uri="{FF2B5EF4-FFF2-40B4-BE49-F238E27FC236}">
-                <a16:creationId xmlns:a16="http://schemas.microsoft.com/office/drawing/2014/main" xmlns="" id="{143E4312-522C-4CFC-ABF1-59CE4A8C72D0}"/>
+                <a16:creationId xmlns="" xmlns:a16="http://schemas.microsoft.com/office/drawing/2014/main" id="{143E4312-522C-4CFC-ABF1-59CE4A8C72D0}"/>
               </a:ext>
             </a:extLst>
           </p:cNvPr>
@@ -5442,7 +5450,7 @@
           <p:cNvPr id="25" name="직사각형 24">
             <a:extLst>
               <a:ext uri="{FF2B5EF4-FFF2-40B4-BE49-F238E27FC236}">
-                <a16:creationId xmlns:a16="http://schemas.microsoft.com/office/drawing/2014/main" xmlns="" id="{07E257B6-A187-421D-9535-E49C44B023F8}"/>
+                <a16:creationId xmlns="" xmlns:a16="http://schemas.microsoft.com/office/drawing/2014/main" id="{07E257B6-A187-421D-9535-E49C44B023F8}"/>
               </a:ext>
             </a:extLst>
           </p:cNvPr>
@@ -5626,7 +5634,7 @@
           <p:cNvPr id="26" name="직선 화살표 연결선 25">
             <a:extLst>
               <a:ext uri="{FF2B5EF4-FFF2-40B4-BE49-F238E27FC236}">
-                <a16:creationId xmlns:a16="http://schemas.microsoft.com/office/drawing/2014/main" xmlns="" id="{4EEEC46E-B748-477B-BB9F-C2EB9AA93E73}"/>
+                <a16:creationId xmlns="" xmlns:a16="http://schemas.microsoft.com/office/drawing/2014/main" id="{4EEEC46E-B748-477B-BB9F-C2EB9AA93E73}"/>
               </a:ext>
             </a:extLst>
           </p:cNvPr>
@@ -5671,7 +5679,7 @@
           <p:cNvPr id="30" name="직사각형 29">
             <a:extLst>
               <a:ext uri="{FF2B5EF4-FFF2-40B4-BE49-F238E27FC236}">
-                <a16:creationId xmlns:a16="http://schemas.microsoft.com/office/drawing/2014/main" xmlns="" id="{07E257B6-A187-421D-9535-E49C44B023F8}"/>
+                <a16:creationId xmlns="" xmlns:a16="http://schemas.microsoft.com/office/drawing/2014/main" id="{07E257B6-A187-421D-9535-E49C44B023F8}"/>
               </a:ext>
             </a:extLst>
           </p:cNvPr>
@@ -5847,7 +5855,7 @@
           <p:cNvPr id="31" name="직선 화살표 연결선 30">
             <a:extLst>
               <a:ext uri="{FF2B5EF4-FFF2-40B4-BE49-F238E27FC236}">
-                <a16:creationId xmlns:a16="http://schemas.microsoft.com/office/drawing/2014/main" xmlns="" id="{4EEEC46E-B748-477B-BB9F-C2EB9AA93E73}"/>
+                <a16:creationId xmlns="" xmlns:a16="http://schemas.microsoft.com/office/drawing/2014/main" id="{4EEEC46E-B748-477B-BB9F-C2EB9AA93E73}"/>
               </a:ext>
             </a:extLst>
           </p:cNvPr>
@@ -5892,7 +5900,7 @@
           <p:cNvPr id="34" name="직사각형 33">
             <a:extLst>
               <a:ext uri="{FF2B5EF4-FFF2-40B4-BE49-F238E27FC236}">
-                <a16:creationId xmlns:a16="http://schemas.microsoft.com/office/drawing/2014/main" xmlns="" id="{143E4312-522C-4CFC-ABF1-59CE4A8C72D0}"/>
+                <a16:creationId xmlns="" xmlns:a16="http://schemas.microsoft.com/office/drawing/2014/main" id="{143E4312-522C-4CFC-ABF1-59CE4A8C72D0}"/>
               </a:ext>
             </a:extLst>
           </p:cNvPr>
@@ -6068,7 +6076,7 @@
           <p:cNvPr id="35" name="TextBox 9">
             <a:extLst>
               <a:ext uri="{FF2B5EF4-FFF2-40B4-BE49-F238E27FC236}">
-                <a16:creationId xmlns:a16="http://schemas.microsoft.com/office/drawing/2014/main" xmlns="" id="{50C0A1B9-E762-4DD7-A0FC-C184C2F261EC}"/>
+                <a16:creationId xmlns="" xmlns:a16="http://schemas.microsoft.com/office/drawing/2014/main" id="{50C0A1B9-E762-4DD7-A0FC-C184C2F261EC}"/>
               </a:ext>
             </a:extLst>
           </p:cNvPr>
@@ -6198,7 +6206,7 @@
           <p:cNvPr id="36" name="직사각형 35">
             <a:extLst>
               <a:ext uri="{FF2B5EF4-FFF2-40B4-BE49-F238E27FC236}">
-                <a16:creationId xmlns:a16="http://schemas.microsoft.com/office/drawing/2014/main" xmlns="" id="{143E4312-522C-4CFC-ABF1-59CE4A8C72D0}"/>
+                <a16:creationId xmlns="" xmlns:a16="http://schemas.microsoft.com/office/drawing/2014/main" id="{143E4312-522C-4CFC-ABF1-59CE4A8C72D0}"/>
               </a:ext>
             </a:extLst>
           </p:cNvPr>
@@ -6351,31 +6359,15 @@
                   <a:schemeClr val="tx1"/>
                 </a:solidFill>
               </a:rPr>
-              <a:t>입력한 </a:t>
-            </a:r>
-            <a:r>
-              <a:rPr lang="ko-KR" altLang="en-US" sz="1600" dirty="0" smtClean="0">
+              <a:t>입력한 내용</a:t>
+            </a:r>
+            <a:r>
+              <a:rPr lang="en-US" altLang="ko-KR" sz="1600" dirty="0" smtClean="0">
                 <a:solidFill>
                   <a:schemeClr val="tx1"/>
                 </a:solidFill>
               </a:rPr>
-              <a:t>내용</a:t>
-            </a:r>
-            <a:r>
-              <a:rPr lang="en-US" altLang="ko-KR" sz="1600" dirty="0" smtClean="0">
-                <a:solidFill>
-                  <a:schemeClr val="tx1"/>
-                </a:solidFill>
-              </a:rPr>
-              <a:t>1</a:t>
-            </a:r>
-            <a:r>
-              <a:rPr lang="en-US" altLang="ko-KR" sz="1600" dirty="0" smtClean="0">
-                <a:solidFill>
-                  <a:schemeClr val="tx1"/>
-                </a:solidFill>
-              </a:rPr>
-              <a:t>”</a:t>
+              <a:t>1”</a:t>
             </a:r>
             <a:endParaRPr lang="ko-KR" altLang="en-US" sz="1600" dirty="0">
               <a:solidFill>
@@ -6390,7 +6382,7 @@
           <p:cNvPr id="37" name="TextBox 9">
             <a:extLst>
               <a:ext uri="{FF2B5EF4-FFF2-40B4-BE49-F238E27FC236}">
-                <a16:creationId xmlns:a16="http://schemas.microsoft.com/office/drawing/2014/main" xmlns="" id="{50C0A1B9-E762-4DD7-A0FC-C184C2F261EC}"/>
+                <a16:creationId xmlns="" xmlns:a16="http://schemas.microsoft.com/office/drawing/2014/main" id="{50C0A1B9-E762-4DD7-A0FC-C184C2F261EC}"/>
               </a:ext>
             </a:extLst>
           </p:cNvPr>
@@ -6520,7 +6512,7 @@
           <p:cNvPr id="38" name="직사각형 37">
             <a:extLst>
               <a:ext uri="{FF2B5EF4-FFF2-40B4-BE49-F238E27FC236}">
-                <a16:creationId xmlns:a16="http://schemas.microsoft.com/office/drawing/2014/main" xmlns="" id="{143E4312-522C-4CFC-ABF1-59CE4A8C72D0}"/>
+                <a16:creationId xmlns="" xmlns:a16="http://schemas.microsoft.com/office/drawing/2014/main" id="{143E4312-522C-4CFC-ABF1-59CE4A8C72D0}"/>
               </a:ext>
             </a:extLst>
           </p:cNvPr>
@@ -6673,31 +6665,15 @@
                   <a:schemeClr val="tx1"/>
                 </a:solidFill>
               </a:rPr>
-              <a:t>입력한 </a:t>
-            </a:r>
-            <a:r>
-              <a:rPr lang="ko-KR" altLang="en-US" sz="1600" dirty="0" smtClean="0">
+              <a:t>입력한 내용</a:t>
+            </a:r>
+            <a:r>
+              <a:rPr lang="en-US" altLang="ko-KR" sz="1600" dirty="0" smtClean="0">
                 <a:solidFill>
                   <a:schemeClr val="tx1"/>
                 </a:solidFill>
               </a:rPr>
-              <a:t>내용</a:t>
-            </a:r>
-            <a:r>
-              <a:rPr lang="en-US" altLang="ko-KR" sz="1600" dirty="0" smtClean="0">
-                <a:solidFill>
-                  <a:schemeClr val="tx1"/>
-                </a:solidFill>
-              </a:rPr>
-              <a:t>1</a:t>
-            </a:r>
-            <a:r>
-              <a:rPr lang="en-US" altLang="ko-KR" sz="1600" dirty="0" smtClean="0">
-                <a:solidFill>
-                  <a:schemeClr val="tx1"/>
-                </a:solidFill>
-              </a:rPr>
-              <a:t>”</a:t>
+              <a:t>1”</a:t>
             </a:r>
             <a:endParaRPr lang="ko-KR" altLang="en-US" sz="1600" dirty="0">
               <a:solidFill>
@@ -6712,7 +6688,7 @@
           <p:cNvPr id="39" name="TextBox 9">
             <a:extLst>
               <a:ext uri="{FF2B5EF4-FFF2-40B4-BE49-F238E27FC236}">
-                <a16:creationId xmlns:a16="http://schemas.microsoft.com/office/drawing/2014/main" xmlns="" id="{50C0A1B9-E762-4DD7-A0FC-C184C2F261EC}"/>
+                <a16:creationId xmlns="" xmlns:a16="http://schemas.microsoft.com/office/drawing/2014/main" id="{50C0A1B9-E762-4DD7-A0FC-C184C2F261EC}"/>
               </a:ext>
             </a:extLst>
           </p:cNvPr>
@@ -6842,7 +6818,7 @@
           <p:cNvPr id="40" name="직사각형 39">
             <a:extLst>
               <a:ext uri="{FF2B5EF4-FFF2-40B4-BE49-F238E27FC236}">
-                <a16:creationId xmlns:a16="http://schemas.microsoft.com/office/drawing/2014/main" xmlns="" id="{143E4312-522C-4CFC-ABF1-59CE4A8C72D0}"/>
+                <a16:creationId xmlns="" xmlns:a16="http://schemas.microsoft.com/office/drawing/2014/main" id="{143E4312-522C-4CFC-ABF1-59CE4A8C72D0}"/>
               </a:ext>
             </a:extLst>
           </p:cNvPr>
@@ -6995,31 +6971,15 @@
                   <a:schemeClr val="tx1"/>
                 </a:solidFill>
               </a:rPr>
-              <a:t>입력한 </a:t>
-            </a:r>
-            <a:r>
-              <a:rPr lang="ko-KR" altLang="en-US" sz="1600" dirty="0" smtClean="0">
+              <a:t>입력한 내용</a:t>
+            </a:r>
+            <a:r>
+              <a:rPr lang="en-US" altLang="ko-KR" sz="1600" dirty="0" smtClean="0">
                 <a:solidFill>
                   <a:schemeClr val="tx1"/>
                 </a:solidFill>
               </a:rPr>
-              <a:t>내용</a:t>
-            </a:r>
-            <a:r>
-              <a:rPr lang="en-US" altLang="ko-KR" sz="1600" dirty="0" smtClean="0">
-                <a:solidFill>
-                  <a:schemeClr val="tx1"/>
-                </a:solidFill>
-              </a:rPr>
-              <a:t>1</a:t>
-            </a:r>
-            <a:r>
-              <a:rPr lang="en-US" altLang="ko-KR" sz="1600" dirty="0" smtClean="0">
-                <a:solidFill>
-                  <a:schemeClr val="tx1"/>
-                </a:solidFill>
-              </a:rPr>
-              <a:t>”</a:t>
+              <a:t>1”</a:t>
             </a:r>
             <a:endParaRPr lang="ko-KR" altLang="en-US" sz="1600" dirty="0">
               <a:solidFill>
@@ -7034,7 +6994,7 @@
           <p:cNvPr id="41" name="직선 화살표 연결선 40">
             <a:extLst>
               <a:ext uri="{FF2B5EF4-FFF2-40B4-BE49-F238E27FC236}">
-                <a16:creationId xmlns:a16="http://schemas.microsoft.com/office/drawing/2014/main" xmlns="" id="{4EEEC46E-B748-477B-BB9F-C2EB9AA93E73}"/>
+                <a16:creationId xmlns="" xmlns:a16="http://schemas.microsoft.com/office/drawing/2014/main" id="{4EEEC46E-B748-477B-BB9F-C2EB9AA93E73}"/>
               </a:ext>
             </a:extLst>
           </p:cNvPr>
@@ -7080,7 +7040,7 @@
           <p:cNvPr id="42" name="직선 화살표 연결선 41">
             <a:extLst>
               <a:ext uri="{FF2B5EF4-FFF2-40B4-BE49-F238E27FC236}">
-                <a16:creationId xmlns:a16="http://schemas.microsoft.com/office/drawing/2014/main" xmlns="" id="{4EEEC46E-B748-477B-BB9F-C2EB9AA93E73}"/>
+                <a16:creationId xmlns="" xmlns:a16="http://schemas.microsoft.com/office/drawing/2014/main" id="{4EEEC46E-B748-477B-BB9F-C2EB9AA93E73}"/>
               </a:ext>
             </a:extLst>
           </p:cNvPr>
@@ -7125,7 +7085,7 @@
           <p:cNvPr id="43" name="직선 화살표 연결선 42">
             <a:extLst>
               <a:ext uri="{FF2B5EF4-FFF2-40B4-BE49-F238E27FC236}">
-                <a16:creationId xmlns:a16="http://schemas.microsoft.com/office/drawing/2014/main" xmlns="" id="{4EEEC46E-B748-477B-BB9F-C2EB9AA93E73}"/>
+                <a16:creationId xmlns="" xmlns:a16="http://schemas.microsoft.com/office/drawing/2014/main" id="{4EEEC46E-B748-477B-BB9F-C2EB9AA93E73}"/>
               </a:ext>
             </a:extLst>
           </p:cNvPr>
@@ -7170,7 +7130,7 @@
           <p:cNvPr id="44" name="직선 화살표 연결선 43">
             <a:extLst>
               <a:ext uri="{FF2B5EF4-FFF2-40B4-BE49-F238E27FC236}">
-                <a16:creationId xmlns:a16="http://schemas.microsoft.com/office/drawing/2014/main" xmlns="" id="{4EEEC46E-B748-477B-BB9F-C2EB9AA93E73}"/>
+                <a16:creationId xmlns="" xmlns:a16="http://schemas.microsoft.com/office/drawing/2014/main" id="{4EEEC46E-B748-477B-BB9F-C2EB9AA93E73}"/>
               </a:ext>
             </a:extLst>
           </p:cNvPr>
@@ -7215,7 +7175,7 @@
           <p:cNvPr id="47" name="TextBox 9">
             <a:extLst>
               <a:ext uri="{FF2B5EF4-FFF2-40B4-BE49-F238E27FC236}">
-                <a16:creationId xmlns:a16="http://schemas.microsoft.com/office/drawing/2014/main" xmlns="" id="{50C0A1B9-E762-4DD7-A0FC-C184C2F261EC}"/>
+                <a16:creationId xmlns="" xmlns:a16="http://schemas.microsoft.com/office/drawing/2014/main" id="{50C0A1B9-E762-4DD7-A0FC-C184C2F261EC}"/>
               </a:ext>
             </a:extLst>
           </p:cNvPr>
@@ -7345,7 +7305,7 @@
           <p:cNvPr id="48" name="직사각형 47">
             <a:extLst>
               <a:ext uri="{FF2B5EF4-FFF2-40B4-BE49-F238E27FC236}">
-                <a16:creationId xmlns:a16="http://schemas.microsoft.com/office/drawing/2014/main" xmlns="" id="{143E4312-522C-4CFC-ABF1-59CE4A8C72D0}"/>
+                <a16:creationId xmlns="" xmlns:a16="http://schemas.microsoft.com/office/drawing/2014/main" id="{143E4312-522C-4CFC-ABF1-59CE4A8C72D0}"/>
               </a:ext>
             </a:extLst>
           </p:cNvPr>
@@ -7498,31 +7458,15 @@
                   <a:schemeClr val="tx1"/>
                 </a:solidFill>
               </a:rPr>
-              <a:t>입력한 </a:t>
-            </a:r>
-            <a:r>
-              <a:rPr lang="ko-KR" altLang="en-US" sz="1600" dirty="0" smtClean="0">
+              <a:t>입력한 내용</a:t>
+            </a:r>
+            <a:r>
+              <a:rPr lang="en-US" altLang="ko-KR" sz="1600" dirty="0" smtClean="0">
                 <a:solidFill>
                   <a:schemeClr val="tx1"/>
                 </a:solidFill>
               </a:rPr>
-              <a:t>내용</a:t>
-            </a:r>
-            <a:r>
-              <a:rPr lang="en-US" altLang="ko-KR" sz="1600" dirty="0" smtClean="0">
-                <a:solidFill>
-                  <a:schemeClr val="tx1"/>
-                </a:solidFill>
-              </a:rPr>
-              <a:t>1</a:t>
-            </a:r>
-            <a:r>
-              <a:rPr lang="en-US" altLang="ko-KR" sz="1600" dirty="0" smtClean="0">
-                <a:solidFill>
-                  <a:schemeClr val="tx1"/>
-                </a:solidFill>
-              </a:rPr>
-              <a:t>”</a:t>
+              <a:t>1”</a:t>
             </a:r>
             <a:endParaRPr lang="ko-KR" altLang="en-US" sz="1600" dirty="0">
               <a:solidFill>
@@ -7537,7 +7481,7 @@
           <p:cNvPr id="49" name="직선 화살표 연결선 48">
             <a:extLst>
               <a:ext uri="{FF2B5EF4-FFF2-40B4-BE49-F238E27FC236}">
-                <a16:creationId xmlns:a16="http://schemas.microsoft.com/office/drawing/2014/main" xmlns="" id="{4EEEC46E-B748-477B-BB9F-C2EB9AA93E73}"/>
+                <a16:creationId xmlns="" xmlns:a16="http://schemas.microsoft.com/office/drawing/2014/main" id="{4EEEC46E-B748-477B-BB9F-C2EB9AA93E73}"/>
               </a:ext>
             </a:extLst>
           </p:cNvPr>
@@ -7577,173 +7521,10 @@
           </a:fontRef>
         </p:style>
       </p:cxnSp>
-      <p:sp>
-        <p:nvSpPr>
-          <p:cNvPr id="50" name="직사각형 49">
-            <a:extLst>
-              <a:ext uri="{FF2B5EF4-FFF2-40B4-BE49-F238E27FC236}">
-                <a16:creationId xmlns:a16="http://schemas.microsoft.com/office/drawing/2014/main" xmlns="" id="{28B03C6C-2AC4-44FE-97B8-B548EF63D26D}"/>
-              </a:ext>
-            </a:extLst>
-          </p:cNvPr>
-          <p:cNvSpPr/>
-          <p:nvPr/>
-        </p:nvSpPr>
-        <p:spPr>
-          <a:xfrm>
-            <a:off x="0" y="1500174"/>
-            <a:ext cx="1296144" cy="576064"/>
-          </a:xfrm>
-          <a:prstGeom prst="rect">
-            <a:avLst/>
-          </a:prstGeom>
-          <a:solidFill>
-            <a:schemeClr val="bg1"/>
-          </a:solidFill>
-          <a:ln>
-            <a:solidFill>
-              <a:schemeClr val="tx1"/>
-            </a:solidFill>
-          </a:ln>
-        </p:spPr>
-        <p:style>
-          <a:lnRef idx="2">
-            <a:schemeClr val="accent1">
-              <a:shade val="50000"/>
-            </a:schemeClr>
-          </a:lnRef>
-          <a:fillRef idx="1">
-            <a:schemeClr val="accent1"/>
-          </a:fillRef>
-          <a:effectRef idx="0">
-            <a:schemeClr val="accent1"/>
-          </a:effectRef>
-          <a:fontRef idx="minor">
-            <a:schemeClr val="lt1"/>
-          </a:fontRef>
-        </p:style>
-        <p:txBody>
-          <a:bodyPr rtlCol="0" anchor="ctr"/>
-          <a:lstStyle>
-            <a:defPPr>
-              <a:defRPr lang="ko-KR"/>
-            </a:defPPr>
-            <a:lvl1pPr marL="0" algn="l" defTabSz="914400" rtl="0" eaLnBrk="1" latinLnBrk="1" hangingPunct="1">
-              <a:defRPr sz="1800" kern="1200">
-                <a:solidFill>
-                  <a:schemeClr val="lt1"/>
-                </a:solidFill>
-                <a:latin typeface="+mn-lt"/>
-                <a:ea typeface="+mn-ea"/>
-                <a:cs typeface="+mn-cs"/>
-              </a:defRPr>
-            </a:lvl1pPr>
-            <a:lvl2pPr marL="457200" algn="l" defTabSz="914400" rtl="0" eaLnBrk="1" latinLnBrk="1" hangingPunct="1">
-              <a:defRPr sz="1800" kern="1200">
-                <a:solidFill>
-                  <a:schemeClr val="lt1"/>
-                </a:solidFill>
-                <a:latin typeface="+mn-lt"/>
-                <a:ea typeface="+mn-ea"/>
-                <a:cs typeface="+mn-cs"/>
-              </a:defRPr>
-            </a:lvl2pPr>
-            <a:lvl3pPr marL="914400" algn="l" defTabSz="914400" rtl="0" eaLnBrk="1" latinLnBrk="1" hangingPunct="1">
-              <a:defRPr sz="1800" kern="1200">
-                <a:solidFill>
-                  <a:schemeClr val="lt1"/>
-                </a:solidFill>
-                <a:latin typeface="+mn-lt"/>
-                <a:ea typeface="+mn-ea"/>
-                <a:cs typeface="+mn-cs"/>
-              </a:defRPr>
-            </a:lvl3pPr>
-            <a:lvl4pPr marL="1371600" algn="l" defTabSz="914400" rtl="0" eaLnBrk="1" latinLnBrk="1" hangingPunct="1">
-              <a:defRPr sz="1800" kern="1200">
-                <a:solidFill>
-                  <a:schemeClr val="lt1"/>
-                </a:solidFill>
-                <a:latin typeface="+mn-lt"/>
-                <a:ea typeface="+mn-ea"/>
-                <a:cs typeface="+mn-cs"/>
-              </a:defRPr>
-            </a:lvl4pPr>
-            <a:lvl5pPr marL="1828800" algn="l" defTabSz="914400" rtl="0" eaLnBrk="1" latinLnBrk="1" hangingPunct="1">
-              <a:defRPr sz="1800" kern="1200">
-                <a:solidFill>
-                  <a:schemeClr val="lt1"/>
-                </a:solidFill>
-                <a:latin typeface="+mn-lt"/>
-                <a:ea typeface="+mn-ea"/>
-                <a:cs typeface="+mn-cs"/>
-              </a:defRPr>
-            </a:lvl5pPr>
-            <a:lvl6pPr marL="2286000" algn="l" defTabSz="914400" rtl="0" eaLnBrk="1" latinLnBrk="1" hangingPunct="1">
-              <a:defRPr sz="1800" kern="1200">
-                <a:solidFill>
-                  <a:schemeClr val="lt1"/>
-                </a:solidFill>
-                <a:latin typeface="+mn-lt"/>
-                <a:ea typeface="+mn-ea"/>
-                <a:cs typeface="+mn-cs"/>
-              </a:defRPr>
-            </a:lvl6pPr>
-            <a:lvl7pPr marL="2743200" algn="l" defTabSz="914400" rtl="0" eaLnBrk="1" latinLnBrk="1" hangingPunct="1">
-              <a:defRPr sz="1800" kern="1200">
-                <a:solidFill>
-                  <a:schemeClr val="lt1"/>
-                </a:solidFill>
-                <a:latin typeface="+mn-lt"/>
-                <a:ea typeface="+mn-ea"/>
-                <a:cs typeface="+mn-cs"/>
-              </a:defRPr>
-            </a:lvl7pPr>
-            <a:lvl8pPr marL="3200400" algn="l" defTabSz="914400" rtl="0" eaLnBrk="1" latinLnBrk="1" hangingPunct="1">
-              <a:defRPr sz="1800" kern="1200">
-                <a:solidFill>
-                  <a:schemeClr val="lt1"/>
-                </a:solidFill>
-                <a:latin typeface="+mn-lt"/>
-                <a:ea typeface="+mn-ea"/>
-                <a:cs typeface="+mn-cs"/>
-              </a:defRPr>
-            </a:lvl8pPr>
-            <a:lvl9pPr marL="3657600" algn="l" defTabSz="914400" rtl="0" eaLnBrk="1" latinLnBrk="1" hangingPunct="1">
-              <a:defRPr sz="1800" kern="1200">
-                <a:solidFill>
-                  <a:schemeClr val="lt1"/>
-                </a:solidFill>
-                <a:latin typeface="+mn-lt"/>
-                <a:ea typeface="+mn-ea"/>
-                <a:cs typeface="+mn-cs"/>
-              </a:defRPr>
-            </a:lvl9pPr>
-          </a:lstStyle>
-          <a:p>
-            <a:pPr algn="ctr"/>
-            <a:r>
-              <a:rPr lang="en-US" altLang="ko-KR" sz="1600" dirty="0" err="1" smtClean="0">
-                <a:solidFill>
-                  <a:schemeClr val="tx1"/>
-                </a:solidFill>
-              </a:rPr>
-              <a:t>i</a:t>
-            </a:r>
-            <a:r>
-              <a:rPr lang="en-US" altLang="ko-KR" sz="1600" dirty="0" smtClean="0">
-                <a:solidFill>
-                  <a:schemeClr val="tx1"/>
-                </a:solidFill>
-              </a:rPr>
-              <a:t>=1</a:t>
-            </a:r>
-          </a:p>
-        </p:txBody>
-      </p:sp>
     </p:spTree>
     <p:extLst>
       <p:ext uri="{BB962C8B-B14F-4D97-AF65-F5344CB8AC3E}">
-        <p14:creationId xmlns:p14="http://schemas.microsoft.com/office/powerpoint/2010/main" xmlns="" val="2774733339"/>
+        <p14:creationId xmlns="" xmlns:p14="http://schemas.microsoft.com/office/powerpoint/2010/main" val="2774733339"/>
       </p:ext>
     </p:extLst>
   </p:cSld>
@@ -7775,7 +7556,7 @@
           <p:cNvPr id="2" name="직선 연결선 1">
             <a:extLst>
               <a:ext uri="{FF2B5EF4-FFF2-40B4-BE49-F238E27FC236}">
-                <a16:creationId xmlns:a16="http://schemas.microsoft.com/office/drawing/2014/main" xmlns="" id="{735B9572-2CF3-4846-9D23-183DADB47ED9}"/>
+                <a16:creationId xmlns="" xmlns:a16="http://schemas.microsoft.com/office/drawing/2014/main" id="{735B9572-2CF3-4846-9D23-183DADB47ED9}"/>
               </a:ext>
             </a:extLst>
           </p:cNvPr>
@@ -7816,7 +7597,7 @@
           <p:cNvPr id="4" name="TextBox 9">
             <a:extLst>
               <a:ext uri="{FF2B5EF4-FFF2-40B4-BE49-F238E27FC236}">
-                <a16:creationId xmlns:a16="http://schemas.microsoft.com/office/drawing/2014/main" xmlns="" id="{50C0A1B9-E762-4DD7-A0FC-C184C2F261EC}"/>
+                <a16:creationId xmlns="" xmlns:a16="http://schemas.microsoft.com/office/drawing/2014/main" id="{50C0A1B9-E762-4DD7-A0FC-C184C2F261EC}"/>
               </a:ext>
             </a:extLst>
           </p:cNvPr>
@@ -7946,7 +7727,7 @@
           <p:cNvPr id="5" name="직사각형 4">
             <a:extLst>
               <a:ext uri="{FF2B5EF4-FFF2-40B4-BE49-F238E27FC236}">
-                <a16:creationId xmlns:a16="http://schemas.microsoft.com/office/drawing/2014/main" xmlns="" id="{9CE92168-4388-4DCB-A48C-947C673B8F7C}"/>
+                <a16:creationId xmlns="" xmlns:a16="http://schemas.microsoft.com/office/drawing/2014/main" id="{9CE92168-4388-4DCB-A48C-947C673B8F7C}"/>
               </a:ext>
             </a:extLst>
           </p:cNvPr>
@@ -8130,7 +7911,7 @@
           <p:cNvPr id="6" name="직사각형 5">
             <a:extLst>
               <a:ext uri="{FF2B5EF4-FFF2-40B4-BE49-F238E27FC236}">
-                <a16:creationId xmlns:a16="http://schemas.microsoft.com/office/drawing/2014/main" xmlns="" id="{07E257B6-A187-421D-9535-E49C44B023F8}"/>
+                <a16:creationId xmlns="" xmlns:a16="http://schemas.microsoft.com/office/drawing/2014/main" id="{07E257B6-A187-421D-9535-E49C44B023F8}"/>
               </a:ext>
             </a:extLst>
           </p:cNvPr>
@@ -8294,15 +8075,7 @@
                   <a:schemeClr val="tx1"/>
                 </a:solidFill>
               </a:rPr>
-              <a:t>입력한 </a:t>
-            </a:r>
-            <a:r>
-              <a:rPr lang="ko-KR" altLang="en-US" sz="1600" dirty="0" smtClean="0">
-                <a:solidFill>
-                  <a:schemeClr val="tx1"/>
-                </a:solidFill>
-              </a:rPr>
-              <a:t>내용</a:t>
+              <a:t>입력한 내용</a:t>
             </a:r>
             <a:r>
               <a:rPr lang="en-US" altLang="ko-KR" sz="1600" dirty="0" smtClean="0">
@@ -8325,7 +8098,7 @@
           <p:cNvPr id="8" name="직사각형 7">
             <a:extLst>
               <a:ext uri="{FF2B5EF4-FFF2-40B4-BE49-F238E27FC236}">
-                <a16:creationId xmlns:a16="http://schemas.microsoft.com/office/drawing/2014/main" xmlns="" id="{B09F0ABF-AEC9-4E08-876A-27A669316F89}"/>
+                <a16:creationId xmlns="" xmlns:a16="http://schemas.microsoft.com/office/drawing/2014/main" id="{B09F0ABF-AEC9-4E08-876A-27A669316F89}"/>
               </a:ext>
             </a:extLst>
           </p:cNvPr>
@@ -8501,7 +8274,7 @@
           <p:cNvPr id="9" name="직사각형 8">
             <a:extLst>
               <a:ext uri="{FF2B5EF4-FFF2-40B4-BE49-F238E27FC236}">
-                <a16:creationId xmlns:a16="http://schemas.microsoft.com/office/drawing/2014/main" xmlns="" id="{143E4312-522C-4CFC-ABF1-59CE4A8C72D0}"/>
+                <a16:creationId xmlns="" xmlns:a16="http://schemas.microsoft.com/office/drawing/2014/main" id="{143E4312-522C-4CFC-ABF1-59CE4A8C72D0}"/>
               </a:ext>
             </a:extLst>
           </p:cNvPr>
@@ -8677,7 +8450,7 @@
           <p:cNvPr id="11" name="TextBox 16">
             <a:extLst>
               <a:ext uri="{FF2B5EF4-FFF2-40B4-BE49-F238E27FC236}">
-                <a16:creationId xmlns:a16="http://schemas.microsoft.com/office/drawing/2014/main" xmlns="" id="{738AAEDF-1FB4-4B24-A36A-8AC789F7B2FC}"/>
+                <a16:creationId xmlns="" xmlns:a16="http://schemas.microsoft.com/office/drawing/2014/main" id="{738AAEDF-1FB4-4B24-A36A-8AC789F7B2FC}"/>
               </a:ext>
             </a:extLst>
           </p:cNvPr>
@@ -8811,7 +8584,7 @@
           <p:cNvPr id="12" name="TextBox 17">
             <a:extLst>
               <a:ext uri="{FF2B5EF4-FFF2-40B4-BE49-F238E27FC236}">
-                <a16:creationId xmlns:a16="http://schemas.microsoft.com/office/drawing/2014/main" xmlns="" id="{01C38823-CA0D-4F5D-8710-47697331F828}"/>
+                <a16:creationId xmlns="" xmlns:a16="http://schemas.microsoft.com/office/drawing/2014/main" id="{01C38823-CA0D-4F5D-8710-47697331F828}"/>
               </a:ext>
             </a:extLst>
           </p:cNvPr>
@@ -8945,7 +8718,7 @@
           <p:cNvPr id="14" name="직선 화살표 연결선 13">
             <a:extLst>
               <a:ext uri="{FF2B5EF4-FFF2-40B4-BE49-F238E27FC236}">
-                <a16:creationId xmlns:a16="http://schemas.microsoft.com/office/drawing/2014/main" xmlns="" id="{4EEEC46E-B748-477B-BB9F-C2EB9AA93E73}"/>
+                <a16:creationId xmlns="" xmlns:a16="http://schemas.microsoft.com/office/drawing/2014/main" id="{4EEEC46E-B748-477B-BB9F-C2EB9AA93E73}"/>
               </a:ext>
             </a:extLst>
           </p:cNvPr>
@@ -8990,7 +8763,7 @@
           <p:cNvPr id="18" name="직사각형 17">
             <a:extLst>
               <a:ext uri="{FF2B5EF4-FFF2-40B4-BE49-F238E27FC236}">
-                <a16:creationId xmlns:a16="http://schemas.microsoft.com/office/drawing/2014/main" xmlns="" id="{28B03C6C-2AC4-44FE-97B8-B548EF63D26D}"/>
+                <a16:creationId xmlns="" xmlns:a16="http://schemas.microsoft.com/office/drawing/2014/main" id="{28B03C6C-2AC4-44FE-97B8-B548EF63D26D}"/>
               </a:ext>
             </a:extLst>
           </p:cNvPr>
@@ -9130,13 +8903,18 @@
           <a:p>
             <a:pPr algn="ctr"/>
             <a:r>
-              <a:rPr lang="en-US" altLang="ko-KR" sz="1600" dirty="0" smtClean="0">
+              <a:rPr lang="en-US" altLang="ko-KR" sz="1600" dirty="0" err="1" smtClean="0">
                 <a:solidFill>
                   <a:schemeClr val="tx1"/>
                 </a:solidFill>
               </a:rPr>
-              <a:t>car</a:t>
-            </a:r>
+              <a:t>carB</a:t>
+            </a:r>
+            <a:endParaRPr lang="en-US" altLang="ko-KR" sz="1600" dirty="0" smtClean="0">
+              <a:solidFill>
+                <a:schemeClr val="tx1"/>
+              </a:solidFill>
+            </a:endParaRPr>
           </a:p>
           <a:p>
             <a:pPr algn="ctr"/>
@@ -9169,7 +8947,7 @@
           <p:cNvPr id="16" name="TextBox 9">
             <a:extLst>
               <a:ext uri="{FF2B5EF4-FFF2-40B4-BE49-F238E27FC236}">
-                <a16:creationId xmlns:a16="http://schemas.microsoft.com/office/drawing/2014/main" xmlns="" id="{50C0A1B9-E762-4DD7-A0FC-C184C2F261EC}"/>
+                <a16:creationId xmlns="" xmlns:a16="http://schemas.microsoft.com/office/drawing/2014/main" id="{50C0A1B9-E762-4DD7-A0FC-C184C2F261EC}"/>
               </a:ext>
             </a:extLst>
           </p:cNvPr>
@@ -9299,7 +9077,7 @@
           <p:cNvPr id="19" name="직사각형 18">
             <a:extLst>
               <a:ext uri="{FF2B5EF4-FFF2-40B4-BE49-F238E27FC236}">
-                <a16:creationId xmlns:a16="http://schemas.microsoft.com/office/drawing/2014/main" xmlns="" id="{28B03C6C-2AC4-44FE-97B8-B548EF63D26D}"/>
+                <a16:creationId xmlns="" xmlns:a16="http://schemas.microsoft.com/office/drawing/2014/main" id="{28B03C6C-2AC4-44FE-97B8-B548EF63D26D}"/>
               </a:ext>
             </a:extLst>
           </p:cNvPr>
@@ -9444,7 +9222,7 @@
                   <a:schemeClr val="tx1"/>
                 </a:solidFill>
               </a:rPr>
-              <a:t>wheelA</a:t>
+              <a:t>wheelB</a:t>
             </a:r>
             <a:endParaRPr lang="en-US" altLang="ko-KR" sz="1600" dirty="0" smtClean="0">
               <a:solidFill>
@@ -9475,7 +9253,7 @@
           <p:cNvPr id="20" name="TextBox 9">
             <a:extLst>
               <a:ext uri="{FF2B5EF4-FFF2-40B4-BE49-F238E27FC236}">
-                <a16:creationId xmlns:a16="http://schemas.microsoft.com/office/drawing/2014/main" xmlns="" id="{50C0A1B9-E762-4DD7-A0FC-C184C2F261EC}"/>
+                <a16:creationId xmlns="" xmlns:a16="http://schemas.microsoft.com/office/drawing/2014/main" id="{50C0A1B9-E762-4DD7-A0FC-C184C2F261EC}"/>
               </a:ext>
             </a:extLst>
           </p:cNvPr>
@@ -9605,7 +9383,7 @@
           <p:cNvPr id="21" name="직사각형 20">
             <a:extLst>
               <a:ext uri="{FF2B5EF4-FFF2-40B4-BE49-F238E27FC236}">
-                <a16:creationId xmlns:a16="http://schemas.microsoft.com/office/drawing/2014/main" xmlns="" id="{9CE92168-4388-4DCB-A48C-947C673B8F7C}"/>
+                <a16:creationId xmlns="" xmlns:a16="http://schemas.microsoft.com/office/drawing/2014/main" id="{9CE92168-4388-4DCB-A48C-947C673B8F7C}"/>
               </a:ext>
             </a:extLst>
           </p:cNvPr>
@@ -9766,15 +9544,7 @@
                   <a:schemeClr val="tx1"/>
                 </a:solidFill>
               </a:rPr>
-              <a:t>입력한 </a:t>
-            </a:r>
-            <a:r>
-              <a:rPr lang="ko-KR" altLang="en-US" sz="1600" dirty="0" smtClean="0">
-                <a:solidFill>
-                  <a:schemeClr val="tx1"/>
-                </a:solidFill>
-              </a:rPr>
-              <a:t>내용</a:t>
+              <a:t>입력한 내용</a:t>
             </a:r>
             <a:r>
               <a:rPr lang="en-US" altLang="ko-KR" sz="1600" dirty="0" smtClean="0">
@@ -9797,7 +9567,7 @@
           <p:cNvPr id="23" name="직사각형 22">
             <a:extLst>
               <a:ext uri="{FF2B5EF4-FFF2-40B4-BE49-F238E27FC236}">
-                <a16:creationId xmlns:a16="http://schemas.microsoft.com/office/drawing/2014/main" xmlns="" id="{B09F0ABF-AEC9-4E08-876A-27A669316F89}"/>
+                <a16:creationId xmlns="" xmlns:a16="http://schemas.microsoft.com/office/drawing/2014/main" id="{B09F0ABF-AEC9-4E08-876A-27A669316F89}"/>
               </a:ext>
             </a:extLst>
           </p:cNvPr>
@@ -9958,15 +9728,7 @@
                   <a:schemeClr val="tx1"/>
                 </a:solidFill>
               </a:rPr>
-              <a:t>입력한 </a:t>
-            </a:r>
-            <a:r>
-              <a:rPr lang="ko-KR" altLang="en-US" sz="1600" dirty="0" smtClean="0">
-                <a:solidFill>
-                  <a:schemeClr val="tx1"/>
-                </a:solidFill>
-              </a:rPr>
-              <a:t>내용</a:t>
+              <a:t>입력한 내용</a:t>
             </a:r>
             <a:r>
               <a:rPr lang="en-US" altLang="ko-KR" sz="1600" dirty="0" smtClean="0">
@@ -9989,7 +9751,7 @@
           <p:cNvPr id="24" name="직사각형 23">
             <a:extLst>
               <a:ext uri="{FF2B5EF4-FFF2-40B4-BE49-F238E27FC236}">
-                <a16:creationId xmlns:a16="http://schemas.microsoft.com/office/drawing/2014/main" xmlns="" id="{143E4312-522C-4CFC-ABF1-59CE4A8C72D0}"/>
+                <a16:creationId xmlns="" xmlns:a16="http://schemas.microsoft.com/office/drawing/2014/main" id="{143E4312-522C-4CFC-ABF1-59CE4A8C72D0}"/>
               </a:ext>
             </a:extLst>
           </p:cNvPr>
@@ -10173,7 +9935,7 @@
           <p:cNvPr id="25" name="직사각형 24">
             <a:extLst>
               <a:ext uri="{FF2B5EF4-FFF2-40B4-BE49-F238E27FC236}">
-                <a16:creationId xmlns:a16="http://schemas.microsoft.com/office/drawing/2014/main" xmlns="" id="{07E257B6-A187-421D-9535-E49C44B023F8}"/>
+                <a16:creationId xmlns="" xmlns:a16="http://schemas.microsoft.com/office/drawing/2014/main" id="{07E257B6-A187-421D-9535-E49C44B023F8}"/>
               </a:ext>
             </a:extLst>
           </p:cNvPr>
@@ -10357,7 +10119,7 @@
           <p:cNvPr id="26" name="직선 화살표 연결선 25">
             <a:extLst>
               <a:ext uri="{FF2B5EF4-FFF2-40B4-BE49-F238E27FC236}">
-                <a16:creationId xmlns:a16="http://schemas.microsoft.com/office/drawing/2014/main" xmlns="" id="{4EEEC46E-B748-477B-BB9F-C2EB9AA93E73}"/>
+                <a16:creationId xmlns="" xmlns:a16="http://schemas.microsoft.com/office/drawing/2014/main" id="{4EEEC46E-B748-477B-BB9F-C2EB9AA93E73}"/>
               </a:ext>
             </a:extLst>
           </p:cNvPr>
@@ -10402,7 +10164,7 @@
           <p:cNvPr id="30" name="직사각형 29">
             <a:extLst>
               <a:ext uri="{FF2B5EF4-FFF2-40B4-BE49-F238E27FC236}">
-                <a16:creationId xmlns:a16="http://schemas.microsoft.com/office/drawing/2014/main" xmlns="" id="{07E257B6-A187-421D-9535-E49C44B023F8}"/>
+                <a16:creationId xmlns="" xmlns:a16="http://schemas.microsoft.com/office/drawing/2014/main" id="{07E257B6-A187-421D-9535-E49C44B023F8}"/>
               </a:ext>
             </a:extLst>
           </p:cNvPr>
@@ -10578,7 +10340,7 @@
           <p:cNvPr id="31" name="직선 화살표 연결선 30">
             <a:extLst>
               <a:ext uri="{FF2B5EF4-FFF2-40B4-BE49-F238E27FC236}">
-                <a16:creationId xmlns:a16="http://schemas.microsoft.com/office/drawing/2014/main" xmlns="" id="{4EEEC46E-B748-477B-BB9F-C2EB9AA93E73}"/>
+                <a16:creationId xmlns="" xmlns:a16="http://schemas.microsoft.com/office/drawing/2014/main" id="{4EEEC46E-B748-477B-BB9F-C2EB9AA93E73}"/>
               </a:ext>
             </a:extLst>
           </p:cNvPr>
@@ -10623,7 +10385,7 @@
           <p:cNvPr id="34" name="직사각형 33">
             <a:extLst>
               <a:ext uri="{FF2B5EF4-FFF2-40B4-BE49-F238E27FC236}">
-                <a16:creationId xmlns:a16="http://schemas.microsoft.com/office/drawing/2014/main" xmlns="" id="{143E4312-522C-4CFC-ABF1-59CE4A8C72D0}"/>
+                <a16:creationId xmlns="" xmlns:a16="http://schemas.microsoft.com/office/drawing/2014/main" id="{143E4312-522C-4CFC-ABF1-59CE4A8C72D0}"/>
               </a:ext>
             </a:extLst>
           </p:cNvPr>
@@ -10799,7 +10561,7 @@
           <p:cNvPr id="35" name="TextBox 9">
             <a:extLst>
               <a:ext uri="{FF2B5EF4-FFF2-40B4-BE49-F238E27FC236}">
-                <a16:creationId xmlns:a16="http://schemas.microsoft.com/office/drawing/2014/main" xmlns="" id="{50C0A1B9-E762-4DD7-A0FC-C184C2F261EC}"/>
+                <a16:creationId xmlns="" xmlns:a16="http://schemas.microsoft.com/office/drawing/2014/main" id="{50C0A1B9-E762-4DD7-A0FC-C184C2F261EC}"/>
               </a:ext>
             </a:extLst>
           </p:cNvPr>
@@ -10929,7 +10691,7 @@
           <p:cNvPr id="36" name="직사각형 35">
             <a:extLst>
               <a:ext uri="{FF2B5EF4-FFF2-40B4-BE49-F238E27FC236}">
-                <a16:creationId xmlns:a16="http://schemas.microsoft.com/office/drawing/2014/main" xmlns="" id="{143E4312-522C-4CFC-ABF1-59CE4A8C72D0}"/>
+                <a16:creationId xmlns="" xmlns:a16="http://schemas.microsoft.com/office/drawing/2014/main" id="{143E4312-522C-4CFC-ABF1-59CE4A8C72D0}"/>
               </a:ext>
             </a:extLst>
           </p:cNvPr>
@@ -11082,31 +10844,15 @@
                   <a:schemeClr val="tx1"/>
                 </a:solidFill>
               </a:rPr>
-              <a:t>입력한 </a:t>
-            </a:r>
-            <a:r>
-              <a:rPr lang="ko-KR" altLang="en-US" sz="1600" dirty="0" smtClean="0">
+              <a:t>입력한 내용</a:t>
+            </a:r>
+            <a:r>
+              <a:rPr lang="en-US" altLang="ko-KR" sz="1600" dirty="0" smtClean="0">
                 <a:solidFill>
                   <a:schemeClr val="tx1"/>
                 </a:solidFill>
               </a:rPr>
-              <a:t>내용</a:t>
-            </a:r>
-            <a:r>
-              <a:rPr lang="en-US" altLang="ko-KR" sz="1600" dirty="0" smtClean="0">
-                <a:solidFill>
-                  <a:schemeClr val="tx1"/>
-                </a:solidFill>
-              </a:rPr>
-              <a:t>2</a:t>
-            </a:r>
-            <a:r>
-              <a:rPr lang="en-US" altLang="ko-KR" sz="1600" dirty="0" smtClean="0">
-                <a:solidFill>
-                  <a:schemeClr val="tx1"/>
-                </a:solidFill>
-              </a:rPr>
-              <a:t>”</a:t>
+              <a:t>2”</a:t>
             </a:r>
             <a:endParaRPr lang="ko-KR" altLang="en-US" sz="1600" dirty="0">
               <a:solidFill>
@@ -11121,7 +10867,7 @@
           <p:cNvPr id="37" name="TextBox 9">
             <a:extLst>
               <a:ext uri="{FF2B5EF4-FFF2-40B4-BE49-F238E27FC236}">
-                <a16:creationId xmlns:a16="http://schemas.microsoft.com/office/drawing/2014/main" xmlns="" id="{50C0A1B9-E762-4DD7-A0FC-C184C2F261EC}"/>
+                <a16:creationId xmlns="" xmlns:a16="http://schemas.microsoft.com/office/drawing/2014/main" id="{50C0A1B9-E762-4DD7-A0FC-C184C2F261EC}"/>
               </a:ext>
             </a:extLst>
           </p:cNvPr>
@@ -11251,7 +10997,7 @@
           <p:cNvPr id="38" name="직사각형 37">
             <a:extLst>
               <a:ext uri="{FF2B5EF4-FFF2-40B4-BE49-F238E27FC236}">
-                <a16:creationId xmlns:a16="http://schemas.microsoft.com/office/drawing/2014/main" xmlns="" id="{143E4312-522C-4CFC-ABF1-59CE4A8C72D0}"/>
+                <a16:creationId xmlns="" xmlns:a16="http://schemas.microsoft.com/office/drawing/2014/main" id="{143E4312-522C-4CFC-ABF1-59CE4A8C72D0}"/>
               </a:ext>
             </a:extLst>
           </p:cNvPr>
@@ -11404,31 +11150,15 @@
                   <a:schemeClr val="tx1"/>
                 </a:solidFill>
               </a:rPr>
-              <a:t>입력한 </a:t>
-            </a:r>
-            <a:r>
-              <a:rPr lang="ko-KR" altLang="en-US" sz="1600" dirty="0" smtClean="0">
+              <a:t>입력한 내용</a:t>
+            </a:r>
+            <a:r>
+              <a:rPr lang="en-US" altLang="ko-KR" sz="1600" dirty="0" smtClean="0">
                 <a:solidFill>
                   <a:schemeClr val="tx1"/>
                 </a:solidFill>
               </a:rPr>
-              <a:t>내용</a:t>
-            </a:r>
-            <a:r>
-              <a:rPr lang="en-US" altLang="ko-KR" sz="1600" dirty="0" smtClean="0">
-                <a:solidFill>
-                  <a:schemeClr val="tx1"/>
-                </a:solidFill>
-              </a:rPr>
-              <a:t>2</a:t>
-            </a:r>
-            <a:r>
-              <a:rPr lang="en-US" altLang="ko-KR" sz="1600" dirty="0" smtClean="0">
-                <a:solidFill>
-                  <a:schemeClr val="tx1"/>
-                </a:solidFill>
-              </a:rPr>
-              <a:t>”</a:t>
+              <a:t>2”</a:t>
             </a:r>
             <a:endParaRPr lang="ko-KR" altLang="en-US" sz="1600" dirty="0">
               <a:solidFill>
@@ -11443,7 +11173,7 @@
           <p:cNvPr id="39" name="TextBox 9">
             <a:extLst>
               <a:ext uri="{FF2B5EF4-FFF2-40B4-BE49-F238E27FC236}">
-                <a16:creationId xmlns:a16="http://schemas.microsoft.com/office/drawing/2014/main" xmlns="" id="{50C0A1B9-E762-4DD7-A0FC-C184C2F261EC}"/>
+                <a16:creationId xmlns="" xmlns:a16="http://schemas.microsoft.com/office/drawing/2014/main" id="{50C0A1B9-E762-4DD7-A0FC-C184C2F261EC}"/>
               </a:ext>
             </a:extLst>
           </p:cNvPr>
@@ -11573,7 +11303,7 @@
           <p:cNvPr id="40" name="직사각형 39">
             <a:extLst>
               <a:ext uri="{FF2B5EF4-FFF2-40B4-BE49-F238E27FC236}">
-                <a16:creationId xmlns:a16="http://schemas.microsoft.com/office/drawing/2014/main" xmlns="" id="{143E4312-522C-4CFC-ABF1-59CE4A8C72D0}"/>
+                <a16:creationId xmlns="" xmlns:a16="http://schemas.microsoft.com/office/drawing/2014/main" id="{143E4312-522C-4CFC-ABF1-59CE4A8C72D0}"/>
               </a:ext>
             </a:extLst>
           </p:cNvPr>
@@ -11726,31 +11456,15 @@
                   <a:schemeClr val="tx1"/>
                 </a:solidFill>
               </a:rPr>
-              <a:t>입력한 </a:t>
-            </a:r>
-            <a:r>
-              <a:rPr lang="ko-KR" altLang="en-US" sz="1600" dirty="0" smtClean="0">
+              <a:t>입력한 내용</a:t>
+            </a:r>
+            <a:r>
+              <a:rPr lang="en-US" altLang="ko-KR" sz="1600" dirty="0" smtClean="0">
                 <a:solidFill>
                   <a:schemeClr val="tx1"/>
                 </a:solidFill>
               </a:rPr>
-              <a:t>내용</a:t>
-            </a:r>
-            <a:r>
-              <a:rPr lang="en-US" altLang="ko-KR" sz="1600" dirty="0" smtClean="0">
-                <a:solidFill>
-                  <a:schemeClr val="tx1"/>
-                </a:solidFill>
-              </a:rPr>
-              <a:t>2</a:t>
-            </a:r>
-            <a:r>
-              <a:rPr lang="en-US" altLang="ko-KR" sz="1600" dirty="0" smtClean="0">
-                <a:solidFill>
-                  <a:schemeClr val="tx1"/>
-                </a:solidFill>
-              </a:rPr>
-              <a:t>”</a:t>
+              <a:t>2”</a:t>
             </a:r>
             <a:endParaRPr lang="ko-KR" altLang="en-US" sz="1600" dirty="0">
               <a:solidFill>
@@ -11765,7 +11479,7 @@
           <p:cNvPr id="41" name="직선 화살표 연결선 40">
             <a:extLst>
               <a:ext uri="{FF2B5EF4-FFF2-40B4-BE49-F238E27FC236}">
-                <a16:creationId xmlns:a16="http://schemas.microsoft.com/office/drawing/2014/main" xmlns="" id="{4EEEC46E-B748-477B-BB9F-C2EB9AA93E73}"/>
+                <a16:creationId xmlns="" xmlns:a16="http://schemas.microsoft.com/office/drawing/2014/main" id="{4EEEC46E-B748-477B-BB9F-C2EB9AA93E73}"/>
               </a:ext>
             </a:extLst>
           </p:cNvPr>
@@ -11811,7 +11525,7 @@
           <p:cNvPr id="42" name="직선 화살표 연결선 41">
             <a:extLst>
               <a:ext uri="{FF2B5EF4-FFF2-40B4-BE49-F238E27FC236}">
-                <a16:creationId xmlns:a16="http://schemas.microsoft.com/office/drawing/2014/main" xmlns="" id="{4EEEC46E-B748-477B-BB9F-C2EB9AA93E73}"/>
+                <a16:creationId xmlns="" xmlns:a16="http://schemas.microsoft.com/office/drawing/2014/main" id="{4EEEC46E-B748-477B-BB9F-C2EB9AA93E73}"/>
               </a:ext>
             </a:extLst>
           </p:cNvPr>
@@ -11856,7 +11570,7 @@
           <p:cNvPr id="43" name="직선 화살표 연결선 42">
             <a:extLst>
               <a:ext uri="{FF2B5EF4-FFF2-40B4-BE49-F238E27FC236}">
-                <a16:creationId xmlns:a16="http://schemas.microsoft.com/office/drawing/2014/main" xmlns="" id="{4EEEC46E-B748-477B-BB9F-C2EB9AA93E73}"/>
+                <a16:creationId xmlns="" xmlns:a16="http://schemas.microsoft.com/office/drawing/2014/main" id="{4EEEC46E-B748-477B-BB9F-C2EB9AA93E73}"/>
               </a:ext>
             </a:extLst>
           </p:cNvPr>
@@ -11901,7 +11615,7 @@
           <p:cNvPr id="44" name="직선 화살표 연결선 43">
             <a:extLst>
               <a:ext uri="{FF2B5EF4-FFF2-40B4-BE49-F238E27FC236}">
-                <a16:creationId xmlns:a16="http://schemas.microsoft.com/office/drawing/2014/main" xmlns="" id="{4EEEC46E-B748-477B-BB9F-C2EB9AA93E73}"/>
+                <a16:creationId xmlns="" xmlns:a16="http://schemas.microsoft.com/office/drawing/2014/main" id="{4EEEC46E-B748-477B-BB9F-C2EB9AA93E73}"/>
               </a:ext>
             </a:extLst>
           </p:cNvPr>
@@ -11946,7 +11660,7 @@
           <p:cNvPr id="47" name="TextBox 9">
             <a:extLst>
               <a:ext uri="{FF2B5EF4-FFF2-40B4-BE49-F238E27FC236}">
-                <a16:creationId xmlns:a16="http://schemas.microsoft.com/office/drawing/2014/main" xmlns="" id="{50C0A1B9-E762-4DD7-A0FC-C184C2F261EC}"/>
+                <a16:creationId xmlns="" xmlns:a16="http://schemas.microsoft.com/office/drawing/2014/main" id="{50C0A1B9-E762-4DD7-A0FC-C184C2F261EC}"/>
               </a:ext>
             </a:extLst>
           </p:cNvPr>
@@ -12076,7 +11790,7 @@
           <p:cNvPr id="48" name="직사각형 47">
             <a:extLst>
               <a:ext uri="{FF2B5EF4-FFF2-40B4-BE49-F238E27FC236}">
-                <a16:creationId xmlns:a16="http://schemas.microsoft.com/office/drawing/2014/main" xmlns="" id="{143E4312-522C-4CFC-ABF1-59CE4A8C72D0}"/>
+                <a16:creationId xmlns="" xmlns:a16="http://schemas.microsoft.com/office/drawing/2014/main" id="{143E4312-522C-4CFC-ABF1-59CE4A8C72D0}"/>
               </a:ext>
             </a:extLst>
           </p:cNvPr>
@@ -12229,31 +11943,15 @@
                   <a:schemeClr val="tx1"/>
                 </a:solidFill>
               </a:rPr>
-              <a:t>입력한 </a:t>
-            </a:r>
-            <a:r>
-              <a:rPr lang="ko-KR" altLang="en-US" sz="1600" dirty="0" smtClean="0">
+              <a:t>입력한 내용</a:t>
+            </a:r>
+            <a:r>
+              <a:rPr lang="en-US" altLang="ko-KR" sz="1600" dirty="0" smtClean="0">
                 <a:solidFill>
                   <a:schemeClr val="tx1"/>
                 </a:solidFill>
               </a:rPr>
-              <a:t>내용</a:t>
-            </a:r>
-            <a:r>
-              <a:rPr lang="en-US" altLang="ko-KR" sz="1600" dirty="0" smtClean="0">
-                <a:solidFill>
-                  <a:schemeClr val="tx1"/>
-                </a:solidFill>
-              </a:rPr>
-              <a:t>2</a:t>
-            </a:r>
-            <a:r>
-              <a:rPr lang="en-US" altLang="ko-KR" sz="1600" dirty="0" smtClean="0">
-                <a:solidFill>
-                  <a:schemeClr val="tx1"/>
-                </a:solidFill>
-              </a:rPr>
-              <a:t>”</a:t>
+              <a:t>2”</a:t>
             </a:r>
             <a:endParaRPr lang="ko-KR" altLang="en-US" sz="1600" dirty="0">
               <a:solidFill>
@@ -12268,7 +11966,7 @@
           <p:cNvPr id="49" name="직선 화살표 연결선 48">
             <a:extLst>
               <a:ext uri="{FF2B5EF4-FFF2-40B4-BE49-F238E27FC236}">
-                <a16:creationId xmlns:a16="http://schemas.microsoft.com/office/drawing/2014/main" xmlns="" id="{4EEEC46E-B748-477B-BB9F-C2EB9AA93E73}"/>
+                <a16:creationId xmlns="" xmlns:a16="http://schemas.microsoft.com/office/drawing/2014/main" id="{4EEEC46E-B748-477B-BB9F-C2EB9AA93E73}"/>
               </a:ext>
             </a:extLst>
           </p:cNvPr>
@@ -12308,173 +12006,10 @@
           </a:fontRef>
         </p:style>
       </p:cxnSp>
-      <p:sp>
-        <p:nvSpPr>
-          <p:cNvPr id="50" name="직사각형 49">
-            <a:extLst>
-              <a:ext uri="{FF2B5EF4-FFF2-40B4-BE49-F238E27FC236}">
-                <a16:creationId xmlns:a16="http://schemas.microsoft.com/office/drawing/2014/main" xmlns="" id="{28B03C6C-2AC4-44FE-97B8-B548EF63D26D}"/>
-              </a:ext>
-            </a:extLst>
-          </p:cNvPr>
-          <p:cNvSpPr/>
-          <p:nvPr/>
-        </p:nvSpPr>
-        <p:spPr>
-          <a:xfrm>
-            <a:off x="0" y="1500174"/>
-            <a:ext cx="1296144" cy="576064"/>
-          </a:xfrm>
-          <a:prstGeom prst="rect">
-            <a:avLst/>
-          </a:prstGeom>
-          <a:solidFill>
-            <a:schemeClr val="bg1"/>
-          </a:solidFill>
-          <a:ln>
-            <a:solidFill>
-              <a:schemeClr val="tx1"/>
-            </a:solidFill>
-          </a:ln>
-        </p:spPr>
-        <p:style>
-          <a:lnRef idx="2">
-            <a:schemeClr val="accent1">
-              <a:shade val="50000"/>
-            </a:schemeClr>
-          </a:lnRef>
-          <a:fillRef idx="1">
-            <a:schemeClr val="accent1"/>
-          </a:fillRef>
-          <a:effectRef idx="0">
-            <a:schemeClr val="accent1"/>
-          </a:effectRef>
-          <a:fontRef idx="minor">
-            <a:schemeClr val="lt1"/>
-          </a:fontRef>
-        </p:style>
-        <p:txBody>
-          <a:bodyPr rtlCol="0" anchor="ctr"/>
-          <a:lstStyle>
-            <a:defPPr>
-              <a:defRPr lang="ko-KR"/>
-            </a:defPPr>
-            <a:lvl1pPr marL="0" algn="l" defTabSz="914400" rtl="0" eaLnBrk="1" latinLnBrk="1" hangingPunct="1">
-              <a:defRPr sz="1800" kern="1200">
-                <a:solidFill>
-                  <a:schemeClr val="lt1"/>
-                </a:solidFill>
-                <a:latin typeface="+mn-lt"/>
-                <a:ea typeface="+mn-ea"/>
-                <a:cs typeface="+mn-cs"/>
-              </a:defRPr>
-            </a:lvl1pPr>
-            <a:lvl2pPr marL="457200" algn="l" defTabSz="914400" rtl="0" eaLnBrk="1" latinLnBrk="1" hangingPunct="1">
-              <a:defRPr sz="1800" kern="1200">
-                <a:solidFill>
-                  <a:schemeClr val="lt1"/>
-                </a:solidFill>
-                <a:latin typeface="+mn-lt"/>
-                <a:ea typeface="+mn-ea"/>
-                <a:cs typeface="+mn-cs"/>
-              </a:defRPr>
-            </a:lvl2pPr>
-            <a:lvl3pPr marL="914400" algn="l" defTabSz="914400" rtl="0" eaLnBrk="1" latinLnBrk="1" hangingPunct="1">
-              <a:defRPr sz="1800" kern="1200">
-                <a:solidFill>
-                  <a:schemeClr val="lt1"/>
-                </a:solidFill>
-                <a:latin typeface="+mn-lt"/>
-                <a:ea typeface="+mn-ea"/>
-                <a:cs typeface="+mn-cs"/>
-              </a:defRPr>
-            </a:lvl3pPr>
-            <a:lvl4pPr marL="1371600" algn="l" defTabSz="914400" rtl="0" eaLnBrk="1" latinLnBrk="1" hangingPunct="1">
-              <a:defRPr sz="1800" kern="1200">
-                <a:solidFill>
-                  <a:schemeClr val="lt1"/>
-                </a:solidFill>
-                <a:latin typeface="+mn-lt"/>
-                <a:ea typeface="+mn-ea"/>
-                <a:cs typeface="+mn-cs"/>
-              </a:defRPr>
-            </a:lvl4pPr>
-            <a:lvl5pPr marL="1828800" algn="l" defTabSz="914400" rtl="0" eaLnBrk="1" latinLnBrk="1" hangingPunct="1">
-              <a:defRPr sz="1800" kern="1200">
-                <a:solidFill>
-                  <a:schemeClr val="lt1"/>
-                </a:solidFill>
-                <a:latin typeface="+mn-lt"/>
-                <a:ea typeface="+mn-ea"/>
-                <a:cs typeface="+mn-cs"/>
-              </a:defRPr>
-            </a:lvl5pPr>
-            <a:lvl6pPr marL="2286000" algn="l" defTabSz="914400" rtl="0" eaLnBrk="1" latinLnBrk="1" hangingPunct="1">
-              <a:defRPr sz="1800" kern="1200">
-                <a:solidFill>
-                  <a:schemeClr val="lt1"/>
-                </a:solidFill>
-                <a:latin typeface="+mn-lt"/>
-                <a:ea typeface="+mn-ea"/>
-                <a:cs typeface="+mn-cs"/>
-              </a:defRPr>
-            </a:lvl6pPr>
-            <a:lvl7pPr marL="2743200" algn="l" defTabSz="914400" rtl="0" eaLnBrk="1" latinLnBrk="1" hangingPunct="1">
-              <a:defRPr sz="1800" kern="1200">
-                <a:solidFill>
-                  <a:schemeClr val="lt1"/>
-                </a:solidFill>
-                <a:latin typeface="+mn-lt"/>
-                <a:ea typeface="+mn-ea"/>
-                <a:cs typeface="+mn-cs"/>
-              </a:defRPr>
-            </a:lvl7pPr>
-            <a:lvl8pPr marL="3200400" algn="l" defTabSz="914400" rtl="0" eaLnBrk="1" latinLnBrk="1" hangingPunct="1">
-              <a:defRPr sz="1800" kern="1200">
-                <a:solidFill>
-                  <a:schemeClr val="lt1"/>
-                </a:solidFill>
-                <a:latin typeface="+mn-lt"/>
-                <a:ea typeface="+mn-ea"/>
-                <a:cs typeface="+mn-cs"/>
-              </a:defRPr>
-            </a:lvl8pPr>
-            <a:lvl9pPr marL="3657600" algn="l" defTabSz="914400" rtl="0" eaLnBrk="1" latinLnBrk="1" hangingPunct="1">
-              <a:defRPr sz="1800" kern="1200">
-                <a:solidFill>
-                  <a:schemeClr val="lt1"/>
-                </a:solidFill>
-                <a:latin typeface="+mn-lt"/>
-                <a:ea typeface="+mn-ea"/>
-                <a:cs typeface="+mn-cs"/>
-              </a:defRPr>
-            </a:lvl9pPr>
-          </a:lstStyle>
-          <a:p>
-            <a:pPr algn="ctr"/>
-            <a:r>
-              <a:rPr lang="en-US" altLang="ko-KR" sz="1600" dirty="0" err="1" smtClean="0">
-                <a:solidFill>
-                  <a:schemeClr val="tx1"/>
-                </a:solidFill>
-              </a:rPr>
-              <a:t>i</a:t>
-            </a:r>
-            <a:r>
-              <a:rPr lang="en-US" altLang="ko-KR" sz="1600" dirty="0" smtClean="0">
-                <a:solidFill>
-                  <a:schemeClr val="tx1"/>
-                </a:solidFill>
-              </a:rPr>
-              <a:t>=2</a:t>
-            </a:r>
-          </a:p>
-        </p:txBody>
-      </p:sp>
     </p:spTree>
     <p:extLst>
       <p:ext uri="{BB962C8B-B14F-4D97-AF65-F5344CB8AC3E}">
-        <p14:creationId xmlns:p14="http://schemas.microsoft.com/office/powerpoint/2010/main" xmlns="" val="2774733339"/>
+        <p14:creationId xmlns="" xmlns:p14="http://schemas.microsoft.com/office/powerpoint/2010/main" val="2774733339"/>
       </p:ext>
     </p:extLst>
   </p:cSld>
@@ -12506,7 +12041,7 @@
           <p:cNvPr id="2" name="직선 연결선 1">
             <a:extLst>
               <a:ext uri="{FF2B5EF4-FFF2-40B4-BE49-F238E27FC236}">
-                <a16:creationId xmlns:a16="http://schemas.microsoft.com/office/drawing/2014/main" xmlns="" id="{735B9572-2CF3-4846-9D23-183DADB47ED9}"/>
+                <a16:creationId xmlns="" xmlns:a16="http://schemas.microsoft.com/office/drawing/2014/main" id="{735B9572-2CF3-4846-9D23-183DADB47ED9}"/>
               </a:ext>
             </a:extLst>
           </p:cNvPr>
@@ -12547,7 +12082,7 @@
           <p:cNvPr id="4" name="TextBox 9">
             <a:extLst>
               <a:ext uri="{FF2B5EF4-FFF2-40B4-BE49-F238E27FC236}">
-                <a16:creationId xmlns:a16="http://schemas.microsoft.com/office/drawing/2014/main" xmlns="" id="{50C0A1B9-E762-4DD7-A0FC-C184C2F261EC}"/>
+                <a16:creationId xmlns="" xmlns:a16="http://schemas.microsoft.com/office/drawing/2014/main" id="{50C0A1B9-E762-4DD7-A0FC-C184C2F261EC}"/>
               </a:ext>
             </a:extLst>
           </p:cNvPr>
@@ -12677,7 +12212,7 @@
           <p:cNvPr id="5" name="직사각형 4">
             <a:extLst>
               <a:ext uri="{FF2B5EF4-FFF2-40B4-BE49-F238E27FC236}">
-                <a16:creationId xmlns:a16="http://schemas.microsoft.com/office/drawing/2014/main" xmlns="" id="{9CE92168-4388-4DCB-A48C-947C673B8F7C}"/>
+                <a16:creationId xmlns="" xmlns:a16="http://schemas.microsoft.com/office/drawing/2014/main" id="{9CE92168-4388-4DCB-A48C-947C673B8F7C}"/>
               </a:ext>
             </a:extLst>
           </p:cNvPr>
@@ -12861,7 +12396,7 @@
           <p:cNvPr id="6" name="직사각형 5">
             <a:extLst>
               <a:ext uri="{FF2B5EF4-FFF2-40B4-BE49-F238E27FC236}">
-                <a16:creationId xmlns:a16="http://schemas.microsoft.com/office/drawing/2014/main" xmlns="" id="{07E257B6-A187-421D-9535-E49C44B023F8}"/>
+                <a16:creationId xmlns="" xmlns:a16="http://schemas.microsoft.com/office/drawing/2014/main" id="{07E257B6-A187-421D-9535-E49C44B023F8}"/>
               </a:ext>
             </a:extLst>
           </p:cNvPr>
@@ -13025,15 +12560,7 @@
                   <a:schemeClr val="tx1"/>
                 </a:solidFill>
               </a:rPr>
-              <a:t>입력한 </a:t>
-            </a:r>
-            <a:r>
-              <a:rPr lang="ko-KR" altLang="en-US" sz="1600" dirty="0" smtClean="0">
-                <a:solidFill>
-                  <a:schemeClr val="tx1"/>
-                </a:solidFill>
-              </a:rPr>
-              <a:t>내용</a:t>
+              <a:t>입력한 내용</a:t>
             </a:r>
             <a:r>
               <a:rPr lang="en-US" altLang="ko-KR" sz="1600" dirty="0" smtClean="0">
@@ -13056,7 +12583,7 @@
           <p:cNvPr id="8" name="직사각형 7">
             <a:extLst>
               <a:ext uri="{FF2B5EF4-FFF2-40B4-BE49-F238E27FC236}">
-                <a16:creationId xmlns:a16="http://schemas.microsoft.com/office/drawing/2014/main" xmlns="" id="{B09F0ABF-AEC9-4E08-876A-27A669316F89}"/>
+                <a16:creationId xmlns="" xmlns:a16="http://schemas.microsoft.com/office/drawing/2014/main" id="{B09F0ABF-AEC9-4E08-876A-27A669316F89}"/>
               </a:ext>
             </a:extLst>
           </p:cNvPr>
@@ -13232,7 +12759,7 @@
           <p:cNvPr id="9" name="직사각형 8">
             <a:extLst>
               <a:ext uri="{FF2B5EF4-FFF2-40B4-BE49-F238E27FC236}">
-                <a16:creationId xmlns:a16="http://schemas.microsoft.com/office/drawing/2014/main" xmlns="" id="{143E4312-522C-4CFC-ABF1-59CE4A8C72D0}"/>
+                <a16:creationId xmlns="" xmlns:a16="http://schemas.microsoft.com/office/drawing/2014/main" id="{143E4312-522C-4CFC-ABF1-59CE4A8C72D0}"/>
               </a:ext>
             </a:extLst>
           </p:cNvPr>
@@ -13408,7 +12935,7 @@
           <p:cNvPr id="11" name="TextBox 16">
             <a:extLst>
               <a:ext uri="{FF2B5EF4-FFF2-40B4-BE49-F238E27FC236}">
-                <a16:creationId xmlns:a16="http://schemas.microsoft.com/office/drawing/2014/main" xmlns="" id="{738AAEDF-1FB4-4B24-A36A-8AC789F7B2FC}"/>
+                <a16:creationId xmlns="" xmlns:a16="http://schemas.microsoft.com/office/drawing/2014/main" id="{738AAEDF-1FB4-4B24-A36A-8AC789F7B2FC}"/>
               </a:ext>
             </a:extLst>
           </p:cNvPr>
@@ -13542,7 +13069,7 @@
           <p:cNvPr id="12" name="TextBox 17">
             <a:extLst>
               <a:ext uri="{FF2B5EF4-FFF2-40B4-BE49-F238E27FC236}">
-                <a16:creationId xmlns:a16="http://schemas.microsoft.com/office/drawing/2014/main" xmlns="" id="{01C38823-CA0D-4F5D-8710-47697331F828}"/>
+                <a16:creationId xmlns="" xmlns:a16="http://schemas.microsoft.com/office/drawing/2014/main" id="{01C38823-CA0D-4F5D-8710-47697331F828}"/>
               </a:ext>
             </a:extLst>
           </p:cNvPr>
@@ -13676,7 +13203,7 @@
           <p:cNvPr id="14" name="직선 화살표 연결선 13">
             <a:extLst>
               <a:ext uri="{FF2B5EF4-FFF2-40B4-BE49-F238E27FC236}">
-                <a16:creationId xmlns:a16="http://schemas.microsoft.com/office/drawing/2014/main" xmlns="" id="{4EEEC46E-B748-477B-BB9F-C2EB9AA93E73}"/>
+                <a16:creationId xmlns="" xmlns:a16="http://schemas.microsoft.com/office/drawing/2014/main" id="{4EEEC46E-B748-477B-BB9F-C2EB9AA93E73}"/>
               </a:ext>
             </a:extLst>
           </p:cNvPr>
@@ -13721,7 +13248,7 @@
           <p:cNvPr id="18" name="직사각형 17">
             <a:extLst>
               <a:ext uri="{FF2B5EF4-FFF2-40B4-BE49-F238E27FC236}">
-                <a16:creationId xmlns:a16="http://schemas.microsoft.com/office/drawing/2014/main" xmlns="" id="{28B03C6C-2AC4-44FE-97B8-B548EF63D26D}"/>
+                <a16:creationId xmlns="" xmlns:a16="http://schemas.microsoft.com/office/drawing/2014/main" id="{28B03C6C-2AC4-44FE-97B8-B548EF63D26D}"/>
               </a:ext>
             </a:extLst>
           </p:cNvPr>
@@ -13861,13 +13388,18 @@
           <a:p>
             <a:pPr algn="ctr"/>
             <a:r>
-              <a:rPr lang="en-US" altLang="ko-KR" sz="1600" dirty="0" smtClean="0">
+              <a:rPr lang="en-US" altLang="ko-KR" sz="1600" dirty="0" err="1" smtClean="0">
                 <a:solidFill>
                   <a:schemeClr val="tx1"/>
                 </a:solidFill>
               </a:rPr>
-              <a:t>car</a:t>
-            </a:r>
+              <a:t>carC</a:t>
+            </a:r>
+            <a:endParaRPr lang="en-US" altLang="ko-KR" sz="1600" dirty="0" smtClean="0">
+              <a:solidFill>
+                <a:schemeClr val="tx1"/>
+              </a:solidFill>
+            </a:endParaRPr>
           </a:p>
           <a:p>
             <a:pPr algn="ctr"/>
@@ -13900,7 +13432,7 @@
           <p:cNvPr id="16" name="TextBox 9">
             <a:extLst>
               <a:ext uri="{FF2B5EF4-FFF2-40B4-BE49-F238E27FC236}">
-                <a16:creationId xmlns:a16="http://schemas.microsoft.com/office/drawing/2014/main" xmlns="" id="{50C0A1B9-E762-4DD7-A0FC-C184C2F261EC}"/>
+                <a16:creationId xmlns="" xmlns:a16="http://schemas.microsoft.com/office/drawing/2014/main" id="{50C0A1B9-E762-4DD7-A0FC-C184C2F261EC}"/>
               </a:ext>
             </a:extLst>
           </p:cNvPr>
@@ -14030,7 +13562,7 @@
           <p:cNvPr id="19" name="직사각형 18">
             <a:extLst>
               <a:ext uri="{FF2B5EF4-FFF2-40B4-BE49-F238E27FC236}">
-                <a16:creationId xmlns:a16="http://schemas.microsoft.com/office/drawing/2014/main" xmlns="" id="{28B03C6C-2AC4-44FE-97B8-B548EF63D26D}"/>
+                <a16:creationId xmlns="" xmlns:a16="http://schemas.microsoft.com/office/drawing/2014/main" id="{28B03C6C-2AC4-44FE-97B8-B548EF63D26D}"/>
               </a:ext>
             </a:extLst>
           </p:cNvPr>
@@ -14175,7 +13707,7 @@
                   <a:schemeClr val="tx1"/>
                 </a:solidFill>
               </a:rPr>
-              <a:t>wheelA</a:t>
+              <a:t>wheelC</a:t>
             </a:r>
             <a:endParaRPr lang="en-US" altLang="ko-KR" sz="1600" dirty="0" smtClean="0">
               <a:solidFill>
@@ -14206,7 +13738,7 @@
           <p:cNvPr id="20" name="TextBox 9">
             <a:extLst>
               <a:ext uri="{FF2B5EF4-FFF2-40B4-BE49-F238E27FC236}">
-                <a16:creationId xmlns:a16="http://schemas.microsoft.com/office/drawing/2014/main" xmlns="" id="{50C0A1B9-E762-4DD7-A0FC-C184C2F261EC}"/>
+                <a16:creationId xmlns="" xmlns:a16="http://schemas.microsoft.com/office/drawing/2014/main" id="{50C0A1B9-E762-4DD7-A0FC-C184C2F261EC}"/>
               </a:ext>
             </a:extLst>
           </p:cNvPr>
@@ -14336,7 +13868,7 @@
           <p:cNvPr id="21" name="직사각형 20">
             <a:extLst>
               <a:ext uri="{FF2B5EF4-FFF2-40B4-BE49-F238E27FC236}">
-                <a16:creationId xmlns:a16="http://schemas.microsoft.com/office/drawing/2014/main" xmlns="" id="{9CE92168-4388-4DCB-A48C-947C673B8F7C}"/>
+                <a16:creationId xmlns="" xmlns:a16="http://schemas.microsoft.com/office/drawing/2014/main" id="{9CE92168-4388-4DCB-A48C-947C673B8F7C}"/>
               </a:ext>
             </a:extLst>
           </p:cNvPr>
@@ -14497,15 +14029,7 @@
                   <a:schemeClr val="tx1"/>
                 </a:solidFill>
               </a:rPr>
-              <a:t>입력한 </a:t>
-            </a:r>
-            <a:r>
-              <a:rPr lang="ko-KR" altLang="en-US" sz="1600" dirty="0" smtClean="0">
-                <a:solidFill>
-                  <a:schemeClr val="tx1"/>
-                </a:solidFill>
-              </a:rPr>
-              <a:t>내용</a:t>
+              <a:t>입력한 내용</a:t>
             </a:r>
             <a:r>
               <a:rPr lang="en-US" altLang="ko-KR" sz="1600" dirty="0" smtClean="0">
@@ -14528,7 +14052,7 @@
           <p:cNvPr id="23" name="직사각형 22">
             <a:extLst>
               <a:ext uri="{FF2B5EF4-FFF2-40B4-BE49-F238E27FC236}">
-                <a16:creationId xmlns:a16="http://schemas.microsoft.com/office/drawing/2014/main" xmlns="" id="{B09F0ABF-AEC9-4E08-876A-27A669316F89}"/>
+                <a16:creationId xmlns="" xmlns:a16="http://schemas.microsoft.com/office/drawing/2014/main" id="{B09F0ABF-AEC9-4E08-876A-27A669316F89}"/>
               </a:ext>
             </a:extLst>
           </p:cNvPr>
@@ -14689,15 +14213,7 @@
                   <a:schemeClr val="tx1"/>
                 </a:solidFill>
               </a:rPr>
-              <a:t>입력한 </a:t>
-            </a:r>
-            <a:r>
-              <a:rPr lang="ko-KR" altLang="en-US" sz="1600" dirty="0" smtClean="0">
-                <a:solidFill>
-                  <a:schemeClr val="tx1"/>
-                </a:solidFill>
-              </a:rPr>
-              <a:t>내용</a:t>
+              <a:t>입력한 내용</a:t>
             </a:r>
             <a:r>
               <a:rPr lang="en-US" altLang="ko-KR" sz="1600" dirty="0" smtClean="0">
@@ -14720,7 +14236,7 @@
           <p:cNvPr id="24" name="직사각형 23">
             <a:extLst>
               <a:ext uri="{FF2B5EF4-FFF2-40B4-BE49-F238E27FC236}">
-                <a16:creationId xmlns:a16="http://schemas.microsoft.com/office/drawing/2014/main" xmlns="" id="{143E4312-522C-4CFC-ABF1-59CE4A8C72D0}"/>
+                <a16:creationId xmlns="" xmlns:a16="http://schemas.microsoft.com/office/drawing/2014/main" id="{143E4312-522C-4CFC-ABF1-59CE4A8C72D0}"/>
               </a:ext>
             </a:extLst>
           </p:cNvPr>
@@ -14904,7 +14420,7 @@
           <p:cNvPr id="25" name="직사각형 24">
             <a:extLst>
               <a:ext uri="{FF2B5EF4-FFF2-40B4-BE49-F238E27FC236}">
-                <a16:creationId xmlns:a16="http://schemas.microsoft.com/office/drawing/2014/main" xmlns="" id="{07E257B6-A187-421D-9535-E49C44B023F8}"/>
+                <a16:creationId xmlns="" xmlns:a16="http://schemas.microsoft.com/office/drawing/2014/main" id="{07E257B6-A187-421D-9535-E49C44B023F8}"/>
               </a:ext>
             </a:extLst>
           </p:cNvPr>
@@ -15088,7 +14604,7 @@
           <p:cNvPr id="26" name="직선 화살표 연결선 25">
             <a:extLst>
               <a:ext uri="{FF2B5EF4-FFF2-40B4-BE49-F238E27FC236}">
-                <a16:creationId xmlns:a16="http://schemas.microsoft.com/office/drawing/2014/main" xmlns="" id="{4EEEC46E-B748-477B-BB9F-C2EB9AA93E73}"/>
+                <a16:creationId xmlns="" xmlns:a16="http://schemas.microsoft.com/office/drawing/2014/main" id="{4EEEC46E-B748-477B-BB9F-C2EB9AA93E73}"/>
               </a:ext>
             </a:extLst>
           </p:cNvPr>
@@ -15133,7 +14649,7 @@
           <p:cNvPr id="30" name="직사각형 29">
             <a:extLst>
               <a:ext uri="{FF2B5EF4-FFF2-40B4-BE49-F238E27FC236}">
-                <a16:creationId xmlns:a16="http://schemas.microsoft.com/office/drawing/2014/main" xmlns="" id="{07E257B6-A187-421D-9535-E49C44B023F8}"/>
+                <a16:creationId xmlns="" xmlns:a16="http://schemas.microsoft.com/office/drawing/2014/main" id="{07E257B6-A187-421D-9535-E49C44B023F8}"/>
               </a:ext>
             </a:extLst>
           </p:cNvPr>
@@ -15309,7 +14825,7 @@
           <p:cNvPr id="31" name="직선 화살표 연결선 30">
             <a:extLst>
               <a:ext uri="{FF2B5EF4-FFF2-40B4-BE49-F238E27FC236}">
-                <a16:creationId xmlns:a16="http://schemas.microsoft.com/office/drawing/2014/main" xmlns="" id="{4EEEC46E-B748-477B-BB9F-C2EB9AA93E73}"/>
+                <a16:creationId xmlns="" xmlns:a16="http://schemas.microsoft.com/office/drawing/2014/main" id="{4EEEC46E-B748-477B-BB9F-C2EB9AA93E73}"/>
               </a:ext>
             </a:extLst>
           </p:cNvPr>
@@ -15354,7 +14870,7 @@
           <p:cNvPr id="34" name="직사각형 33">
             <a:extLst>
               <a:ext uri="{FF2B5EF4-FFF2-40B4-BE49-F238E27FC236}">
-                <a16:creationId xmlns:a16="http://schemas.microsoft.com/office/drawing/2014/main" xmlns="" id="{143E4312-522C-4CFC-ABF1-59CE4A8C72D0}"/>
+                <a16:creationId xmlns="" xmlns:a16="http://schemas.microsoft.com/office/drawing/2014/main" id="{143E4312-522C-4CFC-ABF1-59CE4A8C72D0}"/>
               </a:ext>
             </a:extLst>
           </p:cNvPr>
@@ -15530,7 +15046,7 @@
           <p:cNvPr id="35" name="TextBox 9">
             <a:extLst>
               <a:ext uri="{FF2B5EF4-FFF2-40B4-BE49-F238E27FC236}">
-                <a16:creationId xmlns:a16="http://schemas.microsoft.com/office/drawing/2014/main" xmlns="" id="{50C0A1B9-E762-4DD7-A0FC-C184C2F261EC}"/>
+                <a16:creationId xmlns="" xmlns:a16="http://schemas.microsoft.com/office/drawing/2014/main" id="{50C0A1B9-E762-4DD7-A0FC-C184C2F261EC}"/>
               </a:ext>
             </a:extLst>
           </p:cNvPr>
@@ -15660,7 +15176,7 @@
           <p:cNvPr id="36" name="직사각형 35">
             <a:extLst>
               <a:ext uri="{FF2B5EF4-FFF2-40B4-BE49-F238E27FC236}">
-                <a16:creationId xmlns:a16="http://schemas.microsoft.com/office/drawing/2014/main" xmlns="" id="{143E4312-522C-4CFC-ABF1-59CE4A8C72D0}"/>
+                <a16:creationId xmlns="" xmlns:a16="http://schemas.microsoft.com/office/drawing/2014/main" id="{143E4312-522C-4CFC-ABF1-59CE4A8C72D0}"/>
               </a:ext>
             </a:extLst>
           </p:cNvPr>
@@ -15813,31 +15329,15 @@
                   <a:schemeClr val="tx1"/>
                 </a:solidFill>
               </a:rPr>
-              <a:t>입력한 </a:t>
-            </a:r>
-            <a:r>
-              <a:rPr lang="ko-KR" altLang="en-US" sz="1600" dirty="0" smtClean="0">
+              <a:t>입력한 내용</a:t>
+            </a:r>
+            <a:r>
+              <a:rPr lang="en-US" altLang="ko-KR" sz="1600" dirty="0" smtClean="0">
                 <a:solidFill>
                   <a:schemeClr val="tx1"/>
                 </a:solidFill>
               </a:rPr>
-              <a:t>내용</a:t>
-            </a:r>
-            <a:r>
-              <a:rPr lang="en-US" altLang="ko-KR" sz="1600" dirty="0" smtClean="0">
-                <a:solidFill>
-                  <a:schemeClr val="tx1"/>
-                </a:solidFill>
-              </a:rPr>
-              <a:t>3</a:t>
-            </a:r>
-            <a:r>
-              <a:rPr lang="en-US" altLang="ko-KR" sz="1600" dirty="0" smtClean="0">
-                <a:solidFill>
-                  <a:schemeClr val="tx1"/>
-                </a:solidFill>
-              </a:rPr>
-              <a:t>”</a:t>
+              <a:t>3”</a:t>
             </a:r>
             <a:endParaRPr lang="ko-KR" altLang="en-US" sz="1600" dirty="0">
               <a:solidFill>
@@ -15852,7 +15352,7 @@
           <p:cNvPr id="37" name="TextBox 9">
             <a:extLst>
               <a:ext uri="{FF2B5EF4-FFF2-40B4-BE49-F238E27FC236}">
-                <a16:creationId xmlns:a16="http://schemas.microsoft.com/office/drawing/2014/main" xmlns="" id="{50C0A1B9-E762-4DD7-A0FC-C184C2F261EC}"/>
+                <a16:creationId xmlns="" xmlns:a16="http://schemas.microsoft.com/office/drawing/2014/main" id="{50C0A1B9-E762-4DD7-A0FC-C184C2F261EC}"/>
               </a:ext>
             </a:extLst>
           </p:cNvPr>
@@ -15982,7 +15482,7 @@
           <p:cNvPr id="38" name="직사각형 37">
             <a:extLst>
               <a:ext uri="{FF2B5EF4-FFF2-40B4-BE49-F238E27FC236}">
-                <a16:creationId xmlns:a16="http://schemas.microsoft.com/office/drawing/2014/main" xmlns="" id="{143E4312-522C-4CFC-ABF1-59CE4A8C72D0}"/>
+                <a16:creationId xmlns="" xmlns:a16="http://schemas.microsoft.com/office/drawing/2014/main" id="{143E4312-522C-4CFC-ABF1-59CE4A8C72D0}"/>
               </a:ext>
             </a:extLst>
           </p:cNvPr>
@@ -16135,31 +15635,15 @@
                   <a:schemeClr val="tx1"/>
                 </a:solidFill>
               </a:rPr>
-              <a:t>입력한 </a:t>
-            </a:r>
-            <a:r>
-              <a:rPr lang="ko-KR" altLang="en-US" sz="1600" dirty="0" smtClean="0">
+              <a:t>입력한 내용</a:t>
+            </a:r>
+            <a:r>
+              <a:rPr lang="en-US" altLang="ko-KR" sz="1600" dirty="0" smtClean="0">
                 <a:solidFill>
                   <a:schemeClr val="tx1"/>
                 </a:solidFill>
               </a:rPr>
-              <a:t>내용</a:t>
-            </a:r>
-            <a:r>
-              <a:rPr lang="en-US" altLang="ko-KR" sz="1600" dirty="0" smtClean="0">
-                <a:solidFill>
-                  <a:schemeClr val="tx1"/>
-                </a:solidFill>
-              </a:rPr>
-              <a:t>3</a:t>
-            </a:r>
-            <a:r>
-              <a:rPr lang="en-US" altLang="ko-KR" sz="1600" dirty="0" smtClean="0">
-                <a:solidFill>
-                  <a:schemeClr val="tx1"/>
-                </a:solidFill>
-              </a:rPr>
-              <a:t>”</a:t>
+              <a:t>3”</a:t>
             </a:r>
             <a:endParaRPr lang="ko-KR" altLang="en-US" sz="1600" dirty="0">
               <a:solidFill>
@@ -16174,7 +15658,7 @@
           <p:cNvPr id="39" name="TextBox 9">
             <a:extLst>
               <a:ext uri="{FF2B5EF4-FFF2-40B4-BE49-F238E27FC236}">
-                <a16:creationId xmlns:a16="http://schemas.microsoft.com/office/drawing/2014/main" xmlns="" id="{50C0A1B9-E762-4DD7-A0FC-C184C2F261EC}"/>
+                <a16:creationId xmlns="" xmlns:a16="http://schemas.microsoft.com/office/drawing/2014/main" id="{50C0A1B9-E762-4DD7-A0FC-C184C2F261EC}"/>
               </a:ext>
             </a:extLst>
           </p:cNvPr>
@@ -16304,7 +15788,7 @@
           <p:cNvPr id="40" name="직사각형 39">
             <a:extLst>
               <a:ext uri="{FF2B5EF4-FFF2-40B4-BE49-F238E27FC236}">
-                <a16:creationId xmlns:a16="http://schemas.microsoft.com/office/drawing/2014/main" xmlns="" id="{143E4312-522C-4CFC-ABF1-59CE4A8C72D0}"/>
+                <a16:creationId xmlns="" xmlns:a16="http://schemas.microsoft.com/office/drawing/2014/main" id="{143E4312-522C-4CFC-ABF1-59CE4A8C72D0}"/>
               </a:ext>
             </a:extLst>
           </p:cNvPr>
@@ -16457,31 +15941,15 @@
                   <a:schemeClr val="tx1"/>
                 </a:solidFill>
               </a:rPr>
-              <a:t>입력한 </a:t>
-            </a:r>
-            <a:r>
-              <a:rPr lang="ko-KR" altLang="en-US" sz="1600" dirty="0" smtClean="0">
+              <a:t>입력한 내용</a:t>
+            </a:r>
+            <a:r>
+              <a:rPr lang="en-US" altLang="ko-KR" sz="1600" dirty="0" smtClean="0">
                 <a:solidFill>
                   <a:schemeClr val="tx1"/>
                 </a:solidFill>
               </a:rPr>
-              <a:t>내용</a:t>
-            </a:r>
-            <a:r>
-              <a:rPr lang="en-US" altLang="ko-KR" sz="1600" dirty="0" smtClean="0">
-                <a:solidFill>
-                  <a:schemeClr val="tx1"/>
-                </a:solidFill>
-              </a:rPr>
-              <a:t>3</a:t>
-            </a:r>
-            <a:r>
-              <a:rPr lang="en-US" altLang="ko-KR" sz="1600" dirty="0" smtClean="0">
-                <a:solidFill>
-                  <a:schemeClr val="tx1"/>
-                </a:solidFill>
-              </a:rPr>
-              <a:t>”</a:t>
+              <a:t>3”</a:t>
             </a:r>
             <a:endParaRPr lang="ko-KR" altLang="en-US" sz="1600" dirty="0">
               <a:solidFill>
@@ -16496,7 +15964,7 @@
           <p:cNvPr id="41" name="직선 화살표 연결선 40">
             <a:extLst>
               <a:ext uri="{FF2B5EF4-FFF2-40B4-BE49-F238E27FC236}">
-                <a16:creationId xmlns:a16="http://schemas.microsoft.com/office/drawing/2014/main" xmlns="" id="{4EEEC46E-B748-477B-BB9F-C2EB9AA93E73}"/>
+                <a16:creationId xmlns="" xmlns:a16="http://schemas.microsoft.com/office/drawing/2014/main" id="{4EEEC46E-B748-477B-BB9F-C2EB9AA93E73}"/>
               </a:ext>
             </a:extLst>
           </p:cNvPr>
@@ -16543,7 +16011,7 @@
           <p:cNvPr id="42" name="직선 화살표 연결선 41">
             <a:extLst>
               <a:ext uri="{FF2B5EF4-FFF2-40B4-BE49-F238E27FC236}">
-                <a16:creationId xmlns:a16="http://schemas.microsoft.com/office/drawing/2014/main" xmlns="" id="{4EEEC46E-B748-477B-BB9F-C2EB9AA93E73}"/>
+                <a16:creationId xmlns="" xmlns:a16="http://schemas.microsoft.com/office/drawing/2014/main" id="{4EEEC46E-B748-477B-BB9F-C2EB9AA93E73}"/>
               </a:ext>
             </a:extLst>
           </p:cNvPr>
@@ -16589,7 +16057,7 @@
           <p:cNvPr id="43" name="직선 화살표 연결선 42">
             <a:extLst>
               <a:ext uri="{FF2B5EF4-FFF2-40B4-BE49-F238E27FC236}">
-                <a16:creationId xmlns:a16="http://schemas.microsoft.com/office/drawing/2014/main" xmlns="" id="{4EEEC46E-B748-477B-BB9F-C2EB9AA93E73}"/>
+                <a16:creationId xmlns="" xmlns:a16="http://schemas.microsoft.com/office/drawing/2014/main" id="{4EEEC46E-B748-477B-BB9F-C2EB9AA93E73}"/>
               </a:ext>
             </a:extLst>
           </p:cNvPr>
@@ -16634,7 +16102,7 @@
           <p:cNvPr id="44" name="직선 화살표 연결선 43">
             <a:extLst>
               <a:ext uri="{FF2B5EF4-FFF2-40B4-BE49-F238E27FC236}">
-                <a16:creationId xmlns:a16="http://schemas.microsoft.com/office/drawing/2014/main" xmlns="" id="{4EEEC46E-B748-477B-BB9F-C2EB9AA93E73}"/>
+                <a16:creationId xmlns="" xmlns:a16="http://schemas.microsoft.com/office/drawing/2014/main" id="{4EEEC46E-B748-477B-BB9F-C2EB9AA93E73}"/>
               </a:ext>
             </a:extLst>
           </p:cNvPr>
@@ -16679,7 +16147,7 @@
           <p:cNvPr id="47" name="TextBox 9">
             <a:extLst>
               <a:ext uri="{FF2B5EF4-FFF2-40B4-BE49-F238E27FC236}">
-                <a16:creationId xmlns:a16="http://schemas.microsoft.com/office/drawing/2014/main" xmlns="" id="{50C0A1B9-E762-4DD7-A0FC-C184C2F261EC}"/>
+                <a16:creationId xmlns="" xmlns:a16="http://schemas.microsoft.com/office/drawing/2014/main" id="{50C0A1B9-E762-4DD7-A0FC-C184C2F261EC}"/>
               </a:ext>
             </a:extLst>
           </p:cNvPr>
@@ -16809,7 +16277,7 @@
           <p:cNvPr id="48" name="직사각형 47">
             <a:extLst>
               <a:ext uri="{FF2B5EF4-FFF2-40B4-BE49-F238E27FC236}">
-                <a16:creationId xmlns:a16="http://schemas.microsoft.com/office/drawing/2014/main" xmlns="" id="{143E4312-522C-4CFC-ABF1-59CE4A8C72D0}"/>
+                <a16:creationId xmlns="" xmlns:a16="http://schemas.microsoft.com/office/drawing/2014/main" id="{143E4312-522C-4CFC-ABF1-59CE4A8C72D0}"/>
               </a:ext>
             </a:extLst>
           </p:cNvPr>
@@ -16962,31 +16430,15 @@
                   <a:schemeClr val="tx1"/>
                 </a:solidFill>
               </a:rPr>
-              <a:t>입력한 </a:t>
-            </a:r>
-            <a:r>
-              <a:rPr lang="ko-KR" altLang="en-US" sz="1600" dirty="0" smtClean="0">
+              <a:t>입력한 내용</a:t>
+            </a:r>
+            <a:r>
+              <a:rPr lang="en-US" altLang="ko-KR" sz="1600" dirty="0" smtClean="0">
                 <a:solidFill>
                   <a:schemeClr val="tx1"/>
                 </a:solidFill>
               </a:rPr>
-              <a:t>내용</a:t>
-            </a:r>
-            <a:r>
-              <a:rPr lang="en-US" altLang="ko-KR" sz="1600" dirty="0" smtClean="0">
-                <a:solidFill>
-                  <a:schemeClr val="tx1"/>
-                </a:solidFill>
-              </a:rPr>
-              <a:t>3</a:t>
-            </a:r>
-            <a:r>
-              <a:rPr lang="en-US" altLang="ko-KR" sz="1600" dirty="0" smtClean="0">
-                <a:solidFill>
-                  <a:schemeClr val="tx1"/>
-                </a:solidFill>
-              </a:rPr>
-              <a:t>”</a:t>
+              <a:t>3”</a:t>
             </a:r>
             <a:endParaRPr lang="ko-KR" altLang="en-US" sz="1600" dirty="0">
               <a:solidFill>
@@ -17001,7 +16453,7 @@
           <p:cNvPr id="49" name="직선 화살표 연결선 48">
             <a:extLst>
               <a:ext uri="{FF2B5EF4-FFF2-40B4-BE49-F238E27FC236}">
-                <a16:creationId xmlns:a16="http://schemas.microsoft.com/office/drawing/2014/main" xmlns="" id="{4EEEC46E-B748-477B-BB9F-C2EB9AA93E73}"/>
+                <a16:creationId xmlns="" xmlns:a16="http://schemas.microsoft.com/office/drawing/2014/main" id="{4EEEC46E-B748-477B-BB9F-C2EB9AA93E73}"/>
               </a:ext>
             </a:extLst>
           </p:cNvPr>
@@ -17041,173 +16493,10 @@
           </a:fontRef>
         </p:style>
       </p:cxnSp>
-      <p:sp>
-        <p:nvSpPr>
-          <p:cNvPr id="50" name="직사각형 49">
-            <a:extLst>
-              <a:ext uri="{FF2B5EF4-FFF2-40B4-BE49-F238E27FC236}">
-                <a16:creationId xmlns:a16="http://schemas.microsoft.com/office/drawing/2014/main" xmlns="" id="{28B03C6C-2AC4-44FE-97B8-B548EF63D26D}"/>
-              </a:ext>
-            </a:extLst>
-          </p:cNvPr>
-          <p:cNvSpPr/>
-          <p:nvPr/>
-        </p:nvSpPr>
-        <p:spPr>
-          <a:xfrm>
-            <a:off x="0" y="1500174"/>
-            <a:ext cx="1296144" cy="576064"/>
-          </a:xfrm>
-          <a:prstGeom prst="rect">
-            <a:avLst/>
-          </a:prstGeom>
-          <a:solidFill>
-            <a:schemeClr val="bg1"/>
-          </a:solidFill>
-          <a:ln>
-            <a:solidFill>
-              <a:schemeClr val="tx1"/>
-            </a:solidFill>
-          </a:ln>
-        </p:spPr>
-        <p:style>
-          <a:lnRef idx="2">
-            <a:schemeClr val="accent1">
-              <a:shade val="50000"/>
-            </a:schemeClr>
-          </a:lnRef>
-          <a:fillRef idx="1">
-            <a:schemeClr val="accent1"/>
-          </a:fillRef>
-          <a:effectRef idx="0">
-            <a:schemeClr val="accent1"/>
-          </a:effectRef>
-          <a:fontRef idx="minor">
-            <a:schemeClr val="lt1"/>
-          </a:fontRef>
-        </p:style>
-        <p:txBody>
-          <a:bodyPr rtlCol="0" anchor="ctr"/>
-          <a:lstStyle>
-            <a:defPPr>
-              <a:defRPr lang="ko-KR"/>
-            </a:defPPr>
-            <a:lvl1pPr marL="0" algn="l" defTabSz="914400" rtl="0" eaLnBrk="1" latinLnBrk="1" hangingPunct="1">
-              <a:defRPr sz="1800" kern="1200">
-                <a:solidFill>
-                  <a:schemeClr val="lt1"/>
-                </a:solidFill>
-                <a:latin typeface="+mn-lt"/>
-                <a:ea typeface="+mn-ea"/>
-                <a:cs typeface="+mn-cs"/>
-              </a:defRPr>
-            </a:lvl1pPr>
-            <a:lvl2pPr marL="457200" algn="l" defTabSz="914400" rtl="0" eaLnBrk="1" latinLnBrk="1" hangingPunct="1">
-              <a:defRPr sz="1800" kern="1200">
-                <a:solidFill>
-                  <a:schemeClr val="lt1"/>
-                </a:solidFill>
-                <a:latin typeface="+mn-lt"/>
-                <a:ea typeface="+mn-ea"/>
-                <a:cs typeface="+mn-cs"/>
-              </a:defRPr>
-            </a:lvl2pPr>
-            <a:lvl3pPr marL="914400" algn="l" defTabSz="914400" rtl="0" eaLnBrk="1" latinLnBrk="1" hangingPunct="1">
-              <a:defRPr sz="1800" kern="1200">
-                <a:solidFill>
-                  <a:schemeClr val="lt1"/>
-                </a:solidFill>
-                <a:latin typeface="+mn-lt"/>
-                <a:ea typeface="+mn-ea"/>
-                <a:cs typeface="+mn-cs"/>
-              </a:defRPr>
-            </a:lvl3pPr>
-            <a:lvl4pPr marL="1371600" algn="l" defTabSz="914400" rtl="0" eaLnBrk="1" latinLnBrk="1" hangingPunct="1">
-              <a:defRPr sz="1800" kern="1200">
-                <a:solidFill>
-                  <a:schemeClr val="lt1"/>
-                </a:solidFill>
-                <a:latin typeface="+mn-lt"/>
-                <a:ea typeface="+mn-ea"/>
-                <a:cs typeface="+mn-cs"/>
-              </a:defRPr>
-            </a:lvl4pPr>
-            <a:lvl5pPr marL="1828800" algn="l" defTabSz="914400" rtl="0" eaLnBrk="1" latinLnBrk="1" hangingPunct="1">
-              <a:defRPr sz="1800" kern="1200">
-                <a:solidFill>
-                  <a:schemeClr val="lt1"/>
-                </a:solidFill>
-                <a:latin typeface="+mn-lt"/>
-                <a:ea typeface="+mn-ea"/>
-                <a:cs typeface="+mn-cs"/>
-              </a:defRPr>
-            </a:lvl5pPr>
-            <a:lvl6pPr marL="2286000" algn="l" defTabSz="914400" rtl="0" eaLnBrk="1" latinLnBrk="1" hangingPunct="1">
-              <a:defRPr sz="1800" kern="1200">
-                <a:solidFill>
-                  <a:schemeClr val="lt1"/>
-                </a:solidFill>
-                <a:latin typeface="+mn-lt"/>
-                <a:ea typeface="+mn-ea"/>
-                <a:cs typeface="+mn-cs"/>
-              </a:defRPr>
-            </a:lvl6pPr>
-            <a:lvl7pPr marL="2743200" algn="l" defTabSz="914400" rtl="0" eaLnBrk="1" latinLnBrk="1" hangingPunct="1">
-              <a:defRPr sz="1800" kern="1200">
-                <a:solidFill>
-                  <a:schemeClr val="lt1"/>
-                </a:solidFill>
-                <a:latin typeface="+mn-lt"/>
-                <a:ea typeface="+mn-ea"/>
-                <a:cs typeface="+mn-cs"/>
-              </a:defRPr>
-            </a:lvl7pPr>
-            <a:lvl8pPr marL="3200400" algn="l" defTabSz="914400" rtl="0" eaLnBrk="1" latinLnBrk="1" hangingPunct="1">
-              <a:defRPr sz="1800" kern="1200">
-                <a:solidFill>
-                  <a:schemeClr val="lt1"/>
-                </a:solidFill>
-                <a:latin typeface="+mn-lt"/>
-                <a:ea typeface="+mn-ea"/>
-                <a:cs typeface="+mn-cs"/>
-              </a:defRPr>
-            </a:lvl8pPr>
-            <a:lvl9pPr marL="3657600" algn="l" defTabSz="914400" rtl="0" eaLnBrk="1" latinLnBrk="1" hangingPunct="1">
-              <a:defRPr sz="1800" kern="1200">
-                <a:solidFill>
-                  <a:schemeClr val="lt1"/>
-                </a:solidFill>
-                <a:latin typeface="+mn-lt"/>
-                <a:ea typeface="+mn-ea"/>
-                <a:cs typeface="+mn-cs"/>
-              </a:defRPr>
-            </a:lvl9pPr>
-          </a:lstStyle>
-          <a:p>
-            <a:pPr algn="ctr"/>
-            <a:r>
-              <a:rPr lang="en-US" altLang="ko-KR" sz="1600" dirty="0" err="1" smtClean="0">
-                <a:solidFill>
-                  <a:schemeClr val="tx1"/>
-                </a:solidFill>
-              </a:rPr>
-              <a:t>i</a:t>
-            </a:r>
-            <a:r>
-              <a:rPr lang="en-US" altLang="ko-KR" sz="1600" dirty="0" smtClean="0">
-                <a:solidFill>
-                  <a:schemeClr val="tx1"/>
-                </a:solidFill>
-              </a:rPr>
-              <a:t>=3</a:t>
-            </a:r>
-          </a:p>
-        </p:txBody>
-      </p:sp>
     </p:spTree>
     <p:extLst>
       <p:ext uri="{BB962C8B-B14F-4D97-AF65-F5344CB8AC3E}">
-        <p14:creationId xmlns:p14="http://schemas.microsoft.com/office/powerpoint/2010/main" xmlns="" val="2774733339"/>
+        <p14:creationId xmlns="" xmlns:p14="http://schemas.microsoft.com/office/powerpoint/2010/main" val="2774733339"/>
       </p:ext>
     </p:extLst>
   </p:cSld>
@@ -17236,14 +16525,14 @@
       </p:grpSpPr>
       <p:sp>
         <p:nvSpPr>
-          <p:cNvPr id="2" name="TextBox 1"/>
+          <p:cNvPr id="3" name="TextBox 2"/>
           <p:cNvSpPr txBox="1"/>
           <p:nvPr/>
         </p:nvSpPr>
         <p:spPr>
           <a:xfrm>
-            <a:off x="0" y="0"/>
-            <a:ext cx="9144000" cy="7032694"/>
+            <a:off x="0" y="214290"/>
+            <a:ext cx="8929718" cy="4524315"/>
           </a:xfrm>
           <a:prstGeom prst="rect">
             <a:avLst/>
@@ -17257,768 +16546,240 @@
           <a:lstStyle/>
           <a:p>
             <a:r>
-              <a:rPr lang="en-US" altLang="ko-KR" sz="1100" dirty="0" smtClean="0"/>
+              <a:rPr lang="en-US" altLang="ko-KR" dirty="0" smtClean="0"/>
+              <a:t>package </a:t>
+            </a:r>
+            <a:r>
+              <a:rPr lang="en-US" altLang="ko-KR" dirty="0" err="1" smtClean="0"/>
+              <a:t>com.human.ex</a:t>
+            </a:r>
+            <a:r>
+              <a:rPr lang="en-US" altLang="ko-KR" dirty="0" smtClean="0"/>
+              <a:t>;</a:t>
+            </a:r>
+          </a:p>
+          <a:p>
+            <a:endParaRPr lang="en-US" altLang="ko-KR" dirty="0" smtClean="0"/>
+          </a:p>
+          <a:p>
+            <a:r>
+              <a:rPr lang="en-US" altLang="ko-KR" dirty="0" smtClean="0"/>
               <a:t>import </a:t>
             </a:r>
             <a:r>
-              <a:rPr lang="en-US" altLang="ko-KR" sz="1100" dirty="0" err="1" smtClean="0"/>
+              <a:rPr lang="en-US" altLang="ko-KR" dirty="0" err="1" smtClean="0"/>
               <a:t>com.human.dto</a:t>
             </a:r>
             <a:r>
-              <a:rPr lang="en-US" altLang="ko-KR" sz="1100" dirty="0" smtClean="0"/>
+              <a:rPr lang="en-US" altLang="ko-KR" dirty="0" smtClean="0"/>
               <a:t>.*;</a:t>
             </a:r>
           </a:p>
           <a:p>
             <a:r>
-              <a:rPr lang="en-US" altLang="ko-KR" sz="1100" dirty="0" smtClean="0"/>
+              <a:rPr lang="en-US" altLang="ko-KR" dirty="0" smtClean="0"/>
               <a:t>import </a:t>
             </a:r>
             <a:r>
-              <a:rPr lang="en-US" altLang="ko-KR" sz="1100" dirty="0" err="1" smtClean="0"/>
+              <a:rPr lang="en-US" altLang="ko-KR" dirty="0" err="1" smtClean="0"/>
               <a:t>com.human.dto.Car.Wheel</a:t>
             </a:r>
             <a:r>
-              <a:rPr lang="en-US" altLang="ko-KR" sz="1100" dirty="0" smtClean="0"/>
+              <a:rPr lang="en-US" altLang="ko-KR" dirty="0" smtClean="0"/>
               <a:t>;</a:t>
             </a:r>
           </a:p>
           <a:p>
-            <a:endParaRPr lang="en-US" altLang="ko-KR" sz="1100" dirty="0" smtClean="0"/>
-          </a:p>
-          <a:p>
-            <a:endParaRPr lang="en-US" altLang="ko-KR" sz="1100" dirty="0" smtClean="0"/>
-          </a:p>
-          <a:p>
-            <a:r>
-              <a:rPr lang="en-US" altLang="ko-KR" sz="1100" dirty="0" smtClean="0"/>
+            <a:endParaRPr lang="en-US" altLang="ko-KR" dirty="0" smtClean="0"/>
+          </a:p>
+          <a:p>
+            <a:endParaRPr lang="en-US" altLang="ko-KR" dirty="0" smtClean="0"/>
+          </a:p>
+          <a:p>
+            <a:r>
+              <a:rPr lang="en-US" altLang="ko-KR" dirty="0" smtClean="0"/>
               <a:t>public class JavaStart1022 {</a:t>
             </a:r>
           </a:p>
           <a:p>
-            <a:endParaRPr lang="en-US" altLang="ko-KR" sz="1100" dirty="0" smtClean="0"/>
-          </a:p>
-          <a:p>
-            <a:r>
-              <a:rPr lang="en-US" altLang="ko-KR" sz="1100" dirty="0" smtClean="0"/>
+            <a:endParaRPr lang="en-US" altLang="ko-KR" dirty="0" smtClean="0"/>
+          </a:p>
+          <a:p>
+            <a:r>
+              <a:rPr lang="en-US" altLang="ko-KR" dirty="0" smtClean="0"/>
               <a:t>	public static void main(String[] </a:t>
             </a:r>
             <a:r>
-              <a:rPr lang="en-US" altLang="ko-KR" sz="1100" dirty="0" err="1" smtClean="0"/>
+              <a:rPr lang="en-US" altLang="ko-KR" dirty="0" err="1" smtClean="0"/>
               <a:t>args</a:t>
             </a:r>
             <a:r>
-              <a:rPr lang="en-US" altLang="ko-KR" sz="1100" dirty="0" smtClean="0"/>
+              <a:rPr lang="en-US" altLang="ko-KR" dirty="0" smtClean="0"/>
               <a:t>) {</a:t>
             </a:r>
           </a:p>
           <a:p>
             <a:r>
-              <a:rPr lang="en-US" altLang="ko-KR" sz="1100" dirty="0" smtClean="0"/>
+              <a:rPr lang="en-US" altLang="ko-KR" dirty="0" smtClean="0"/>
               <a:t>		</a:t>
             </a:r>
             <a:r>
-              <a:rPr lang="en-US" altLang="ko-KR" sz="1100" dirty="0" err="1" smtClean="0"/>
+              <a:rPr lang="en-US" altLang="ko-KR" dirty="0" err="1" smtClean="0"/>
               <a:t>java.util.Scanner</a:t>
             </a:r>
             <a:r>
-              <a:rPr lang="en-US" altLang="ko-KR" sz="1100" dirty="0" smtClean="0"/>
+              <a:rPr lang="en-US" altLang="ko-KR" dirty="0" smtClean="0"/>
               <a:t> scanner =new </a:t>
             </a:r>
             <a:r>
-              <a:rPr lang="en-US" altLang="ko-KR" sz="1100" dirty="0" err="1" smtClean="0"/>
+              <a:rPr lang="en-US" altLang="ko-KR" dirty="0" err="1" smtClean="0"/>
               <a:t>java.util.Scanner</a:t>
             </a:r>
             <a:r>
-              <a:rPr lang="en-US" altLang="ko-KR" sz="1100" dirty="0" smtClean="0"/>
+              <a:rPr lang="en-US" altLang="ko-KR" dirty="0" smtClean="0"/>
               <a:t>(</a:t>
             </a:r>
             <a:r>
-              <a:rPr lang="en-US" altLang="ko-KR" sz="1100" dirty="0" err="1" smtClean="0"/>
+              <a:rPr lang="en-US" altLang="ko-KR" dirty="0" err="1" smtClean="0"/>
               <a:t>System.in</a:t>
             </a:r>
             <a:r>
-              <a:rPr lang="en-US" altLang="ko-KR" sz="1100" dirty="0" smtClean="0"/>
+              <a:rPr lang="en-US" altLang="ko-KR" dirty="0" smtClean="0"/>
               <a:t>);</a:t>
             </a:r>
           </a:p>
           <a:p>
             <a:r>
-              <a:rPr lang="en-US" altLang="ko-KR" sz="1100" dirty="0" smtClean="0"/>
+              <a:rPr lang="en-US" altLang="ko-KR" dirty="0" smtClean="0"/>
               <a:t>		Car </a:t>
             </a:r>
             <a:r>
-              <a:rPr lang="en-US" altLang="ko-KR" sz="1100" dirty="0" err="1" smtClean="0"/>
-              <a:t>car</a:t>
-            </a:r>
-            <a:r>
-              <a:rPr lang="en-US" altLang="ko-KR" sz="1100" dirty="0" smtClean="0"/>
+              <a:rPr lang="en-US" altLang="ko-KR" dirty="0" err="1" smtClean="0"/>
+              <a:t>carA</a:t>
+            </a:r>
+            <a:r>
+              <a:rPr lang="en-US" altLang="ko-KR" dirty="0" smtClean="0"/>
               <a:t> = new Car();</a:t>
             </a:r>
           </a:p>
           <a:p>
             <a:r>
-              <a:rPr lang="en-US" altLang="ko-KR" sz="1100" dirty="0" smtClean="0"/>
+              <a:rPr lang="en-US" altLang="ko-KR" dirty="0" smtClean="0"/>
               <a:t>		</a:t>
             </a:r>
             <a:r>
-              <a:rPr lang="en-US" altLang="ko-KR" sz="1100" dirty="0" err="1" smtClean="0"/>
+              <a:rPr lang="en-US" altLang="ko-KR" dirty="0" err="1" smtClean="0"/>
               <a:t>Car.Wheel</a:t>
             </a:r>
             <a:r>
-              <a:rPr lang="en-US" altLang="ko-KR" sz="1100" dirty="0" smtClean="0"/>
+              <a:rPr lang="en-US" altLang="ko-KR" dirty="0" smtClean="0"/>
               <a:t> </a:t>
             </a:r>
             <a:r>
-              <a:rPr lang="en-US" altLang="ko-KR" sz="1100" dirty="0" err="1" smtClean="0"/>
+              <a:rPr lang="en-US" altLang="ko-KR" dirty="0" err="1" smtClean="0"/>
               <a:t>wheelA</a:t>
             </a:r>
             <a:r>
-              <a:rPr lang="en-US" altLang="ko-KR" sz="1100" dirty="0" smtClean="0"/>
+              <a:rPr lang="en-US" altLang="ko-KR" dirty="0" smtClean="0"/>
               <a:t> = </a:t>
             </a:r>
             <a:r>
-              <a:rPr lang="en-US" altLang="ko-KR" sz="1100" dirty="0" err="1" smtClean="0"/>
-              <a:t>car.new</a:t>
-            </a:r>
-            <a:r>
-              <a:rPr lang="en-US" altLang="ko-KR" sz="1100" dirty="0" smtClean="0"/>
+              <a:rPr lang="en-US" altLang="ko-KR" dirty="0" err="1" smtClean="0"/>
+              <a:t>carA.new</a:t>
+            </a:r>
+            <a:r>
+              <a:rPr lang="en-US" altLang="ko-KR" dirty="0" smtClean="0"/>
               <a:t> Wheel();</a:t>
             </a:r>
           </a:p>
           <a:p>
-            <a:endParaRPr lang="en-US" altLang="ko-KR" sz="1100" dirty="0" smtClean="0"/>
-          </a:p>
-          <a:p>
-            <a:r>
-              <a:rPr lang="en-US" altLang="ko-KR" sz="1100" dirty="0" smtClean="0"/>
-              <a:t>		for(</a:t>
-            </a:r>
-            <a:r>
-              <a:rPr lang="en-US" altLang="ko-KR" sz="1100" dirty="0" err="1" smtClean="0"/>
-              <a:t>int</a:t>
-            </a:r>
-            <a:r>
-              <a:rPr lang="en-US" altLang="ko-KR" sz="1100" dirty="0" smtClean="0"/>
+            <a:r>
+              <a:rPr lang="en-US" altLang="ko-KR" dirty="0" smtClean="0"/>
+              <a:t>		Car </a:t>
+            </a:r>
+            <a:r>
+              <a:rPr lang="en-US" altLang="ko-KR" dirty="0" err="1" smtClean="0"/>
+              <a:t>carB</a:t>
+            </a:r>
+            <a:r>
+              <a:rPr lang="en-US" altLang="ko-KR" dirty="0" smtClean="0"/>
+              <a:t> = new Car();</a:t>
+            </a:r>
+          </a:p>
+          <a:p>
+            <a:r>
+              <a:rPr lang="en-US" altLang="ko-KR" dirty="0" smtClean="0"/>
+              <a:t>		</a:t>
+            </a:r>
+            <a:r>
+              <a:rPr lang="en-US" altLang="ko-KR" dirty="0" err="1" smtClean="0"/>
+              <a:t>Car.Wheel</a:t>
+            </a:r>
+            <a:r>
+              <a:rPr lang="en-US" altLang="ko-KR" dirty="0" smtClean="0"/>
               <a:t> </a:t>
             </a:r>
             <a:r>
-              <a:rPr lang="en-US" altLang="ko-KR" sz="1100" dirty="0" err="1" smtClean="0"/>
-              <a:t>i</a:t>
-            </a:r>
-            <a:r>
-              <a:rPr lang="en-US" altLang="ko-KR" sz="1100" dirty="0" smtClean="0"/>
-              <a:t>=1;i&lt;=3;i++) {</a:t>
-            </a:r>
-          </a:p>
-          <a:p>
-            <a:r>
-              <a:rPr lang="en-US" altLang="ko-KR" sz="1100" dirty="0" smtClean="0"/>
-              <a:t>			</a:t>
-            </a:r>
-            <a:r>
-              <a:rPr lang="en-US" altLang="ko-KR" sz="1100" dirty="0" err="1" smtClean="0"/>
-              <a:t>System.out.printf</a:t>
-            </a:r>
-            <a:r>
-              <a:rPr lang="en-US" altLang="ko-KR" sz="1100" dirty="0" smtClean="0"/>
-              <a:t>("</a:t>
-            </a:r>
-            <a:r>
-              <a:rPr lang="ko-KR" altLang="en-US" sz="1100" dirty="0" smtClean="0"/>
-              <a:t>차</a:t>
-            </a:r>
-            <a:r>
-              <a:rPr lang="en-US" altLang="ko-KR" sz="1100" dirty="0" smtClean="0"/>
-              <a:t>%d</a:t>
-            </a:r>
-            <a:r>
-              <a:rPr lang="ko-KR" altLang="en-US" sz="1100" dirty="0" smtClean="0"/>
-              <a:t>의 정보 입력</a:t>
-            </a:r>
-            <a:r>
-              <a:rPr lang="en-US" altLang="ko-KR" sz="1100" dirty="0" smtClean="0"/>
-              <a:t>%</a:t>
-            </a:r>
-            <a:r>
-              <a:rPr lang="en-US" altLang="ko-KR" sz="1100" dirty="0" err="1" smtClean="0"/>
-              <a:t>n",i</a:t>
-            </a:r>
-            <a:r>
-              <a:rPr lang="en-US" altLang="ko-KR" sz="1100" dirty="0" smtClean="0"/>
-              <a:t>);</a:t>
-            </a:r>
-          </a:p>
-          <a:p>
-            <a:r>
-              <a:rPr lang="en-US" altLang="ko-KR" sz="1100" dirty="0" smtClean="0"/>
-              <a:t>			</a:t>
-            </a:r>
-            <a:r>
-              <a:rPr lang="en-US" altLang="ko-KR" sz="1100" dirty="0" err="1" smtClean="0"/>
-              <a:t>System.out.print</a:t>
-            </a:r>
-            <a:r>
-              <a:rPr lang="en-US" altLang="ko-KR" sz="1100" dirty="0" smtClean="0"/>
-              <a:t>("</a:t>
-            </a:r>
-            <a:r>
-              <a:rPr lang="ko-KR" altLang="en-US" sz="1100" dirty="0" smtClean="0"/>
-              <a:t>색깔 </a:t>
-            </a:r>
-            <a:r>
-              <a:rPr lang="en-US" altLang="ko-KR" sz="1100" dirty="0" smtClean="0"/>
-              <a:t>: ");</a:t>
-            </a:r>
-          </a:p>
-          <a:p>
-            <a:r>
-              <a:rPr lang="en-US" altLang="ko-KR" sz="1100" dirty="0" smtClean="0"/>
-              <a:t>			</a:t>
-            </a:r>
-            <a:r>
-              <a:rPr lang="en-US" altLang="ko-KR" sz="1100" dirty="0" err="1" smtClean="0"/>
-              <a:t>car.color</a:t>
-            </a:r>
-            <a:r>
-              <a:rPr lang="en-US" altLang="ko-KR" sz="1100" dirty="0" smtClean="0"/>
+              <a:rPr lang="en-US" altLang="ko-KR" dirty="0" err="1" smtClean="0"/>
+              <a:t>wheelB</a:t>
+            </a:r>
+            <a:r>
+              <a:rPr lang="en-US" altLang="ko-KR" dirty="0" smtClean="0"/>
               <a:t> = </a:t>
             </a:r>
             <a:r>
-              <a:rPr lang="en-US" altLang="ko-KR" sz="1100" dirty="0" err="1" smtClean="0"/>
-              <a:t>scanner.nextLine</a:t>
-            </a:r>
-            <a:r>
-              <a:rPr lang="en-US" altLang="ko-KR" sz="1100" dirty="0" smtClean="0"/>
-              <a:t>();</a:t>
-            </a:r>
-          </a:p>
-          <a:p>
-            <a:r>
-              <a:rPr lang="en-US" altLang="ko-KR" sz="1100" dirty="0" smtClean="0"/>
-              <a:t>			</a:t>
-            </a:r>
-            <a:r>
-              <a:rPr lang="en-US" altLang="ko-KR" sz="1100" dirty="0" err="1" smtClean="0"/>
-              <a:t>System.out.print</a:t>
-            </a:r>
-            <a:r>
-              <a:rPr lang="en-US" altLang="ko-KR" sz="1100" dirty="0" smtClean="0"/>
-              <a:t>("</a:t>
-            </a:r>
-            <a:r>
-              <a:rPr lang="ko-KR" altLang="en-US" sz="1100" dirty="0" smtClean="0"/>
-              <a:t>바퀴 종류</a:t>
-            </a:r>
-            <a:r>
-              <a:rPr lang="en-US" altLang="ko-KR" sz="1100" dirty="0" smtClean="0"/>
-              <a:t>: ");</a:t>
-            </a:r>
-          </a:p>
-          <a:p>
-            <a:r>
-              <a:rPr lang="en-US" altLang="ko-KR" sz="1100" dirty="0" smtClean="0"/>
-              <a:t>			</a:t>
-            </a:r>
-            <a:r>
-              <a:rPr lang="en-US" altLang="ko-KR" sz="1100" dirty="0" err="1" smtClean="0"/>
-              <a:t>car.wheel</a:t>
-            </a:r>
-            <a:r>
-              <a:rPr lang="en-US" altLang="ko-KR" sz="1100" dirty="0" smtClean="0"/>
+              <a:rPr lang="en-US" altLang="ko-KR" dirty="0" err="1" smtClean="0"/>
+              <a:t>carB.new</a:t>
+            </a:r>
+            <a:r>
+              <a:rPr lang="en-US" altLang="ko-KR" dirty="0" smtClean="0"/>
+              <a:t> Wheel();</a:t>
+            </a:r>
+          </a:p>
+          <a:p>
+            <a:r>
+              <a:rPr lang="en-US" altLang="ko-KR" dirty="0" smtClean="0"/>
+              <a:t>		Car </a:t>
+            </a:r>
+            <a:r>
+              <a:rPr lang="en-US" altLang="ko-KR" dirty="0" err="1" smtClean="0"/>
+              <a:t>carC</a:t>
+            </a:r>
+            <a:r>
+              <a:rPr lang="en-US" altLang="ko-KR" dirty="0" smtClean="0"/>
+              <a:t> = new Car();</a:t>
+            </a:r>
+          </a:p>
+          <a:p>
+            <a:r>
+              <a:rPr lang="en-US" altLang="ko-KR" dirty="0" smtClean="0"/>
+              <a:t>		</a:t>
+            </a:r>
+            <a:r>
+              <a:rPr lang="en-US" altLang="ko-KR" dirty="0" err="1" smtClean="0"/>
+              <a:t>Car.Wheel</a:t>
+            </a:r>
+            <a:r>
+              <a:rPr lang="en-US" altLang="ko-KR" dirty="0" smtClean="0"/>
+              <a:t> </a:t>
+            </a:r>
+            <a:r>
+              <a:rPr lang="en-US" altLang="ko-KR" dirty="0" err="1" smtClean="0"/>
+              <a:t>wheelC</a:t>
+            </a:r>
+            <a:r>
+              <a:rPr lang="en-US" altLang="ko-KR" dirty="0" smtClean="0"/>
               <a:t> = </a:t>
             </a:r>
             <a:r>
-              <a:rPr lang="en-US" altLang="ko-KR" sz="1100" dirty="0" err="1" smtClean="0"/>
-              <a:t>scanner.nextLine</a:t>
-            </a:r>
-            <a:r>
-              <a:rPr lang="en-US" altLang="ko-KR" sz="1100" dirty="0" smtClean="0"/>
-              <a:t>();</a:t>
-            </a:r>
-          </a:p>
-          <a:p>
-            <a:r>
-              <a:rPr lang="en-US" altLang="ko-KR" sz="1100" dirty="0" smtClean="0"/>
-              <a:t>			</a:t>
-            </a:r>
-            <a:r>
-              <a:rPr lang="en-US" altLang="ko-KR" sz="1100" dirty="0" err="1" smtClean="0"/>
-              <a:t>System.out.print</a:t>
-            </a:r>
-            <a:r>
-              <a:rPr lang="en-US" altLang="ko-KR" sz="1100" dirty="0" smtClean="0"/>
-              <a:t>("</a:t>
-            </a:r>
-            <a:r>
-              <a:rPr lang="ko-KR" altLang="en-US" sz="1100" dirty="0" smtClean="0"/>
-              <a:t>바퀴 제조사 </a:t>
-            </a:r>
-            <a:r>
-              <a:rPr lang="en-US" altLang="ko-KR" sz="1100" dirty="0" smtClean="0"/>
-              <a:t>: ");</a:t>
-            </a:r>
-          </a:p>
-          <a:p>
-            <a:r>
-              <a:rPr lang="en-US" altLang="ko-KR" sz="1100" dirty="0" smtClean="0"/>
-              <a:t>			</a:t>
-            </a:r>
-            <a:r>
-              <a:rPr lang="en-US" altLang="ko-KR" sz="1100" dirty="0" err="1" smtClean="0"/>
-              <a:t>wheelA.companyWheel</a:t>
-            </a:r>
-            <a:r>
-              <a:rPr lang="en-US" altLang="ko-KR" sz="1100" dirty="0" smtClean="0"/>
-              <a:t> = </a:t>
-            </a:r>
-            <a:r>
-              <a:rPr lang="en-US" altLang="ko-KR" sz="1100" dirty="0" err="1" smtClean="0"/>
-              <a:t>scanner.nextLine</a:t>
-            </a:r>
-            <a:r>
-              <a:rPr lang="en-US" altLang="ko-KR" sz="1100" dirty="0" smtClean="0"/>
-              <a:t>();</a:t>
-            </a:r>
-          </a:p>
-          <a:p>
-            <a:r>
-              <a:rPr lang="en-US" altLang="ko-KR" sz="1100" dirty="0" smtClean="0"/>
-              <a:t>			</a:t>
-            </a:r>
-            <a:r>
-              <a:rPr lang="en-US" altLang="ko-KR" sz="1100" dirty="0" err="1" smtClean="0"/>
-              <a:t>System.out.print</a:t>
-            </a:r>
-            <a:r>
-              <a:rPr lang="en-US" altLang="ko-KR" sz="1100" dirty="0" smtClean="0"/>
-              <a:t>("</a:t>
-            </a:r>
-            <a:r>
-              <a:rPr lang="ko-KR" altLang="en-US" sz="1100" dirty="0" smtClean="0"/>
-              <a:t>바퀴 가격</a:t>
-            </a:r>
-            <a:r>
-              <a:rPr lang="en-US" altLang="ko-KR" sz="1100" dirty="0" smtClean="0"/>
-              <a:t>: ");</a:t>
-            </a:r>
-          </a:p>
-          <a:p>
-            <a:r>
-              <a:rPr lang="en-US" altLang="ko-KR" sz="1100" dirty="0" smtClean="0"/>
-              <a:t>			</a:t>
-            </a:r>
-            <a:r>
-              <a:rPr lang="en-US" altLang="ko-KR" sz="1100" dirty="0" err="1" smtClean="0"/>
-              <a:t>wheelA.cost</a:t>
-            </a:r>
-            <a:r>
-              <a:rPr lang="en-US" altLang="ko-KR" sz="1100" dirty="0" smtClean="0"/>
-              <a:t> = </a:t>
-            </a:r>
-            <a:r>
-              <a:rPr lang="en-US" altLang="ko-KR" sz="1100" dirty="0" err="1" smtClean="0"/>
-              <a:t>Integer.parseInt</a:t>
-            </a:r>
-            <a:r>
-              <a:rPr lang="en-US" altLang="ko-KR" sz="1100" dirty="0" smtClean="0"/>
-              <a:t>(</a:t>
-            </a:r>
-            <a:r>
-              <a:rPr lang="en-US" altLang="ko-KR" sz="1100" dirty="0" err="1" smtClean="0"/>
-              <a:t>scanner.nextLine</a:t>
-            </a:r>
-            <a:r>
-              <a:rPr lang="en-US" altLang="ko-KR" sz="1100" dirty="0" smtClean="0"/>
-              <a:t>());</a:t>
-            </a:r>
-          </a:p>
-          <a:p>
-            <a:r>
-              <a:rPr lang="en-US" altLang="ko-KR" sz="1100" dirty="0" smtClean="0"/>
-              <a:t>			</a:t>
-            </a:r>
-            <a:r>
-              <a:rPr lang="en-US" altLang="ko-KR" sz="1100" dirty="0" err="1" smtClean="0"/>
-              <a:t>System.out.print</a:t>
-            </a:r>
-            <a:r>
-              <a:rPr lang="en-US" altLang="ko-KR" sz="1100" dirty="0" smtClean="0"/>
-              <a:t>("</a:t>
-            </a:r>
-            <a:r>
-              <a:rPr lang="ko-KR" altLang="en-US" sz="1100" dirty="0" smtClean="0"/>
-              <a:t>바퀴 주행거리</a:t>
-            </a:r>
-            <a:r>
-              <a:rPr lang="en-US" altLang="ko-KR" sz="1100" dirty="0" smtClean="0"/>
-              <a:t>: ");</a:t>
-            </a:r>
-          </a:p>
-          <a:p>
-            <a:r>
-              <a:rPr lang="en-US" altLang="ko-KR" sz="1100" dirty="0" smtClean="0"/>
-              <a:t>			</a:t>
-            </a:r>
-            <a:r>
-              <a:rPr lang="en-US" altLang="ko-KR" sz="1100" dirty="0" err="1" smtClean="0"/>
-              <a:t>wheelA.distance</a:t>
-            </a:r>
-            <a:r>
-              <a:rPr lang="en-US" altLang="ko-KR" sz="1100" dirty="0" smtClean="0"/>
-              <a:t> = </a:t>
-            </a:r>
-            <a:r>
-              <a:rPr lang="en-US" altLang="ko-KR" sz="1100" dirty="0" err="1" smtClean="0"/>
-              <a:t>Integer.parseInt</a:t>
-            </a:r>
-            <a:r>
-              <a:rPr lang="en-US" altLang="ko-KR" sz="1100" dirty="0" smtClean="0"/>
-              <a:t>(</a:t>
-            </a:r>
-            <a:r>
-              <a:rPr lang="en-US" altLang="ko-KR" sz="1100" dirty="0" err="1" smtClean="0"/>
-              <a:t>scanner.nextLine</a:t>
-            </a:r>
-            <a:r>
-              <a:rPr lang="en-US" altLang="ko-KR" sz="1100" dirty="0" smtClean="0"/>
-              <a:t>());</a:t>
-            </a:r>
-          </a:p>
-          <a:p>
-            <a:r>
-              <a:rPr lang="en-US" altLang="ko-KR" sz="1100" dirty="0" smtClean="0"/>
-              <a:t>			</a:t>
-            </a:r>
-            <a:r>
-              <a:rPr lang="en-US" altLang="ko-KR" sz="1100" dirty="0" err="1" smtClean="0"/>
-              <a:t>System.out.print</a:t>
-            </a:r>
-            <a:r>
-              <a:rPr lang="en-US" altLang="ko-KR" sz="1100" dirty="0" smtClean="0"/>
-              <a:t>("</a:t>
-            </a:r>
-            <a:r>
-              <a:rPr lang="ko-KR" altLang="en-US" sz="1100" dirty="0" smtClean="0"/>
-              <a:t>차 제조사 </a:t>
-            </a:r>
-            <a:r>
-              <a:rPr lang="en-US" altLang="ko-KR" sz="1100" dirty="0" smtClean="0"/>
-              <a:t>: ");</a:t>
-            </a:r>
-          </a:p>
-          <a:p>
-            <a:r>
-              <a:rPr lang="en-US" altLang="ko-KR" sz="1100" dirty="0" smtClean="0"/>
-              <a:t>			</a:t>
-            </a:r>
-            <a:r>
-              <a:rPr lang="en-US" altLang="ko-KR" sz="1100" dirty="0" err="1" smtClean="0"/>
-              <a:t>car.companyCar</a:t>
-            </a:r>
-            <a:r>
-              <a:rPr lang="en-US" altLang="ko-KR" sz="1100" dirty="0" smtClean="0"/>
-              <a:t> = </a:t>
-            </a:r>
-            <a:r>
-              <a:rPr lang="en-US" altLang="ko-KR" sz="1100" dirty="0" err="1" smtClean="0"/>
-              <a:t>scanner.nextLine</a:t>
-            </a:r>
-            <a:r>
-              <a:rPr lang="en-US" altLang="ko-KR" sz="1100" dirty="0" smtClean="0"/>
-              <a:t>();</a:t>
-            </a:r>
-          </a:p>
-          <a:p>
-            <a:r>
-              <a:rPr lang="en-US" altLang="ko-KR" sz="1100" dirty="0" smtClean="0"/>
-              <a:t>			</a:t>
-            </a:r>
-            <a:r>
-              <a:rPr lang="en-US" altLang="ko-KR" sz="1100" dirty="0" err="1" smtClean="0"/>
-              <a:t>System.out.print</a:t>
-            </a:r>
-            <a:r>
-              <a:rPr lang="en-US" altLang="ko-KR" sz="1100" dirty="0" smtClean="0"/>
-              <a:t>("</a:t>
-            </a:r>
-            <a:r>
-              <a:rPr lang="ko-KR" altLang="en-US" sz="1100" dirty="0" smtClean="0"/>
-              <a:t>최고속도 </a:t>
-            </a:r>
-            <a:r>
-              <a:rPr lang="en-US" altLang="ko-KR" sz="1100" dirty="0" smtClean="0"/>
-              <a:t>: ");</a:t>
-            </a:r>
-          </a:p>
-          <a:p>
-            <a:r>
-              <a:rPr lang="en-US" altLang="ko-KR" sz="1100" dirty="0" smtClean="0"/>
-              <a:t>			</a:t>
-            </a:r>
-            <a:r>
-              <a:rPr lang="en-US" altLang="ko-KR" sz="1100" dirty="0" err="1" smtClean="0"/>
-              <a:t>car.maxSpeed</a:t>
-            </a:r>
-            <a:r>
-              <a:rPr lang="en-US" altLang="ko-KR" sz="1100" dirty="0" smtClean="0"/>
-              <a:t> = </a:t>
-            </a:r>
-            <a:r>
-              <a:rPr lang="en-US" altLang="ko-KR" sz="1100" dirty="0" err="1" smtClean="0"/>
-              <a:t>Integer.parseInt</a:t>
-            </a:r>
-            <a:r>
-              <a:rPr lang="en-US" altLang="ko-KR" sz="1100" dirty="0" smtClean="0"/>
-              <a:t>(</a:t>
-            </a:r>
-            <a:r>
-              <a:rPr lang="en-US" altLang="ko-KR" sz="1100" dirty="0" err="1" smtClean="0"/>
-              <a:t>scanner.nextLine</a:t>
-            </a:r>
-            <a:r>
-              <a:rPr lang="en-US" altLang="ko-KR" sz="1100" dirty="0" smtClean="0"/>
-              <a:t>());</a:t>
-            </a:r>
-          </a:p>
-          <a:p>
-            <a:r>
-              <a:rPr lang="en-US" altLang="ko-KR" sz="1100" dirty="0" smtClean="0"/>
-              <a:t>			</a:t>
-            </a:r>
-            <a:r>
-              <a:rPr lang="en-US" altLang="ko-KR" sz="1100" dirty="0" err="1" smtClean="0"/>
-              <a:t>System.out.print</a:t>
-            </a:r>
-            <a:r>
-              <a:rPr lang="en-US" altLang="ko-KR" sz="1100" dirty="0" smtClean="0"/>
-              <a:t>("</a:t>
-            </a:r>
-            <a:r>
-              <a:rPr lang="ko-KR" altLang="en-US" sz="1100" dirty="0" smtClean="0"/>
-              <a:t>차종 </a:t>
-            </a:r>
-            <a:r>
-              <a:rPr lang="en-US" altLang="ko-KR" sz="1100" dirty="0" smtClean="0"/>
-              <a:t>: ");</a:t>
-            </a:r>
-          </a:p>
-          <a:p>
-            <a:r>
-              <a:rPr lang="en-US" altLang="ko-KR" sz="1100" dirty="0" smtClean="0"/>
-              <a:t>			</a:t>
-            </a:r>
-            <a:r>
-              <a:rPr lang="en-US" altLang="ko-KR" sz="1100" dirty="0" err="1" smtClean="0"/>
-              <a:t>car.carType</a:t>
-            </a:r>
-            <a:r>
-              <a:rPr lang="en-US" altLang="ko-KR" sz="1100" dirty="0" smtClean="0"/>
-              <a:t> = </a:t>
-            </a:r>
-            <a:r>
-              <a:rPr lang="en-US" altLang="ko-KR" sz="1100" dirty="0" err="1" smtClean="0"/>
-              <a:t>scanner.nextLine</a:t>
-            </a:r>
-            <a:r>
-              <a:rPr lang="en-US" altLang="ko-KR" sz="1100" dirty="0" smtClean="0"/>
-              <a:t>();</a:t>
-            </a:r>
-          </a:p>
-          <a:p>
-            <a:r>
-              <a:rPr lang="en-US" altLang="ko-KR" sz="1100" dirty="0" smtClean="0"/>
-              <a:t>			</a:t>
-            </a:r>
-          </a:p>
-          <a:p>
-            <a:r>
-              <a:rPr lang="en-US" altLang="ko-KR" sz="1100" dirty="0" smtClean="0"/>
-              <a:t>			</a:t>
-            </a:r>
-            <a:r>
-              <a:rPr lang="en-US" altLang="ko-KR" sz="1100" dirty="0" err="1" smtClean="0"/>
-              <a:t>System.out.printf</a:t>
-            </a:r>
-            <a:r>
-              <a:rPr lang="en-US" altLang="ko-KR" sz="1100" dirty="0" smtClean="0"/>
-              <a:t>("</a:t>
-            </a:r>
-            <a:r>
-              <a:rPr lang="ko-KR" altLang="en-US" sz="1100" dirty="0" smtClean="0"/>
-              <a:t>차 </a:t>
-            </a:r>
-            <a:r>
-              <a:rPr lang="en-US" altLang="ko-KR" sz="1100" dirty="0" smtClean="0"/>
-              <a:t>%</a:t>
-            </a:r>
-            <a:r>
-              <a:rPr lang="en-US" altLang="ko-KR" sz="1100" dirty="0" err="1" smtClean="0"/>
-              <a:t>s%n</a:t>
-            </a:r>
-            <a:r>
-              <a:rPr lang="ko-KR" altLang="en-US" sz="1100" dirty="0" smtClean="0"/>
-              <a:t>색깔 </a:t>
-            </a:r>
-            <a:r>
-              <a:rPr lang="en-US" altLang="ko-KR" sz="1100" dirty="0" smtClean="0"/>
-              <a:t>%</a:t>
-            </a:r>
-            <a:r>
-              <a:rPr lang="en-US" altLang="ko-KR" sz="1100" dirty="0" err="1" smtClean="0"/>
-              <a:t>s%n</a:t>
-            </a:r>
-            <a:r>
-              <a:rPr lang="ko-KR" altLang="en-US" sz="1100" dirty="0" smtClean="0"/>
-              <a:t>바퀴종류 </a:t>
-            </a:r>
-            <a:r>
-              <a:rPr lang="en-US" altLang="ko-KR" sz="1100" dirty="0" smtClean="0"/>
-              <a:t>%</a:t>
-            </a:r>
-            <a:r>
-              <a:rPr lang="en-US" altLang="ko-KR" sz="1100" dirty="0" err="1" smtClean="0"/>
-              <a:t>s%n</a:t>
-            </a:r>
-            <a:r>
-              <a:rPr lang="ko-KR" altLang="en-US" sz="1100" dirty="0" smtClean="0"/>
-              <a:t>바퀴제조사</a:t>
-            </a:r>
-            <a:endParaRPr lang="en-US" altLang="ko-KR" sz="1100" dirty="0" smtClean="0"/>
-          </a:p>
-          <a:p>
-            <a:r>
-              <a:rPr lang="en-US" altLang="ko-KR" sz="1100" dirty="0"/>
-              <a:t>	</a:t>
-            </a:r>
-            <a:r>
-              <a:rPr lang="en-US" altLang="ko-KR" sz="1100" dirty="0" smtClean="0"/>
-              <a:t>		</a:t>
-            </a:r>
-            <a:r>
-              <a:rPr lang="ko-KR" altLang="en-US" sz="1100" dirty="0" smtClean="0"/>
-              <a:t> </a:t>
-            </a:r>
-            <a:r>
-              <a:rPr lang="en-US" altLang="ko-KR" sz="1100" dirty="0" smtClean="0"/>
-              <a:t>%</a:t>
-            </a:r>
-            <a:r>
-              <a:rPr lang="en-US" altLang="ko-KR" sz="1100" dirty="0" err="1" smtClean="0"/>
-              <a:t>s%n</a:t>
-            </a:r>
-            <a:r>
-              <a:rPr lang="ko-KR" altLang="en-US" sz="1100" dirty="0" smtClean="0"/>
-              <a:t>가격 </a:t>
-            </a:r>
-            <a:r>
-              <a:rPr lang="en-US" altLang="ko-KR" sz="1100" dirty="0" smtClean="0"/>
-              <a:t>%</a:t>
-            </a:r>
-            <a:r>
-              <a:rPr lang="en-US" altLang="ko-KR" sz="1100" dirty="0" err="1" smtClean="0"/>
-              <a:t>d%n</a:t>
-            </a:r>
-            <a:r>
-              <a:rPr lang="ko-KR" altLang="en-US" sz="1100" dirty="0" smtClean="0"/>
-              <a:t>주행거리 </a:t>
-            </a:r>
-            <a:r>
-              <a:rPr lang="en-US" altLang="ko-KR" sz="1100" dirty="0" smtClean="0"/>
-              <a:t>%</a:t>
-            </a:r>
-            <a:r>
-              <a:rPr lang="en-US" altLang="ko-KR" sz="1100" dirty="0" err="1" smtClean="0"/>
-              <a:t>d%n</a:t>
-            </a:r>
-            <a:r>
-              <a:rPr lang="ko-KR" altLang="en-US" sz="1100" dirty="0" smtClean="0"/>
-              <a:t>차제조사 </a:t>
-            </a:r>
-            <a:r>
-              <a:rPr lang="en-US" altLang="ko-KR" sz="1100" dirty="0" smtClean="0"/>
-              <a:t>%</a:t>
-            </a:r>
-            <a:r>
-              <a:rPr lang="en-US" altLang="ko-KR" sz="1100" dirty="0" err="1" smtClean="0"/>
-              <a:t>s%n</a:t>
-            </a:r>
-            <a:r>
-              <a:rPr lang="ko-KR" altLang="en-US" sz="1100" dirty="0" smtClean="0"/>
-              <a:t>최고속도 </a:t>
-            </a:r>
-            <a:r>
-              <a:rPr lang="en-US" altLang="ko-KR" sz="1100" dirty="0" smtClean="0"/>
-              <a:t>%</a:t>
-            </a:r>
-            <a:r>
-              <a:rPr lang="en-US" altLang="ko-KR" sz="1100" dirty="0" err="1" smtClean="0"/>
-              <a:t>d%n</a:t>
-            </a:r>
-            <a:r>
-              <a:rPr lang="ko-KR" altLang="en-US" sz="1100" dirty="0" smtClean="0"/>
-              <a:t>차종 </a:t>
-            </a:r>
-            <a:r>
-              <a:rPr lang="en-US" altLang="ko-KR" sz="1100" dirty="0" smtClean="0"/>
-              <a:t>%</a:t>
-            </a:r>
-            <a:r>
-              <a:rPr lang="en-US" altLang="ko-KR" sz="1100" dirty="0" err="1" smtClean="0"/>
-              <a:t>s%n</a:t>
-            </a:r>
-            <a:r>
-              <a:rPr lang="en-US" altLang="ko-KR" sz="1100" dirty="0" smtClean="0"/>
-              <a:t>"</a:t>
-            </a:r>
-          </a:p>
-          <a:p>
-            <a:r>
-              <a:rPr lang="en-US" altLang="ko-KR" sz="1100" dirty="0" smtClean="0"/>
-              <a:t>			,i,car.color,car.wheel,wheelA.companyWheel,wheelA.cost,wheelA.distance</a:t>
-            </a:r>
-          </a:p>
-          <a:p>
-            <a:r>
-              <a:rPr lang="en-US" altLang="ko-KR" sz="1100" dirty="0" smtClean="0"/>
-              <a:t>			,</a:t>
-            </a:r>
-            <a:r>
-              <a:rPr lang="en-US" altLang="ko-KR" sz="1100" dirty="0" err="1" smtClean="0"/>
-              <a:t>car.companyCar,car.maxSpeed,car.carType</a:t>
-            </a:r>
-            <a:r>
-              <a:rPr lang="en-US" altLang="ko-KR" sz="1100" dirty="0" smtClean="0"/>
-              <a:t>);</a:t>
-            </a:r>
-          </a:p>
-          <a:p>
-            <a:endParaRPr lang="en-US" altLang="ko-KR" sz="1100" dirty="0" smtClean="0"/>
-          </a:p>
-          <a:p>
-            <a:r>
-              <a:rPr lang="en-US" altLang="ko-KR" sz="1100" dirty="0" smtClean="0"/>
-              <a:t>		}</a:t>
-            </a:r>
-          </a:p>
-          <a:p>
-            <a:endParaRPr lang="en-US" altLang="ko-KR" sz="1100" dirty="0" smtClean="0"/>
-          </a:p>
-          <a:p>
-            <a:r>
-              <a:rPr lang="en-US" altLang="ko-KR" sz="1100" dirty="0" smtClean="0"/>
-              <a:t>	}</a:t>
-            </a:r>
-          </a:p>
-          <a:p>
-            <a:endParaRPr lang="en-US" altLang="ko-KR" sz="1100" dirty="0" smtClean="0"/>
-          </a:p>
-          <a:p>
-            <a:r>
-              <a:rPr lang="en-US" altLang="ko-KR" sz="1100" dirty="0" smtClean="0"/>
-              <a:t>}</a:t>
-            </a:r>
-            <a:endParaRPr lang="ko-KR" altLang="en-US" sz="1100" dirty="0"/>
+              <a:rPr lang="en-US" altLang="ko-KR" dirty="0" err="1" smtClean="0"/>
+              <a:t>carC.new</a:t>
+            </a:r>
+            <a:r>
+              <a:rPr lang="en-US" altLang="ko-KR" dirty="0" smtClean="0"/>
+              <a:t> Wheel();</a:t>
+            </a:r>
+            <a:endParaRPr lang="ko-KR" altLang="en-US" dirty="0"/>
           </a:p>
         </p:txBody>
       </p:sp>
@@ -18031,6 +16792,1739 @@
 </file>
 
 <file path=ppt/slides/slide5.xml><?xml version="1.0" encoding="utf-8"?>
+<p:sld xmlns:a="http://schemas.openxmlformats.org/drawingml/2006/main" xmlns:r="http://schemas.openxmlformats.org/officeDocument/2006/relationships" xmlns:p="http://schemas.openxmlformats.org/presentationml/2006/main">
+  <p:cSld>
+    <p:spTree>
+      <p:nvGrpSpPr>
+        <p:cNvPr id="1" name=""/>
+        <p:cNvGrpSpPr/>
+        <p:nvPr/>
+      </p:nvGrpSpPr>
+      <p:grpSpPr>
+        <a:xfrm>
+          <a:off x="0" y="0"/>
+          <a:ext cx="0" cy="0"/>
+          <a:chOff x="0" y="0"/>
+          <a:chExt cx="0" cy="0"/>
+        </a:xfrm>
+      </p:grpSpPr>
+      <p:sp>
+        <p:nvSpPr>
+          <p:cNvPr id="3" name="TextBox 2"/>
+          <p:cNvSpPr txBox="1"/>
+          <p:nvPr/>
+        </p:nvSpPr>
+        <p:spPr>
+          <a:xfrm>
+            <a:off x="428596" y="428604"/>
+            <a:ext cx="8358246" cy="5909310"/>
+          </a:xfrm>
+          <a:prstGeom prst="rect">
+            <a:avLst/>
+          </a:prstGeom>
+          <a:noFill/>
+        </p:spPr>
+        <p:txBody>
+          <a:bodyPr wrap="square" rtlCol="0">
+            <a:spAutoFit/>
+          </a:bodyPr>
+          <a:lstStyle/>
+          <a:p>
+            <a:r>
+              <a:rPr lang="en-US" altLang="ko-KR" dirty="0" err="1" smtClean="0"/>
+              <a:t>System.</a:t>
+            </a:r>
+            <a:r>
+              <a:rPr lang="en-US" altLang="ko-KR" b="1" i="1" dirty="0" err="1" smtClean="0"/>
+              <a:t>out.printf</a:t>
+            </a:r>
+            <a:r>
+              <a:rPr lang="en-US" altLang="ko-KR" b="1" i="1" dirty="0" smtClean="0"/>
+              <a:t>("</a:t>
+            </a:r>
+            <a:r>
+              <a:rPr lang="ko-KR" altLang="en-US" b="1" i="1" dirty="0" smtClean="0"/>
+              <a:t>차</a:t>
+            </a:r>
+            <a:r>
+              <a:rPr lang="en-US" altLang="ko-KR" b="1" i="1" dirty="0" smtClean="0"/>
+              <a:t>A</a:t>
+            </a:r>
+            <a:r>
+              <a:rPr lang="ko-KR" altLang="en-US" b="1" i="1" dirty="0" smtClean="0"/>
+              <a:t>의 정보 입력</a:t>
+            </a:r>
+            <a:r>
+              <a:rPr lang="en-US" altLang="ko-KR" b="1" i="1" dirty="0" smtClean="0"/>
+              <a:t>%n");</a:t>
+            </a:r>
+          </a:p>
+          <a:p>
+            <a:r>
+              <a:rPr lang="en-US" altLang="ko-KR" dirty="0" err="1" smtClean="0"/>
+              <a:t>System.</a:t>
+            </a:r>
+            <a:r>
+              <a:rPr lang="en-US" altLang="ko-KR" b="1" i="1" dirty="0" err="1" smtClean="0"/>
+              <a:t>out.print</a:t>
+            </a:r>
+            <a:r>
+              <a:rPr lang="en-US" altLang="ko-KR" b="1" i="1" dirty="0" smtClean="0"/>
+              <a:t>("</a:t>
+            </a:r>
+            <a:r>
+              <a:rPr lang="ko-KR" altLang="en-US" b="1" i="1" dirty="0" smtClean="0"/>
+              <a:t>색깔 </a:t>
+            </a:r>
+            <a:r>
+              <a:rPr lang="en-US" altLang="ko-KR" b="1" i="1" dirty="0" smtClean="0"/>
+              <a:t>: ");</a:t>
+            </a:r>
+          </a:p>
+          <a:p>
+            <a:r>
+              <a:rPr lang="en-US" altLang="ko-KR" dirty="0" err="1" smtClean="0"/>
+              <a:t>carA.color</a:t>
+            </a:r>
+            <a:r>
+              <a:rPr lang="en-US" altLang="ko-KR" dirty="0" smtClean="0"/>
+              <a:t> = </a:t>
+            </a:r>
+            <a:r>
+              <a:rPr lang="en-US" altLang="ko-KR" dirty="0" err="1" smtClean="0"/>
+              <a:t>scanner.nextLine</a:t>
+            </a:r>
+            <a:r>
+              <a:rPr lang="en-US" altLang="ko-KR" dirty="0" smtClean="0"/>
+              <a:t>();</a:t>
+            </a:r>
+          </a:p>
+          <a:p>
+            <a:r>
+              <a:rPr lang="en-US" altLang="ko-KR" dirty="0" err="1" smtClean="0"/>
+              <a:t>System.</a:t>
+            </a:r>
+            <a:r>
+              <a:rPr lang="en-US" altLang="ko-KR" b="1" i="1" dirty="0" err="1" smtClean="0"/>
+              <a:t>out.print</a:t>
+            </a:r>
+            <a:r>
+              <a:rPr lang="en-US" altLang="ko-KR" b="1" i="1" dirty="0" smtClean="0"/>
+              <a:t>("</a:t>
+            </a:r>
+            <a:r>
+              <a:rPr lang="ko-KR" altLang="en-US" b="1" i="1" dirty="0" smtClean="0"/>
+              <a:t>바퀴 종류</a:t>
+            </a:r>
+            <a:r>
+              <a:rPr lang="en-US" altLang="ko-KR" b="1" i="1" dirty="0" smtClean="0"/>
+              <a:t>: ");</a:t>
+            </a:r>
+          </a:p>
+          <a:p>
+            <a:r>
+              <a:rPr lang="en-US" altLang="ko-KR" dirty="0" err="1" smtClean="0"/>
+              <a:t>carA.wheel</a:t>
+            </a:r>
+            <a:r>
+              <a:rPr lang="en-US" altLang="ko-KR" dirty="0" smtClean="0"/>
+              <a:t> = </a:t>
+            </a:r>
+            <a:r>
+              <a:rPr lang="en-US" altLang="ko-KR" dirty="0" err="1" smtClean="0"/>
+              <a:t>scanner.nextLine</a:t>
+            </a:r>
+            <a:r>
+              <a:rPr lang="en-US" altLang="ko-KR" dirty="0" smtClean="0"/>
+              <a:t>();</a:t>
+            </a:r>
+          </a:p>
+          <a:p>
+            <a:r>
+              <a:rPr lang="en-US" altLang="ko-KR" dirty="0" err="1" smtClean="0"/>
+              <a:t>System.</a:t>
+            </a:r>
+            <a:r>
+              <a:rPr lang="en-US" altLang="ko-KR" b="1" i="1" dirty="0" err="1" smtClean="0"/>
+              <a:t>out.print</a:t>
+            </a:r>
+            <a:r>
+              <a:rPr lang="en-US" altLang="ko-KR" b="1" i="1" dirty="0" smtClean="0"/>
+              <a:t>("</a:t>
+            </a:r>
+            <a:r>
+              <a:rPr lang="ko-KR" altLang="en-US" b="1" i="1" dirty="0" smtClean="0"/>
+              <a:t>바퀴 제조사 </a:t>
+            </a:r>
+            <a:r>
+              <a:rPr lang="en-US" altLang="ko-KR" b="1" i="1" dirty="0" smtClean="0"/>
+              <a:t>: ");</a:t>
+            </a:r>
+          </a:p>
+          <a:p>
+            <a:r>
+              <a:rPr lang="en-US" altLang="ko-KR" dirty="0" err="1" smtClean="0"/>
+              <a:t>wheelA.companyWheel</a:t>
+            </a:r>
+            <a:r>
+              <a:rPr lang="en-US" altLang="ko-KR" dirty="0" smtClean="0"/>
+              <a:t> = </a:t>
+            </a:r>
+            <a:r>
+              <a:rPr lang="en-US" altLang="ko-KR" dirty="0" err="1" smtClean="0"/>
+              <a:t>scanner.nextLine</a:t>
+            </a:r>
+            <a:r>
+              <a:rPr lang="en-US" altLang="ko-KR" dirty="0" smtClean="0"/>
+              <a:t>();</a:t>
+            </a:r>
+          </a:p>
+          <a:p>
+            <a:r>
+              <a:rPr lang="en-US" altLang="ko-KR" dirty="0" err="1" smtClean="0"/>
+              <a:t>System.</a:t>
+            </a:r>
+            <a:r>
+              <a:rPr lang="en-US" altLang="ko-KR" b="1" i="1" dirty="0" err="1" smtClean="0"/>
+              <a:t>out.print</a:t>
+            </a:r>
+            <a:r>
+              <a:rPr lang="en-US" altLang="ko-KR" b="1" i="1" dirty="0" smtClean="0"/>
+              <a:t>("</a:t>
+            </a:r>
+            <a:r>
+              <a:rPr lang="ko-KR" altLang="en-US" b="1" i="1" dirty="0" smtClean="0"/>
+              <a:t>바퀴 가격</a:t>
+            </a:r>
+            <a:r>
+              <a:rPr lang="en-US" altLang="ko-KR" b="1" i="1" dirty="0" smtClean="0"/>
+              <a:t>: ");</a:t>
+            </a:r>
+          </a:p>
+          <a:p>
+            <a:r>
+              <a:rPr lang="en-US" altLang="ko-KR" dirty="0" err="1" smtClean="0"/>
+              <a:t>wheelA.cost</a:t>
+            </a:r>
+            <a:r>
+              <a:rPr lang="en-US" altLang="ko-KR" dirty="0" smtClean="0"/>
+              <a:t> = </a:t>
+            </a:r>
+            <a:r>
+              <a:rPr lang="en-US" altLang="ko-KR" dirty="0" err="1" smtClean="0"/>
+              <a:t>Integer.</a:t>
+            </a:r>
+            <a:r>
+              <a:rPr lang="en-US" altLang="ko-KR" i="1" dirty="0" err="1" smtClean="0"/>
+              <a:t>parseInt</a:t>
+            </a:r>
+            <a:r>
+              <a:rPr lang="en-US" altLang="ko-KR" i="1" dirty="0" smtClean="0"/>
+              <a:t>(</a:t>
+            </a:r>
+            <a:r>
+              <a:rPr lang="en-US" altLang="ko-KR" i="1" dirty="0" err="1" smtClean="0"/>
+              <a:t>scanner.nextLine</a:t>
+            </a:r>
+            <a:r>
+              <a:rPr lang="en-US" altLang="ko-KR" i="1" dirty="0" smtClean="0"/>
+              <a:t>());</a:t>
+            </a:r>
+          </a:p>
+          <a:p>
+            <a:r>
+              <a:rPr lang="en-US" altLang="ko-KR" dirty="0" err="1" smtClean="0"/>
+              <a:t>System.</a:t>
+            </a:r>
+            <a:r>
+              <a:rPr lang="en-US" altLang="ko-KR" b="1" i="1" dirty="0" err="1" smtClean="0"/>
+              <a:t>out.print</a:t>
+            </a:r>
+            <a:r>
+              <a:rPr lang="en-US" altLang="ko-KR" b="1" i="1" dirty="0" smtClean="0"/>
+              <a:t>("</a:t>
+            </a:r>
+            <a:r>
+              <a:rPr lang="ko-KR" altLang="en-US" b="1" i="1" dirty="0" smtClean="0"/>
+              <a:t>바퀴 주행거리</a:t>
+            </a:r>
+            <a:r>
+              <a:rPr lang="en-US" altLang="ko-KR" b="1" i="1" dirty="0" smtClean="0"/>
+              <a:t>: ");</a:t>
+            </a:r>
+          </a:p>
+          <a:p>
+            <a:r>
+              <a:rPr lang="en-US" altLang="ko-KR" dirty="0" err="1" smtClean="0"/>
+              <a:t>wheelA.distance</a:t>
+            </a:r>
+            <a:r>
+              <a:rPr lang="en-US" altLang="ko-KR" dirty="0" smtClean="0"/>
+              <a:t> = </a:t>
+            </a:r>
+            <a:r>
+              <a:rPr lang="en-US" altLang="ko-KR" dirty="0" err="1" smtClean="0"/>
+              <a:t>Integer.</a:t>
+            </a:r>
+            <a:r>
+              <a:rPr lang="en-US" altLang="ko-KR" i="1" dirty="0" err="1" smtClean="0"/>
+              <a:t>parseInt</a:t>
+            </a:r>
+            <a:r>
+              <a:rPr lang="en-US" altLang="ko-KR" i="1" dirty="0" smtClean="0"/>
+              <a:t>(</a:t>
+            </a:r>
+            <a:r>
+              <a:rPr lang="en-US" altLang="ko-KR" i="1" dirty="0" err="1" smtClean="0"/>
+              <a:t>scanner.nextLine</a:t>
+            </a:r>
+            <a:r>
+              <a:rPr lang="en-US" altLang="ko-KR" i="1" dirty="0" smtClean="0"/>
+              <a:t>());</a:t>
+            </a:r>
+          </a:p>
+          <a:p>
+            <a:r>
+              <a:rPr lang="en-US" altLang="ko-KR" dirty="0" err="1" smtClean="0"/>
+              <a:t>System.</a:t>
+            </a:r>
+            <a:r>
+              <a:rPr lang="en-US" altLang="ko-KR" b="1" i="1" dirty="0" err="1" smtClean="0"/>
+              <a:t>out.print</a:t>
+            </a:r>
+            <a:r>
+              <a:rPr lang="en-US" altLang="ko-KR" b="1" i="1" dirty="0" smtClean="0"/>
+              <a:t>("</a:t>
+            </a:r>
+            <a:r>
+              <a:rPr lang="ko-KR" altLang="en-US" b="1" i="1" dirty="0" smtClean="0"/>
+              <a:t>차 제조사 </a:t>
+            </a:r>
+            <a:r>
+              <a:rPr lang="en-US" altLang="ko-KR" b="1" i="1" dirty="0" smtClean="0"/>
+              <a:t>: ");</a:t>
+            </a:r>
+          </a:p>
+          <a:p>
+            <a:r>
+              <a:rPr lang="en-US" altLang="ko-KR" dirty="0" err="1" smtClean="0"/>
+              <a:t>carA.companyCar</a:t>
+            </a:r>
+            <a:r>
+              <a:rPr lang="en-US" altLang="ko-KR" dirty="0" smtClean="0"/>
+              <a:t> = </a:t>
+            </a:r>
+            <a:r>
+              <a:rPr lang="en-US" altLang="ko-KR" dirty="0" err="1" smtClean="0"/>
+              <a:t>scanner.nextLine</a:t>
+            </a:r>
+            <a:r>
+              <a:rPr lang="en-US" altLang="ko-KR" dirty="0" smtClean="0"/>
+              <a:t>();</a:t>
+            </a:r>
+          </a:p>
+          <a:p>
+            <a:r>
+              <a:rPr lang="en-US" altLang="ko-KR" dirty="0" err="1" smtClean="0"/>
+              <a:t>System.</a:t>
+            </a:r>
+            <a:r>
+              <a:rPr lang="en-US" altLang="ko-KR" b="1" i="1" dirty="0" err="1" smtClean="0"/>
+              <a:t>out.print</a:t>
+            </a:r>
+            <a:r>
+              <a:rPr lang="en-US" altLang="ko-KR" b="1" i="1" dirty="0" smtClean="0"/>
+              <a:t>("</a:t>
+            </a:r>
+            <a:r>
+              <a:rPr lang="ko-KR" altLang="en-US" b="1" i="1" dirty="0" smtClean="0"/>
+              <a:t>최고속도 </a:t>
+            </a:r>
+            <a:r>
+              <a:rPr lang="en-US" altLang="ko-KR" b="1" i="1" dirty="0" smtClean="0"/>
+              <a:t>: ");</a:t>
+            </a:r>
+          </a:p>
+          <a:p>
+            <a:r>
+              <a:rPr lang="en-US" altLang="ko-KR" dirty="0" err="1" smtClean="0"/>
+              <a:t>carA.maxSpeed</a:t>
+            </a:r>
+            <a:r>
+              <a:rPr lang="en-US" altLang="ko-KR" dirty="0" smtClean="0"/>
+              <a:t> = </a:t>
+            </a:r>
+            <a:r>
+              <a:rPr lang="en-US" altLang="ko-KR" dirty="0" err="1" smtClean="0"/>
+              <a:t>Integer.</a:t>
+            </a:r>
+            <a:r>
+              <a:rPr lang="en-US" altLang="ko-KR" i="1" dirty="0" err="1" smtClean="0"/>
+              <a:t>parseInt</a:t>
+            </a:r>
+            <a:r>
+              <a:rPr lang="en-US" altLang="ko-KR" i="1" dirty="0" smtClean="0"/>
+              <a:t>(</a:t>
+            </a:r>
+            <a:r>
+              <a:rPr lang="en-US" altLang="ko-KR" i="1" dirty="0" err="1" smtClean="0"/>
+              <a:t>scanner.nextLine</a:t>
+            </a:r>
+            <a:r>
+              <a:rPr lang="en-US" altLang="ko-KR" i="1" dirty="0" smtClean="0"/>
+              <a:t>());</a:t>
+            </a:r>
+          </a:p>
+          <a:p>
+            <a:r>
+              <a:rPr lang="en-US" altLang="ko-KR" dirty="0" err="1" smtClean="0"/>
+              <a:t>System.</a:t>
+            </a:r>
+            <a:r>
+              <a:rPr lang="en-US" altLang="ko-KR" b="1" i="1" dirty="0" err="1" smtClean="0"/>
+              <a:t>out.print</a:t>
+            </a:r>
+            <a:r>
+              <a:rPr lang="en-US" altLang="ko-KR" b="1" i="1" dirty="0" smtClean="0"/>
+              <a:t>("</a:t>
+            </a:r>
+            <a:r>
+              <a:rPr lang="ko-KR" altLang="en-US" b="1" i="1" dirty="0" smtClean="0"/>
+              <a:t>차종 </a:t>
+            </a:r>
+            <a:r>
+              <a:rPr lang="en-US" altLang="ko-KR" b="1" i="1" dirty="0" smtClean="0"/>
+              <a:t>: ");</a:t>
+            </a:r>
+          </a:p>
+          <a:p>
+            <a:r>
+              <a:rPr lang="en-US" altLang="ko-KR" dirty="0" err="1" smtClean="0"/>
+              <a:t>carA.carType</a:t>
+            </a:r>
+            <a:r>
+              <a:rPr lang="en-US" altLang="ko-KR" dirty="0" smtClean="0"/>
+              <a:t> = </a:t>
+            </a:r>
+            <a:r>
+              <a:rPr lang="en-US" altLang="ko-KR" dirty="0" err="1" smtClean="0"/>
+              <a:t>scanner.nextLine</a:t>
+            </a:r>
+            <a:r>
+              <a:rPr lang="en-US" altLang="ko-KR" dirty="0" smtClean="0"/>
+              <a:t>();</a:t>
+            </a:r>
+          </a:p>
+          <a:p>
+            <a:r>
+              <a:rPr lang="en-US" altLang="ko-KR" dirty="0" err="1" smtClean="0"/>
+              <a:t>System.</a:t>
+            </a:r>
+            <a:r>
+              <a:rPr lang="en-US" altLang="ko-KR" b="1" i="1" dirty="0" err="1" smtClean="0"/>
+              <a:t>out.printf</a:t>
+            </a:r>
+            <a:r>
+              <a:rPr lang="en-US" altLang="ko-KR" b="1" i="1" dirty="0" smtClean="0"/>
+              <a:t>("</a:t>
+            </a:r>
+            <a:r>
+              <a:rPr lang="ko-KR" altLang="en-US" b="1" i="1" dirty="0" smtClean="0"/>
+              <a:t>차 </a:t>
+            </a:r>
+            <a:r>
+              <a:rPr lang="en-US" altLang="ko-KR" b="1" i="1" dirty="0" err="1" smtClean="0"/>
+              <a:t>A%n</a:t>
+            </a:r>
+            <a:r>
+              <a:rPr lang="ko-KR" altLang="en-US" b="1" i="1" dirty="0" smtClean="0"/>
+              <a:t>색깔 </a:t>
+            </a:r>
+            <a:r>
+              <a:rPr lang="en-US" altLang="ko-KR" b="1" i="1" dirty="0" smtClean="0"/>
+              <a:t>%</a:t>
+            </a:r>
+            <a:r>
+              <a:rPr lang="en-US" altLang="ko-KR" b="1" i="1" dirty="0" err="1" smtClean="0"/>
+              <a:t>s%n</a:t>
+            </a:r>
+            <a:r>
+              <a:rPr lang="ko-KR" altLang="en-US" b="1" i="1" dirty="0" smtClean="0"/>
+              <a:t>바퀴종류 </a:t>
+            </a:r>
+            <a:r>
+              <a:rPr lang="en-US" altLang="ko-KR" b="1" i="1" dirty="0" smtClean="0"/>
+              <a:t>%</a:t>
+            </a:r>
+            <a:r>
+              <a:rPr lang="en-US" altLang="ko-KR" b="1" i="1" dirty="0" err="1" smtClean="0"/>
+              <a:t>s%n</a:t>
+            </a:r>
+            <a:r>
+              <a:rPr lang="ko-KR" altLang="en-US" b="1" i="1" dirty="0" smtClean="0"/>
+              <a:t>바퀴제조사 </a:t>
+            </a:r>
+            <a:r>
+              <a:rPr lang="en-US" altLang="ko-KR" b="1" i="1" dirty="0" smtClean="0"/>
+              <a:t>%</a:t>
+            </a:r>
+            <a:r>
+              <a:rPr lang="en-US" altLang="ko-KR" b="1" i="1" dirty="0" err="1" smtClean="0"/>
+              <a:t>s%n</a:t>
+            </a:r>
+            <a:r>
+              <a:rPr lang="ko-KR" altLang="en-US" b="1" i="1" dirty="0" smtClean="0"/>
+              <a:t>가격 </a:t>
+            </a:r>
+            <a:r>
+              <a:rPr lang="en-US" altLang="ko-KR" b="1" i="1" dirty="0" smtClean="0"/>
+              <a:t>%</a:t>
+            </a:r>
+            <a:r>
+              <a:rPr lang="en-US" altLang="ko-KR" b="1" i="1" dirty="0" err="1" smtClean="0"/>
+              <a:t>d%n</a:t>
+            </a:r>
+            <a:r>
+              <a:rPr lang="ko-KR" altLang="en-US" b="1" i="1" dirty="0" smtClean="0"/>
+              <a:t>주행거리 </a:t>
+            </a:r>
+            <a:r>
+              <a:rPr lang="en-US" altLang="ko-KR" b="1" i="1" dirty="0" smtClean="0"/>
+              <a:t>%</a:t>
+            </a:r>
+            <a:r>
+              <a:rPr lang="en-US" altLang="ko-KR" b="1" i="1" dirty="0" err="1" smtClean="0"/>
+              <a:t>d%n</a:t>
+            </a:r>
+            <a:r>
+              <a:rPr lang="ko-KR" altLang="en-US" b="1" i="1" dirty="0" smtClean="0"/>
+              <a:t>차제조사 </a:t>
+            </a:r>
+            <a:r>
+              <a:rPr lang="en-US" altLang="ko-KR" b="1" i="1" dirty="0" smtClean="0"/>
+              <a:t>%</a:t>
+            </a:r>
+            <a:r>
+              <a:rPr lang="en-US" altLang="ko-KR" b="1" i="1" dirty="0" err="1" smtClean="0"/>
+              <a:t>s%n</a:t>
+            </a:r>
+            <a:r>
+              <a:rPr lang="ko-KR" altLang="en-US" b="1" i="1" dirty="0" smtClean="0"/>
+              <a:t>최고속도 </a:t>
+            </a:r>
+            <a:r>
+              <a:rPr lang="en-US" altLang="ko-KR" b="1" i="1" dirty="0" smtClean="0"/>
+              <a:t>%</a:t>
+            </a:r>
+            <a:r>
+              <a:rPr lang="en-US" altLang="ko-KR" b="1" i="1" dirty="0" err="1" smtClean="0"/>
+              <a:t>d%n</a:t>
+            </a:r>
+            <a:r>
+              <a:rPr lang="ko-KR" altLang="en-US" b="1" i="1" dirty="0" smtClean="0"/>
+              <a:t>차종 </a:t>
+            </a:r>
+            <a:r>
+              <a:rPr lang="en-US" altLang="ko-KR" b="1" i="1" dirty="0" smtClean="0"/>
+              <a:t>%</a:t>
+            </a:r>
+            <a:r>
+              <a:rPr lang="en-US" altLang="ko-KR" b="1" i="1" dirty="0" err="1" smtClean="0"/>
+              <a:t>s%n</a:t>
+            </a:r>
+            <a:r>
+              <a:rPr lang="en-US" altLang="ko-KR" b="1" i="1" dirty="0" smtClean="0"/>
+              <a:t>"</a:t>
+            </a:r>
+          </a:p>
+          <a:p>
+            <a:r>
+              <a:rPr lang="en-US" altLang="ko-KR" dirty="0" smtClean="0"/>
+              <a:t>,carA.color,carA.wheel,wheelA.companyWheel,wheelA.cost,wheelA.distance</a:t>
+            </a:r>
+          </a:p>
+          <a:p>
+            <a:r>
+              <a:rPr lang="en-US" altLang="ko-KR" dirty="0" smtClean="0"/>
+              <a:t>,</a:t>
+            </a:r>
+            <a:r>
+              <a:rPr lang="en-US" altLang="ko-KR" dirty="0" err="1" smtClean="0"/>
+              <a:t>carA.companyCar,carA.maxSpeed,carA.carType</a:t>
+            </a:r>
+            <a:r>
+              <a:rPr lang="en-US" altLang="ko-KR" dirty="0" smtClean="0"/>
+              <a:t>);</a:t>
+            </a:r>
+            <a:endParaRPr lang="ko-KR" altLang="en-US" dirty="0"/>
+          </a:p>
+        </p:txBody>
+      </p:sp>
+    </p:spTree>
+  </p:cSld>
+  <p:clrMapOvr>
+    <a:masterClrMapping/>
+  </p:clrMapOvr>
+</p:sld>
+</file>
+
+<file path=ppt/slides/slide6.xml><?xml version="1.0" encoding="utf-8"?>
+<p:sld xmlns:a="http://schemas.openxmlformats.org/drawingml/2006/main" xmlns:r="http://schemas.openxmlformats.org/officeDocument/2006/relationships" xmlns:p="http://schemas.openxmlformats.org/presentationml/2006/main">
+  <p:cSld>
+    <p:spTree>
+      <p:nvGrpSpPr>
+        <p:cNvPr id="1" name=""/>
+        <p:cNvGrpSpPr/>
+        <p:nvPr/>
+      </p:nvGrpSpPr>
+      <p:grpSpPr>
+        <a:xfrm>
+          <a:off x="0" y="0"/>
+          <a:ext cx="0" cy="0"/>
+          <a:chOff x="0" y="0"/>
+          <a:chExt cx="0" cy="0"/>
+        </a:xfrm>
+      </p:grpSpPr>
+      <p:sp>
+        <p:nvSpPr>
+          <p:cNvPr id="2" name="TextBox 1"/>
+          <p:cNvSpPr txBox="1"/>
+          <p:nvPr/>
+        </p:nvSpPr>
+        <p:spPr>
+          <a:xfrm>
+            <a:off x="500034" y="357166"/>
+            <a:ext cx="7715304" cy="6186309"/>
+          </a:xfrm>
+          <a:prstGeom prst="rect">
+            <a:avLst/>
+          </a:prstGeom>
+          <a:noFill/>
+        </p:spPr>
+        <p:txBody>
+          <a:bodyPr wrap="square" rtlCol="0">
+            <a:spAutoFit/>
+          </a:bodyPr>
+          <a:lstStyle/>
+          <a:p>
+            <a:r>
+              <a:rPr lang="en-US" altLang="ko-KR" dirty="0" err="1" smtClean="0"/>
+              <a:t>System.</a:t>
+            </a:r>
+            <a:r>
+              <a:rPr lang="en-US" altLang="ko-KR" b="1" i="1" dirty="0" err="1" smtClean="0"/>
+              <a:t>out.printf</a:t>
+            </a:r>
+            <a:r>
+              <a:rPr lang="en-US" altLang="ko-KR" b="1" i="1" dirty="0" smtClean="0"/>
+              <a:t>("</a:t>
+            </a:r>
+            <a:r>
+              <a:rPr lang="ko-KR" altLang="en-US" b="1" i="1" dirty="0" smtClean="0"/>
+              <a:t>차</a:t>
+            </a:r>
+            <a:r>
+              <a:rPr lang="en-US" altLang="ko-KR" b="1" i="1" dirty="0" smtClean="0"/>
+              <a:t>B</a:t>
+            </a:r>
+            <a:r>
+              <a:rPr lang="ko-KR" altLang="en-US" b="1" i="1" dirty="0" smtClean="0"/>
+              <a:t>의 정보 입력</a:t>
+            </a:r>
+            <a:r>
+              <a:rPr lang="en-US" altLang="ko-KR" b="1" i="1" dirty="0" smtClean="0"/>
+              <a:t>%n");</a:t>
+            </a:r>
+          </a:p>
+          <a:p>
+            <a:r>
+              <a:rPr lang="en-US" altLang="ko-KR" dirty="0" err="1" smtClean="0"/>
+              <a:t>System.</a:t>
+            </a:r>
+            <a:r>
+              <a:rPr lang="en-US" altLang="ko-KR" b="1" i="1" dirty="0" err="1" smtClean="0"/>
+              <a:t>out.print</a:t>
+            </a:r>
+            <a:r>
+              <a:rPr lang="en-US" altLang="ko-KR" b="1" i="1" dirty="0" smtClean="0"/>
+              <a:t>("</a:t>
+            </a:r>
+            <a:r>
+              <a:rPr lang="ko-KR" altLang="en-US" b="1" i="1" dirty="0" smtClean="0"/>
+              <a:t>색깔 </a:t>
+            </a:r>
+            <a:r>
+              <a:rPr lang="en-US" altLang="ko-KR" b="1" i="1" dirty="0" smtClean="0"/>
+              <a:t>: ");</a:t>
+            </a:r>
+          </a:p>
+          <a:p>
+            <a:r>
+              <a:rPr lang="en-US" altLang="ko-KR" dirty="0" err="1" smtClean="0"/>
+              <a:t>carB.color</a:t>
+            </a:r>
+            <a:r>
+              <a:rPr lang="en-US" altLang="ko-KR" dirty="0" smtClean="0"/>
+              <a:t> = </a:t>
+            </a:r>
+            <a:r>
+              <a:rPr lang="en-US" altLang="ko-KR" dirty="0" err="1" smtClean="0"/>
+              <a:t>scanner.nextLine</a:t>
+            </a:r>
+            <a:r>
+              <a:rPr lang="en-US" altLang="ko-KR" dirty="0" smtClean="0"/>
+              <a:t>();</a:t>
+            </a:r>
+          </a:p>
+          <a:p>
+            <a:r>
+              <a:rPr lang="en-US" altLang="ko-KR" dirty="0" err="1" smtClean="0"/>
+              <a:t>System.</a:t>
+            </a:r>
+            <a:r>
+              <a:rPr lang="en-US" altLang="ko-KR" b="1" i="1" dirty="0" err="1" smtClean="0"/>
+              <a:t>out.print</a:t>
+            </a:r>
+            <a:r>
+              <a:rPr lang="en-US" altLang="ko-KR" b="1" i="1" dirty="0" smtClean="0"/>
+              <a:t>("</a:t>
+            </a:r>
+            <a:r>
+              <a:rPr lang="ko-KR" altLang="en-US" b="1" i="1" dirty="0" smtClean="0"/>
+              <a:t>바퀴 종류</a:t>
+            </a:r>
+            <a:r>
+              <a:rPr lang="en-US" altLang="ko-KR" b="1" i="1" dirty="0" smtClean="0"/>
+              <a:t>: ");</a:t>
+            </a:r>
+          </a:p>
+          <a:p>
+            <a:r>
+              <a:rPr lang="en-US" altLang="ko-KR" dirty="0" err="1" smtClean="0"/>
+              <a:t>carB.wheel</a:t>
+            </a:r>
+            <a:r>
+              <a:rPr lang="en-US" altLang="ko-KR" dirty="0" smtClean="0"/>
+              <a:t> = </a:t>
+            </a:r>
+            <a:r>
+              <a:rPr lang="en-US" altLang="ko-KR" dirty="0" err="1" smtClean="0"/>
+              <a:t>scanner.nextLine</a:t>
+            </a:r>
+            <a:r>
+              <a:rPr lang="en-US" altLang="ko-KR" dirty="0" smtClean="0"/>
+              <a:t>();</a:t>
+            </a:r>
+          </a:p>
+          <a:p>
+            <a:r>
+              <a:rPr lang="en-US" altLang="ko-KR" dirty="0" err="1" smtClean="0"/>
+              <a:t>System.</a:t>
+            </a:r>
+            <a:r>
+              <a:rPr lang="en-US" altLang="ko-KR" b="1" i="1" dirty="0" err="1" smtClean="0"/>
+              <a:t>out.print</a:t>
+            </a:r>
+            <a:r>
+              <a:rPr lang="en-US" altLang="ko-KR" b="1" i="1" dirty="0" smtClean="0"/>
+              <a:t>("</a:t>
+            </a:r>
+            <a:r>
+              <a:rPr lang="ko-KR" altLang="en-US" b="1" i="1" dirty="0" smtClean="0"/>
+              <a:t>바퀴 제조사 </a:t>
+            </a:r>
+            <a:r>
+              <a:rPr lang="en-US" altLang="ko-KR" b="1" i="1" dirty="0" smtClean="0"/>
+              <a:t>: ");</a:t>
+            </a:r>
+          </a:p>
+          <a:p>
+            <a:r>
+              <a:rPr lang="en-US" altLang="ko-KR" dirty="0" err="1" smtClean="0"/>
+              <a:t>wheelB.companyWheel</a:t>
+            </a:r>
+            <a:r>
+              <a:rPr lang="en-US" altLang="ko-KR" dirty="0" smtClean="0"/>
+              <a:t> = </a:t>
+            </a:r>
+            <a:r>
+              <a:rPr lang="en-US" altLang="ko-KR" dirty="0" err="1" smtClean="0"/>
+              <a:t>scanner.nextLine</a:t>
+            </a:r>
+            <a:r>
+              <a:rPr lang="en-US" altLang="ko-KR" dirty="0" smtClean="0"/>
+              <a:t>();</a:t>
+            </a:r>
+          </a:p>
+          <a:p>
+            <a:r>
+              <a:rPr lang="en-US" altLang="ko-KR" dirty="0" err="1" smtClean="0"/>
+              <a:t>System.</a:t>
+            </a:r>
+            <a:r>
+              <a:rPr lang="en-US" altLang="ko-KR" b="1" i="1" dirty="0" err="1" smtClean="0"/>
+              <a:t>out.print</a:t>
+            </a:r>
+            <a:r>
+              <a:rPr lang="en-US" altLang="ko-KR" b="1" i="1" dirty="0" smtClean="0"/>
+              <a:t>("</a:t>
+            </a:r>
+            <a:r>
+              <a:rPr lang="ko-KR" altLang="en-US" b="1" i="1" dirty="0" smtClean="0"/>
+              <a:t>바퀴 가격</a:t>
+            </a:r>
+            <a:r>
+              <a:rPr lang="en-US" altLang="ko-KR" b="1" i="1" dirty="0" smtClean="0"/>
+              <a:t>: ");</a:t>
+            </a:r>
+          </a:p>
+          <a:p>
+            <a:r>
+              <a:rPr lang="en-US" altLang="ko-KR" dirty="0" err="1" smtClean="0"/>
+              <a:t>wheelB.cost</a:t>
+            </a:r>
+            <a:r>
+              <a:rPr lang="en-US" altLang="ko-KR" dirty="0" smtClean="0"/>
+              <a:t> = </a:t>
+            </a:r>
+            <a:r>
+              <a:rPr lang="en-US" altLang="ko-KR" dirty="0" err="1" smtClean="0"/>
+              <a:t>Integer.</a:t>
+            </a:r>
+            <a:r>
+              <a:rPr lang="en-US" altLang="ko-KR" i="1" dirty="0" err="1" smtClean="0"/>
+              <a:t>parseInt</a:t>
+            </a:r>
+            <a:r>
+              <a:rPr lang="en-US" altLang="ko-KR" i="1" dirty="0" smtClean="0"/>
+              <a:t>(</a:t>
+            </a:r>
+            <a:r>
+              <a:rPr lang="en-US" altLang="ko-KR" i="1" dirty="0" err="1" smtClean="0"/>
+              <a:t>scanner.nextLine</a:t>
+            </a:r>
+            <a:r>
+              <a:rPr lang="en-US" altLang="ko-KR" i="1" dirty="0" smtClean="0"/>
+              <a:t>());</a:t>
+            </a:r>
+          </a:p>
+          <a:p>
+            <a:r>
+              <a:rPr lang="en-US" altLang="ko-KR" dirty="0" err="1" smtClean="0"/>
+              <a:t>System.</a:t>
+            </a:r>
+            <a:r>
+              <a:rPr lang="en-US" altLang="ko-KR" b="1" i="1" dirty="0" err="1" smtClean="0"/>
+              <a:t>out.print</a:t>
+            </a:r>
+            <a:r>
+              <a:rPr lang="en-US" altLang="ko-KR" b="1" i="1" dirty="0" smtClean="0"/>
+              <a:t>("</a:t>
+            </a:r>
+            <a:r>
+              <a:rPr lang="ko-KR" altLang="en-US" b="1" i="1" dirty="0" smtClean="0"/>
+              <a:t>바퀴 주행거리</a:t>
+            </a:r>
+            <a:r>
+              <a:rPr lang="en-US" altLang="ko-KR" b="1" i="1" dirty="0" smtClean="0"/>
+              <a:t>: ");</a:t>
+            </a:r>
+          </a:p>
+          <a:p>
+            <a:r>
+              <a:rPr lang="en-US" altLang="ko-KR" dirty="0" err="1" smtClean="0"/>
+              <a:t>wheelB.distance</a:t>
+            </a:r>
+            <a:r>
+              <a:rPr lang="en-US" altLang="ko-KR" dirty="0" smtClean="0"/>
+              <a:t> = </a:t>
+            </a:r>
+            <a:r>
+              <a:rPr lang="en-US" altLang="ko-KR" dirty="0" err="1" smtClean="0"/>
+              <a:t>Integer.</a:t>
+            </a:r>
+            <a:r>
+              <a:rPr lang="en-US" altLang="ko-KR" i="1" dirty="0" err="1" smtClean="0"/>
+              <a:t>parseInt</a:t>
+            </a:r>
+            <a:r>
+              <a:rPr lang="en-US" altLang="ko-KR" i="1" dirty="0" smtClean="0"/>
+              <a:t>(</a:t>
+            </a:r>
+            <a:r>
+              <a:rPr lang="en-US" altLang="ko-KR" i="1" dirty="0" err="1" smtClean="0"/>
+              <a:t>scanner.nextLine</a:t>
+            </a:r>
+            <a:r>
+              <a:rPr lang="en-US" altLang="ko-KR" i="1" dirty="0" smtClean="0"/>
+              <a:t>());</a:t>
+            </a:r>
+          </a:p>
+          <a:p>
+            <a:r>
+              <a:rPr lang="en-US" altLang="ko-KR" dirty="0" err="1" smtClean="0"/>
+              <a:t>System.</a:t>
+            </a:r>
+            <a:r>
+              <a:rPr lang="en-US" altLang="ko-KR" b="1" i="1" dirty="0" err="1" smtClean="0"/>
+              <a:t>out.print</a:t>
+            </a:r>
+            <a:r>
+              <a:rPr lang="en-US" altLang="ko-KR" b="1" i="1" dirty="0" smtClean="0"/>
+              <a:t>("</a:t>
+            </a:r>
+            <a:r>
+              <a:rPr lang="ko-KR" altLang="en-US" b="1" i="1" dirty="0" smtClean="0"/>
+              <a:t>차 제조사 </a:t>
+            </a:r>
+            <a:r>
+              <a:rPr lang="en-US" altLang="ko-KR" b="1" i="1" dirty="0" smtClean="0"/>
+              <a:t>: ");</a:t>
+            </a:r>
+          </a:p>
+          <a:p>
+            <a:r>
+              <a:rPr lang="en-US" altLang="ko-KR" dirty="0" err="1" smtClean="0"/>
+              <a:t>carB.companyCar</a:t>
+            </a:r>
+            <a:r>
+              <a:rPr lang="en-US" altLang="ko-KR" dirty="0" smtClean="0"/>
+              <a:t> = </a:t>
+            </a:r>
+            <a:r>
+              <a:rPr lang="en-US" altLang="ko-KR" dirty="0" err="1" smtClean="0"/>
+              <a:t>scanner.nextLine</a:t>
+            </a:r>
+            <a:r>
+              <a:rPr lang="en-US" altLang="ko-KR" dirty="0" smtClean="0"/>
+              <a:t>();</a:t>
+            </a:r>
+          </a:p>
+          <a:p>
+            <a:r>
+              <a:rPr lang="en-US" altLang="ko-KR" dirty="0" err="1" smtClean="0"/>
+              <a:t>System.</a:t>
+            </a:r>
+            <a:r>
+              <a:rPr lang="en-US" altLang="ko-KR" b="1" i="1" dirty="0" err="1" smtClean="0"/>
+              <a:t>out.print</a:t>
+            </a:r>
+            <a:r>
+              <a:rPr lang="en-US" altLang="ko-KR" b="1" i="1" dirty="0" smtClean="0"/>
+              <a:t>("</a:t>
+            </a:r>
+            <a:r>
+              <a:rPr lang="ko-KR" altLang="en-US" b="1" i="1" dirty="0" smtClean="0"/>
+              <a:t>최고속도 </a:t>
+            </a:r>
+            <a:r>
+              <a:rPr lang="en-US" altLang="ko-KR" b="1" i="1" dirty="0" smtClean="0"/>
+              <a:t>: ");</a:t>
+            </a:r>
+          </a:p>
+          <a:p>
+            <a:r>
+              <a:rPr lang="en-US" altLang="ko-KR" dirty="0" err="1" smtClean="0"/>
+              <a:t>carB.maxSpeed</a:t>
+            </a:r>
+            <a:r>
+              <a:rPr lang="en-US" altLang="ko-KR" dirty="0" smtClean="0"/>
+              <a:t> = </a:t>
+            </a:r>
+            <a:r>
+              <a:rPr lang="en-US" altLang="ko-KR" dirty="0" err="1" smtClean="0"/>
+              <a:t>Integer.</a:t>
+            </a:r>
+            <a:r>
+              <a:rPr lang="en-US" altLang="ko-KR" i="1" dirty="0" err="1" smtClean="0"/>
+              <a:t>parseInt</a:t>
+            </a:r>
+            <a:r>
+              <a:rPr lang="en-US" altLang="ko-KR" i="1" dirty="0" smtClean="0"/>
+              <a:t>(</a:t>
+            </a:r>
+            <a:r>
+              <a:rPr lang="en-US" altLang="ko-KR" i="1" dirty="0" err="1" smtClean="0"/>
+              <a:t>scanner.nextLine</a:t>
+            </a:r>
+            <a:r>
+              <a:rPr lang="en-US" altLang="ko-KR" i="1" dirty="0" smtClean="0"/>
+              <a:t>());</a:t>
+            </a:r>
+          </a:p>
+          <a:p>
+            <a:r>
+              <a:rPr lang="en-US" altLang="ko-KR" dirty="0" err="1" smtClean="0"/>
+              <a:t>System.</a:t>
+            </a:r>
+            <a:r>
+              <a:rPr lang="en-US" altLang="ko-KR" b="1" i="1" dirty="0" err="1" smtClean="0"/>
+              <a:t>out.print</a:t>
+            </a:r>
+            <a:r>
+              <a:rPr lang="en-US" altLang="ko-KR" b="1" i="1" dirty="0" smtClean="0"/>
+              <a:t>("</a:t>
+            </a:r>
+            <a:r>
+              <a:rPr lang="ko-KR" altLang="en-US" b="1" i="1" dirty="0" smtClean="0"/>
+              <a:t>차종 </a:t>
+            </a:r>
+            <a:r>
+              <a:rPr lang="en-US" altLang="ko-KR" b="1" i="1" dirty="0" smtClean="0"/>
+              <a:t>: ");</a:t>
+            </a:r>
+          </a:p>
+          <a:p>
+            <a:r>
+              <a:rPr lang="en-US" altLang="ko-KR" dirty="0" err="1" smtClean="0"/>
+              <a:t>carB.carType</a:t>
+            </a:r>
+            <a:r>
+              <a:rPr lang="en-US" altLang="ko-KR" dirty="0" smtClean="0"/>
+              <a:t> = </a:t>
+            </a:r>
+            <a:r>
+              <a:rPr lang="en-US" altLang="ko-KR" dirty="0" err="1" smtClean="0"/>
+              <a:t>scanner.nextLine</a:t>
+            </a:r>
+            <a:r>
+              <a:rPr lang="en-US" altLang="ko-KR" dirty="0" smtClean="0"/>
+              <a:t>();</a:t>
+            </a:r>
+          </a:p>
+          <a:p>
+            <a:r>
+              <a:rPr lang="en-US" altLang="ko-KR" dirty="0" err="1" smtClean="0"/>
+              <a:t>System.</a:t>
+            </a:r>
+            <a:r>
+              <a:rPr lang="en-US" altLang="ko-KR" b="1" i="1" dirty="0" err="1" smtClean="0"/>
+              <a:t>out.printf</a:t>
+            </a:r>
+            <a:r>
+              <a:rPr lang="en-US" altLang="ko-KR" b="1" i="1" dirty="0" smtClean="0"/>
+              <a:t>("</a:t>
+            </a:r>
+            <a:r>
+              <a:rPr lang="ko-KR" altLang="en-US" b="1" i="1" dirty="0" smtClean="0"/>
+              <a:t>차 </a:t>
+            </a:r>
+            <a:r>
+              <a:rPr lang="en-US" altLang="ko-KR" b="1" i="1" dirty="0" err="1" smtClean="0"/>
+              <a:t>B%n</a:t>
+            </a:r>
+            <a:r>
+              <a:rPr lang="ko-KR" altLang="en-US" b="1" i="1" dirty="0" smtClean="0"/>
+              <a:t>색깔 </a:t>
+            </a:r>
+            <a:r>
+              <a:rPr lang="en-US" altLang="ko-KR" b="1" i="1" dirty="0" smtClean="0"/>
+              <a:t>%</a:t>
+            </a:r>
+            <a:r>
+              <a:rPr lang="en-US" altLang="ko-KR" b="1" i="1" dirty="0" err="1" smtClean="0"/>
+              <a:t>s%n</a:t>
+            </a:r>
+            <a:r>
+              <a:rPr lang="ko-KR" altLang="en-US" b="1" i="1" dirty="0" smtClean="0"/>
+              <a:t>바퀴종류 </a:t>
+            </a:r>
+            <a:r>
+              <a:rPr lang="en-US" altLang="ko-KR" b="1" i="1" dirty="0" smtClean="0"/>
+              <a:t>%</a:t>
+            </a:r>
+            <a:r>
+              <a:rPr lang="en-US" altLang="ko-KR" b="1" i="1" dirty="0" err="1" smtClean="0"/>
+              <a:t>s%n</a:t>
+            </a:r>
+            <a:r>
+              <a:rPr lang="ko-KR" altLang="en-US" b="1" i="1" dirty="0" smtClean="0"/>
+              <a:t>바퀴제조사 </a:t>
+            </a:r>
+            <a:r>
+              <a:rPr lang="en-US" altLang="ko-KR" b="1" i="1" dirty="0" smtClean="0"/>
+              <a:t>%</a:t>
+            </a:r>
+            <a:r>
+              <a:rPr lang="en-US" altLang="ko-KR" b="1" i="1" dirty="0" err="1" smtClean="0"/>
+              <a:t>s%n</a:t>
+            </a:r>
+            <a:r>
+              <a:rPr lang="ko-KR" altLang="en-US" b="1" i="1" dirty="0" smtClean="0"/>
+              <a:t>가격 </a:t>
+            </a:r>
+            <a:r>
+              <a:rPr lang="en-US" altLang="ko-KR" b="1" i="1" dirty="0" smtClean="0"/>
+              <a:t>%</a:t>
+            </a:r>
+            <a:r>
+              <a:rPr lang="en-US" altLang="ko-KR" b="1" i="1" dirty="0" err="1" smtClean="0"/>
+              <a:t>d%n</a:t>
+            </a:r>
+            <a:r>
+              <a:rPr lang="ko-KR" altLang="en-US" b="1" i="1" dirty="0" smtClean="0"/>
+              <a:t>주행거리 </a:t>
+            </a:r>
+            <a:r>
+              <a:rPr lang="en-US" altLang="ko-KR" b="1" i="1" dirty="0" smtClean="0"/>
+              <a:t>%</a:t>
+            </a:r>
+            <a:r>
+              <a:rPr lang="en-US" altLang="ko-KR" b="1" i="1" dirty="0" err="1" smtClean="0"/>
+              <a:t>d%n</a:t>
+            </a:r>
+            <a:r>
+              <a:rPr lang="ko-KR" altLang="en-US" b="1" i="1" dirty="0" smtClean="0"/>
+              <a:t>차제조사 </a:t>
+            </a:r>
+            <a:r>
+              <a:rPr lang="en-US" altLang="ko-KR" b="1" i="1" dirty="0" smtClean="0"/>
+              <a:t>%</a:t>
+            </a:r>
+            <a:r>
+              <a:rPr lang="en-US" altLang="ko-KR" b="1" i="1" dirty="0" err="1" smtClean="0"/>
+              <a:t>s%n</a:t>
+            </a:r>
+            <a:r>
+              <a:rPr lang="ko-KR" altLang="en-US" b="1" i="1" dirty="0" smtClean="0"/>
+              <a:t>최고속도 </a:t>
+            </a:r>
+            <a:r>
+              <a:rPr lang="en-US" altLang="ko-KR" b="1" i="1" dirty="0" smtClean="0"/>
+              <a:t>%</a:t>
+            </a:r>
+            <a:r>
+              <a:rPr lang="en-US" altLang="ko-KR" b="1" i="1" dirty="0" err="1" smtClean="0"/>
+              <a:t>d%n</a:t>
+            </a:r>
+            <a:r>
+              <a:rPr lang="ko-KR" altLang="en-US" b="1" i="1" dirty="0" smtClean="0"/>
+              <a:t>차종 </a:t>
+            </a:r>
+            <a:r>
+              <a:rPr lang="en-US" altLang="ko-KR" b="1" i="1" dirty="0" smtClean="0"/>
+              <a:t>%</a:t>
+            </a:r>
+            <a:r>
+              <a:rPr lang="en-US" altLang="ko-KR" b="1" i="1" dirty="0" err="1" smtClean="0"/>
+              <a:t>s%n</a:t>
+            </a:r>
+            <a:r>
+              <a:rPr lang="en-US" altLang="ko-KR" b="1" i="1" dirty="0" smtClean="0"/>
+              <a:t>"</a:t>
+            </a:r>
+          </a:p>
+          <a:p>
+            <a:r>
+              <a:rPr lang="en-US" altLang="ko-KR" dirty="0" smtClean="0"/>
+              <a:t>,carB.color,carB.wheel,wheelB.companyWheel,wheelB.cost,wheelB.distance</a:t>
+            </a:r>
+          </a:p>
+          <a:p>
+            <a:r>
+              <a:rPr lang="en-US" altLang="ko-KR" dirty="0" smtClean="0"/>
+              <a:t>,</a:t>
+            </a:r>
+            <a:r>
+              <a:rPr lang="en-US" altLang="ko-KR" dirty="0" err="1" smtClean="0"/>
+              <a:t>carB.companyCar,carB.maxSpeed,carB.carType</a:t>
+            </a:r>
+            <a:r>
+              <a:rPr lang="en-US" altLang="ko-KR" dirty="0" smtClean="0"/>
+              <a:t>);</a:t>
+            </a:r>
+            <a:endParaRPr lang="ko-KR" altLang="en-US" dirty="0"/>
+          </a:p>
+        </p:txBody>
+      </p:sp>
+    </p:spTree>
+  </p:cSld>
+  <p:clrMapOvr>
+    <a:masterClrMapping/>
+  </p:clrMapOvr>
+</p:sld>
+</file>
+
+<file path=ppt/slides/slide7.xml><?xml version="1.0" encoding="utf-8"?>
+<p:sld xmlns:a="http://schemas.openxmlformats.org/drawingml/2006/main" xmlns:r="http://schemas.openxmlformats.org/officeDocument/2006/relationships" xmlns:p="http://schemas.openxmlformats.org/presentationml/2006/main">
+  <p:cSld>
+    <p:spTree>
+      <p:nvGrpSpPr>
+        <p:cNvPr id="1" name=""/>
+        <p:cNvGrpSpPr/>
+        <p:nvPr/>
+      </p:nvGrpSpPr>
+      <p:grpSpPr>
+        <a:xfrm>
+          <a:off x="0" y="0"/>
+          <a:ext cx="0" cy="0"/>
+          <a:chOff x="0" y="0"/>
+          <a:chExt cx="0" cy="0"/>
+        </a:xfrm>
+      </p:grpSpPr>
+      <p:sp>
+        <p:nvSpPr>
+          <p:cNvPr id="2" name="TextBox 1"/>
+          <p:cNvSpPr txBox="1"/>
+          <p:nvPr/>
+        </p:nvSpPr>
+        <p:spPr>
+          <a:xfrm>
+            <a:off x="642910" y="117693"/>
+            <a:ext cx="7572428" cy="6740307"/>
+          </a:xfrm>
+          <a:prstGeom prst="rect">
+            <a:avLst/>
+          </a:prstGeom>
+          <a:noFill/>
+        </p:spPr>
+        <p:txBody>
+          <a:bodyPr wrap="square" rtlCol="0">
+            <a:spAutoFit/>
+          </a:bodyPr>
+          <a:lstStyle/>
+          <a:p>
+            <a:r>
+              <a:rPr lang="en-US" altLang="ko-KR" dirty="0" err="1" smtClean="0"/>
+              <a:t>System.</a:t>
+            </a:r>
+            <a:r>
+              <a:rPr lang="en-US" altLang="ko-KR" b="1" i="1" dirty="0" err="1" smtClean="0"/>
+              <a:t>out.printf</a:t>
+            </a:r>
+            <a:r>
+              <a:rPr lang="en-US" altLang="ko-KR" b="1" i="1" dirty="0" smtClean="0"/>
+              <a:t>("</a:t>
+            </a:r>
+            <a:r>
+              <a:rPr lang="ko-KR" altLang="en-US" b="1" i="1" dirty="0" smtClean="0"/>
+              <a:t>차</a:t>
+            </a:r>
+            <a:r>
+              <a:rPr lang="en-US" altLang="ko-KR" b="1" i="1" dirty="0" smtClean="0"/>
+              <a:t>C</a:t>
+            </a:r>
+            <a:r>
+              <a:rPr lang="ko-KR" altLang="en-US" b="1" i="1" dirty="0" smtClean="0"/>
+              <a:t>의 정보 입력</a:t>
+            </a:r>
+            <a:r>
+              <a:rPr lang="en-US" altLang="ko-KR" b="1" i="1" dirty="0" smtClean="0"/>
+              <a:t>%n");</a:t>
+            </a:r>
+          </a:p>
+          <a:p>
+            <a:r>
+              <a:rPr lang="en-US" altLang="ko-KR" dirty="0" err="1" smtClean="0"/>
+              <a:t>System.</a:t>
+            </a:r>
+            <a:r>
+              <a:rPr lang="en-US" altLang="ko-KR" b="1" i="1" dirty="0" err="1" smtClean="0"/>
+              <a:t>out.print</a:t>
+            </a:r>
+            <a:r>
+              <a:rPr lang="en-US" altLang="ko-KR" b="1" i="1" dirty="0" smtClean="0"/>
+              <a:t>("</a:t>
+            </a:r>
+            <a:r>
+              <a:rPr lang="ko-KR" altLang="en-US" b="1" i="1" dirty="0" smtClean="0"/>
+              <a:t>색깔 </a:t>
+            </a:r>
+            <a:r>
+              <a:rPr lang="en-US" altLang="ko-KR" b="1" i="1" dirty="0" smtClean="0"/>
+              <a:t>: ");</a:t>
+            </a:r>
+          </a:p>
+          <a:p>
+            <a:r>
+              <a:rPr lang="en-US" altLang="ko-KR" dirty="0" err="1" smtClean="0"/>
+              <a:t>carC.color</a:t>
+            </a:r>
+            <a:r>
+              <a:rPr lang="en-US" altLang="ko-KR" dirty="0" smtClean="0"/>
+              <a:t> = </a:t>
+            </a:r>
+            <a:r>
+              <a:rPr lang="en-US" altLang="ko-KR" dirty="0" err="1" smtClean="0"/>
+              <a:t>scanner.nextLine</a:t>
+            </a:r>
+            <a:r>
+              <a:rPr lang="en-US" altLang="ko-KR" dirty="0" smtClean="0"/>
+              <a:t>();</a:t>
+            </a:r>
+          </a:p>
+          <a:p>
+            <a:r>
+              <a:rPr lang="en-US" altLang="ko-KR" dirty="0" err="1" smtClean="0"/>
+              <a:t>System.</a:t>
+            </a:r>
+            <a:r>
+              <a:rPr lang="en-US" altLang="ko-KR" b="1" i="1" dirty="0" err="1" smtClean="0"/>
+              <a:t>out.print</a:t>
+            </a:r>
+            <a:r>
+              <a:rPr lang="en-US" altLang="ko-KR" b="1" i="1" dirty="0" smtClean="0"/>
+              <a:t>("</a:t>
+            </a:r>
+            <a:r>
+              <a:rPr lang="ko-KR" altLang="en-US" b="1" i="1" dirty="0" smtClean="0"/>
+              <a:t>바퀴 종류</a:t>
+            </a:r>
+            <a:r>
+              <a:rPr lang="en-US" altLang="ko-KR" b="1" i="1" dirty="0" smtClean="0"/>
+              <a:t>: ");</a:t>
+            </a:r>
+          </a:p>
+          <a:p>
+            <a:r>
+              <a:rPr lang="en-US" altLang="ko-KR" dirty="0" err="1" smtClean="0"/>
+              <a:t>carC.wheel</a:t>
+            </a:r>
+            <a:r>
+              <a:rPr lang="en-US" altLang="ko-KR" dirty="0" smtClean="0"/>
+              <a:t> = </a:t>
+            </a:r>
+            <a:r>
+              <a:rPr lang="en-US" altLang="ko-KR" dirty="0" err="1" smtClean="0"/>
+              <a:t>scanner.nextLine</a:t>
+            </a:r>
+            <a:r>
+              <a:rPr lang="en-US" altLang="ko-KR" dirty="0" smtClean="0"/>
+              <a:t>();</a:t>
+            </a:r>
+          </a:p>
+          <a:p>
+            <a:r>
+              <a:rPr lang="en-US" altLang="ko-KR" dirty="0" err="1" smtClean="0"/>
+              <a:t>System.</a:t>
+            </a:r>
+            <a:r>
+              <a:rPr lang="en-US" altLang="ko-KR" b="1" i="1" dirty="0" err="1" smtClean="0"/>
+              <a:t>out.print</a:t>
+            </a:r>
+            <a:r>
+              <a:rPr lang="en-US" altLang="ko-KR" b="1" i="1" dirty="0" smtClean="0"/>
+              <a:t>("</a:t>
+            </a:r>
+            <a:r>
+              <a:rPr lang="ko-KR" altLang="en-US" b="1" i="1" dirty="0" smtClean="0"/>
+              <a:t>바퀴 제조사 </a:t>
+            </a:r>
+            <a:r>
+              <a:rPr lang="en-US" altLang="ko-KR" b="1" i="1" dirty="0" smtClean="0"/>
+              <a:t>: ");</a:t>
+            </a:r>
+          </a:p>
+          <a:p>
+            <a:r>
+              <a:rPr lang="en-US" altLang="ko-KR" dirty="0" err="1" smtClean="0"/>
+              <a:t>wheelC.companyWheel</a:t>
+            </a:r>
+            <a:r>
+              <a:rPr lang="en-US" altLang="ko-KR" dirty="0" smtClean="0"/>
+              <a:t> = </a:t>
+            </a:r>
+            <a:r>
+              <a:rPr lang="en-US" altLang="ko-KR" dirty="0" err="1" smtClean="0"/>
+              <a:t>scanner.nextLine</a:t>
+            </a:r>
+            <a:r>
+              <a:rPr lang="en-US" altLang="ko-KR" dirty="0" smtClean="0"/>
+              <a:t>();</a:t>
+            </a:r>
+          </a:p>
+          <a:p>
+            <a:r>
+              <a:rPr lang="en-US" altLang="ko-KR" dirty="0" err="1" smtClean="0"/>
+              <a:t>System.</a:t>
+            </a:r>
+            <a:r>
+              <a:rPr lang="en-US" altLang="ko-KR" b="1" i="1" dirty="0" err="1" smtClean="0"/>
+              <a:t>out.print</a:t>
+            </a:r>
+            <a:r>
+              <a:rPr lang="en-US" altLang="ko-KR" b="1" i="1" dirty="0" smtClean="0"/>
+              <a:t>("</a:t>
+            </a:r>
+            <a:r>
+              <a:rPr lang="ko-KR" altLang="en-US" b="1" i="1" dirty="0" smtClean="0"/>
+              <a:t>바퀴 가격</a:t>
+            </a:r>
+            <a:r>
+              <a:rPr lang="en-US" altLang="ko-KR" b="1" i="1" dirty="0" smtClean="0"/>
+              <a:t>: ");</a:t>
+            </a:r>
+          </a:p>
+          <a:p>
+            <a:r>
+              <a:rPr lang="en-US" altLang="ko-KR" dirty="0" err="1" smtClean="0"/>
+              <a:t>wheelC.cost</a:t>
+            </a:r>
+            <a:r>
+              <a:rPr lang="en-US" altLang="ko-KR" dirty="0" smtClean="0"/>
+              <a:t> = </a:t>
+            </a:r>
+            <a:r>
+              <a:rPr lang="en-US" altLang="ko-KR" dirty="0" err="1" smtClean="0"/>
+              <a:t>Integer.</a:t>
+            </a:r>
+            <a:r>
+              <a:rPr lang="en-US" altLang="ko-KR" i="1" dirty="0" err="1" smtClean="0"/>
+              <a:t>parseInt</a:t>
+            </a:r>
+            <a:r>
+              <a:rPr lang="en-US" altLang="ko-KR" i="1" dirty="0" smtClean="0"/>
+              <a:t>(</a:t>
+            </a:r>
+            <a:r>
+              <a:rPr lang="en-US" altLang="ko-KR" i="1" dirty="0" err="1" smtClean="0"/>
+              <a:t>scanner.nextLine</a:t>
+            </a:r>
+            <a:r>
+              <a:rPr lang="en-US" altLang="ko-KR" i="1" dirty="0" smtClean="0"/>
+              <a:t>());</a:t>
+            </a:r>
+          </a:p>
+          <a:p>
+            <a:r>
+              <a:rPr lang="en-US" altLang="ko-KR" dirty="0" err="1" smtClean="0"/>
+              <a:t>System.</a:t>
+            </a:r>
+            <a:r>
+              <a:rPr lang="en-US" altLang="ko-KR" b="1" i="1" dirty="0" err="1" smtClean="0"/>
+              <a:t>out.print</a:t>
+            </a:r>
+            <a:r>
+              <a:rPr lang="en-US" altLang="ko-KR" b="1" i="1" dirty="0" smtClean="0"/>
+              <a:t>("</a:t>
+            </a:r>
+            <a:r>
+              <a:rPr lang="ko-KR" altLang="en-US" b="1" i="1" dirty="0" smtClean="0"/>
+              <a:t>바퀴 주행거리</a:t>
+            </a:r>
+            <a:r>
+              <a:rPr lang="en-US" altLang="ko-KR" b="1" i="1" dirty="0" smtClean="0"/>
+              <a:t>: ");</a:t>
+            </a:r>
+          </a:p>
+          <a:p>
+            <a:r>
+              <a:rPr lang="en-US" altLang="ko-KR" dirty="0" err="1" smtClean="0"/>
+              <a:t>wheelC.distance</a:t>
+            </a:r>
+            <a:r>
+              <a:rPr lang="en-US" altLang="ko-KR" dirty="0" smtClean="0"/>
+              <a:t> = </a:t>
+            </a:r>
+            <a:r>
+              <a:rPr lang="en-US" altLang="ko-KR" dirty="0" err="1" smtClean="0"/>
+              <a:t>Integer.</a:t>
+            </a:r>
+            <a:r>
+              <a:rPr lang="en-US" altLang="ko-KR" i="1" dirty="0" err="1" smtClean="0"/>
+              <a:t>parseInt</a:t>
+            </a:r>
+            <a:r>
+              <a:rPr lang="en-US" altLang="ko-KR" i="1" dirty="0" smtClean="0"/>
+              <a:t>(</a:t>
+            </a:r>
+            <a:r>
+              <a:rPr lang="en-US" altLang="ko-KR" i="1" dirty="0" err="1" smtClean="0"/>
+              <a:t>scanner.nextLine</a:t>
+            </a:r>
+            <a:r>
+              <a:rPr lang="en-US" altLang="ko-KR" i="1" dirty="0" smtClean="0"/>
+              <a:t>());</a:t>
+            </a:r>
+          </a:p>
+          <a:p>
+            <a:r>
+              <a:rPr lang="en-US" altLang="ko-KR" dirty="0" err="1" smtClean="0"/>
+              <a:t>System.</a:t>
+            </a:r>
+            <a:r>
+              <a:rPr lang="en-US" altLang="ko-KR" b="1" i="1" dirty="0" err="1" smtClean="0"/>
+              <a:t>out.print</a:t>
+            </a:r>
+            <a:r>
+              <a:rPr lang="en-US" altLang="ko-KR" b="1" i="1" dirty="0" smtClean="0"/>
+              <a:t>("</a:t>
+            </a:r>
+            <a:r>
+              <a:rPr lang="ko-KR" altLang="en-US" b="1" i="1" dirty="0" smtClean="0"/>
+              <a:t>차 제조사 </a:t>
+            </a:r>
+            <a:r>
+              <a:rPr lang="en-US" altLang="ko-KR" b="1" i="1" dirty="0" smtClean="0"/>
+              <a:t>: ");</a:t>
+            </a:r>
+          </a:p>
+          <a:p>
+            <a:r>
+              <a:rPr lang="en-US" altLang="ko-KR" dirty="0" err="1" smtClean="0"/>
+              <a:t>carC.companyCar</a:t>
+            </a:r>
+            <a:r>
+              <a:rPr lang="en-US" altLang="ko-KR" dirty="0" smtClean="0"/>
+              <a:t> = </a:t>
+            </a:r>
+            <a:r>
+              <a:rPr lang="en-US" altLang="ko-KR" dirty="0" err="1" smtClean="0"/>
+              <a:t>scanner.nextLine</a:t>
+            </a:r>
+            <a:r>
+              <a:rPr lang="en-US" altLang="ko-KR" dirty="0" smtClean="0"/>
+              <a:t>();</a:t>
+            </a:r>
+          </a:p>
+          <a:p>
+            <a:r>
+              <a:rPr lang="en-US" altLang="ko-KR" dirty="0" err="1" smtClean="0"/>
+              <a:t>System.</a:t>
+            </a:r>
+            <a:r>
+              <a:rPr lang="en-US" altLang="ko-KR" b="1" i="1" dirty="0" err="1" smtClean="0"/>
+              <a:t>out.print</a:t>
+            </a:r>
+            <a:r>
+              <a:rPr lang="en-US" altLang="ko-KR" b="1" i="1" dirty="0" smtClean="0"/>
+              <a:t>("</a:t>
+            </a:r>
+            <a:r>
+              <a:rPr lang="ko-KR" altLang="en-US" b="1" i="1" dirty="0" smtClean="0"/>
+              <a:t>최고속도 </a:t>
+            </a:r>
+            <a:r>
+              <a:rPr lang="en-US" altLang="ko-KR" b="1" i="1" dirty="0" smtClean="0"/>
+              <a:t>: ");</a:t>
+            </a:r>
+          </a:p>
+          <a:p>
+            <a:r>
+              <a:rPr lang="en-US" altLang="ko-KR" dirty="0" err="1" smtClean="0"/>
+              <a:t>carC.maxSpeed</a:t>
+            </a:r>
+            <a:r>
+              <a:rPr lang="en-US" altLang="ko-KR" dirty="0" smtClean="0"/>
+              <a:t> = </a:t>
+            </a:r>
+            <a:r>
+              <a:rPr lang="en-US" altLang="ko-KR" dirty="0" err="1" smtClean="0"/>
+              <a:t>Integer.</a:t>
+            </a:r>
+            <a:r>
+              <a:rPr lang="en-US" altLang="ko-KR" i="1" dirty="0" err="1" smtClean="0"/>
+              <a:t>parseInt</a:t>
+            </a:r>
+            <a:r>
+              <a:rPr lang="en-US" altLang="ko-KR" i="1" dirty="0" smtClean="0"/>
+              <a:t>(</a:t>
+            </a:r>
+            <a:r>
+              <a:rPr lang="en-US" altLang="ko-KR" i="1" dirty="0" err="1" smtClean="0"/>
+              <a:t>scanner.nextLine</a:t>
+            </a:r>
+            <a:r>
+              <a:rPr lang="en-US" altLang="ko-KR" i="1" dirty="0" smtClean="0"/>
+              <a:t>());</a:t>
+            </a:r>
+          </a:p>
+          <a:p>
+            <a:r>
+              <a:rPr lang="en-US" altLang="ko-KR" dirty="0" err="1" smtClean="0"/>
+              <a:t>System.</a:t>
+            </a:r>
+            <a:r>
+              <a:rPr lang="en-US" altLang="ko-KR" b="1" i="1" dirty="0" err="1" smtClean="0"/>
+              <a:t>out.print</a:t>
+            </a:r>
+            <a:r>
+              <a:rPr lang="en-US" altLang="ko-KR" b="1" i="1" dirty="0" smtClean="0"/>
+              <a:t>("</a:t>
+            </a:r>
+            <a:r>
+              <a:rPr lang="ko-KR" altLang="en-US" b="1" i="1" dirty="0" smtClean="0"/>
+              <a:t>차종 </a:t>
+            </a:r>
+            <a:r>
+              <a:rPr lang="en-US" altLang="ko-KR" b="1" i="1" dirty="0" smtClean="0"/>
+              <a:t>: ");</a:t>
+            </a:r>
+          </a:p>
+          <a:p>
+            <a:r>
+              <a:rPr lang="en-US" altLang="ko-KR" dirty="0" err="1" smtClean="0"/>
+              <a:t>carC.carType</a:t>
+            </a:r>
+            <a:r>
+              <a:rPr lang="en-US" altLang="ko-KR" dirty="0" smtClean="0"/>
+              <a:t> = </a:t>
+            </a:r>
+            <a:r>
+              <a:rPr lang="en-US" altLang="ko-KR" dirty="0" err="1" smtClean="0"/>
+              <a:t>scanner.nextLine</a:t>
+            </a:r>
+            <a:r>
+              <a:rPr lang="en-US" altLang="ko-KR" dirty="0" smtClean="0"/>
+              <a:t>();</a:t>
+            </a:r>
+          </a:p>
+          <a:p>
+            <a:r>
+              <a:rPr lang="en-US" altLang="ko-KR" dirty="0" err="1" smtClean="0"/>
+              <a:t>System.</a:t>
+            </a:r>
+            <a:r>
+              <a:rPr lang="en-US" altLang="ko-KR" b="1" i="1" dirty="0" err="1" smtClean="0"/>
+              <a:t>out.printf</a:t>
+            </a:r>
+            <a:r>
+              <a:rPr lang="en-US" altLang="ko-KR" b="1" i="1" dirty="0" smtClean="0"/>
+              <a:t>("</a:t>
+            </a:r>
+            <a:r>
+              <a:rPr lang="ko-KR" altLang="en-US" b="1" i="1" dirty="0" smtClean="0"/>
+              <a:t>차 </a:t>
+            </a:r>
+            <a:r>
+              <a:rPr lang="en-US" altLang="ko-KR" b="1" i="1" dirty="0" err="1" smtClean="0"/>
+              <a:t>C%n</a:t>
+            </a:r>
+            <a:r>
+              <a:rPr lang="ko-KR" altLang="en-US" b="1" i="1" dirty="0" smtClean="0"/>
+              <a:t>색깔 </a:t>
+            </a:r>
+            <a:r>
+              <a:rPr lang="en-US" altLang="ko-KR" b="1" i="1" dirty="0" smtClean="0"/>
+              <a:t>%</a:t>
+            </a:r>
+            <a:r>
+              <a:rPr lang="en-US" altLang="ko-KR" b="1" i="1" dirty="0" err="1" smtClean="0"/>
+              <a:t>s%n</a:t>
+            </a:r>
+            <a:r>
+              <a:rPr lang="ko-KR" altLang="en-US" b="1" i="1" dirty="0" smtClean="0"/>
+              <a:t>바퀴종류 </a:t>
+            </a:r>
+            <a:r>
+              <a:rPr lang="en-US" altLang="ko-KR" b="1" i="1" dirty="0" smtClean="0"/>
+              <a:t>%</a:t>
+            </a:r>
+            <a:r>
+              <a:rPr lang="en-US" altLang="ko-KR" b="1" i="1" dirty="0" err="1" smtClean="0"/>
+              <a:t>s%n</a:t>
+            </a:r>
+            <a:r>
+              <a:rPr lang="ko-KR" altLang="en-US" b="1" i="1" dirty="0" smtClean="0"/>
+              <a:t>바퀴제조사 </a:t>
+            </a:r>
+            <a:r>
+              <a:rPr lang="en-US" altLang="ko-KR" b="1" i="1" dirty="0" smtClean="0"/>
+              <a:t>%</a:t>
+            </a:r>
+            <a:r>
+              <a:rPr lang="en-US" altLang="ko-KR" b="1" i="1" dirty="0" err="1" smtClean="0"/>
+              <a:t>s%n</a:t>
+            </a:r>
+            <a:r>
+              <a:rPr lang="ko-KR" altLang="en-US" b="1" i="1" dirty="0" smtClean="0"/>
+              <a:t>가격 </a:t>
+            </a:r>
+            <a:r>
+              <a:rPr lang="en-US" altLang="ko-KR" b="1" i="1" dirty="0" smtClean="0"/>
+              <a:t>%</a:t>
+            </a:r>
+            <a:r>
+              <a:rPr lang="en-US" altLang="ko-KR" b="1" i="1" dirty="0" err="1" smtClean="0"/>
+              <a:t>d%n</a:t>
+            </a:r>
+            <a:r>
+              <a:rPr lang="ko-KR" altLang="en-US" b="1" i="1" dirty="0" smtClean="0"/>
+              <a:t>주행거리 </a:t>
+            </a:r>
+            <a:r>
+              <a:rPr lang="en-US" altLang="ko-KR" b="1" i="1" dirty="0" smtClean="0"/>
+              <a:t>%</a:t>
+            </a:r>
+            <a:r>
+              <a:rPr lang="en-US" altLang="ko-KR" b="1" i="1" dirty="0" err="1" smtClean="0"/>
+              <a:t>d%n</a:t>
+            </a:r>
+            <a:r>
+              <a:rPr lang="ko-KR" altLang="en-US" b="1" i="1" dirty="0" smtClean="0"/>
+              <a:t>차제조사 </a:t>
+            </a:r>
+            <a:r>
+              <a:rPr lang="en-US" altLang="ko-KR" b="1" i="1" dirty="0" smtClean="0"/>
+              <a:t>%</a:t>
+            </a:r>
+            <a:r>
+              <a:rPr lang="en-US" altLang="ko-KR" b="1" i="1" dirty="0" err="1" smtClean="0"/>
+              <a:t>s%n</a:t>
+            </a:r>
+            <a:r>
+              <a:rPr lang="ko-KR" altLang="en-US" b="1" i="1" dirty="0" smtClean="0"/>
+              <a:t>최고속도 </a:t>
+            </a:r>
+            <a:r>
+              <a:rPr lang="en-US" altLang="ko-KR" b="1" i="1" dirty="0" smtClean="0"/>
+              <a:t>%</a:t>
+            </a:r>
+            <a:r>
+              <a:rPr lang="en-US" altLang="ko-KR" b="1" i="1" dirty="0" err="1" smtClean="0"/>
+              <a:t>d%n</a:t>
+            </a:r>
+            <a:r>
+              <a:rPr lang="ko-KR" altLang="en-US" b="1" i="1" dirty="0" smtClean="0"/>
+              <a:t>차종 </a:t>
+            </a:r>
+            <a:r>
+              <a:rPr lang="en-US" altLang="ko-KR" b="1" i="1" dirty="0" smtClean="0"/>
+              <a:t>%</a:t>
+            </a:r>
+            <a:r>
+              <a:rPr lang="en-US" altLang="ko-KR" b="1" i="1" dirty="0" err="1" smtClean="0"/>
+              <a:t>s%n</a:t>
+            </a:r>
+            <a:r>
+              <a:rPr lang="en-US" altLang="ko-KR" b="1" i="1" dirty="0" smtClean="0"/>
+              <a:t>"</a:t>
+            </a:r>
+          </a:p>
+          <a:p>
+            <a:r>
+              <a:rPr lang="en-US" altLang="ko-KR" dirty="0" smtClean="0"/>
+              <a:t>,carC.color,carC.wheel,wheelC.companyWheel,wheelC.cost,wheelC.distance</a:t>
+            </a:r>
+          </a:p>
+          <a:p>
+            <a:r>
+              <a:rPr lang="en-US" altLang="ko-KR" dirty="0" smtClean="0"/>
+              <a:t>,</a:t>
+            </a:r>
+            <a:r>
+              <a:rPr lang="en-US" altLang="ko-KR" dirty="0" err="1" smtClean="0"/>
+              <a:t>carC.companyCar,carC.maxSpeed,carC.carType</a:t>
+            </a:r>
+            <a:r>
+              <a:rPr lang="en-US" altLang="ko-KR" dirty="0" smtClean="0"/>
+              <a:t>);</a:t>
+            </a:r>
+          </a:p>
+          <a:p>
+            <a:endParaRPr lang="ko-KR" altLang="en-US" dirty="0"/>
+          </a:p>
+        </p:txBody>
+      </p:sp>
+    </p:spTree>
+  </p:cSld>
+  <p:clrMapOvr>
+    <a:masterClrMapping/>
+  </p:clrMapOvr>
+</p:sld>
+</file>
+
+<file path=ppt/slides/slide8.xml><?xml version="1.0" encoding="utf-8"?>
 <p:sld xmlns:a="http://schemas.openxmlformats.org/drawingml/2006/main" xmlns:r="http://schemas.openxmlformats.org/officeDocument/2006/relationships" xmlns:p="http://schemas.openxmlformats.org/presentationml/2006/main">
   <p:cSld>
     <p:spTree>
